--- a/дипломная работа/Лямкин презентация.pptx
+++ b/дипломная работа/Лямкин презентация.pptx
@@ -1,18 +1,22 @@
 
 <file path=ppt/presentation.xml><?xml version="1.0" encoding="utf-8"?>
-<p:presentation xmlns:a="http://schemas.openxmlformats.org/drawingml/2006/main" xmlns:r="http://schemas.openxmlformats.org/officeDocument/2006/relationships" xmlns:p="http://schemas.openxmlformats.org/presentationml/2006/main" saveSubsetFonts="1" autoCompressPictures="0">
+<p:presentation xmlns:a="http://schemas.openxmlformats.org/drawingml/2006/main" xmlns:r="http://schemas.openxmlformats.org/officeDocument/2006/relationships" xmlns:p="http://schemas.openxmlformats.org/presentationml/2006/main" showSpecialPlsOnTitleSld="0" saveSubsetFonts="1" autoCompressPictures="0">
   <p:sldMasterIdLst>
     <p:sldMasterId id="2147483648" r:id="rId1"/>
   </p:sldMasterIdLst>
+  <p:notesMasterIdLst>
+    <p:notesMasterId r:id="rId11"/>
+  </p:notesMasterIdLst>
   <p:sldIdLst>
     <p:sldId id="262" r:id="rId2"/>
     <p:sldId id="263" r:id="rId3"/>
-    <p:sldId id="257" r:id="rId4"/>
+    <p:sldId id="259" r:id="rId4"/>
     <p:sldId id="258" r:id="rId5"/>
-    <p:sldId id="259" r:id="rId6"/>
-    <p:sldId id="264" r:id="rId7"/>
-    <p:sldId id="260" r:id="rId8"/>
-    <p:sldId id="261" r:id="rId9"/>
+    <p:sldId id="257" r:id="rId6"/>
+    <p:sldId id="260" r:id="rId7"/>
+    <p:sldId id="261" r:id="rId8"/>
+    <p:sldId id="265" r:id="rId9"/>
+    <p:sldId id="266" r:id="rId10"/>
   </p:sldIdLst>
   <p:sldSz cx="9144000" cy="6858000" type="screen4x3"/>
   <p:notesSz cx="6858000" cy="9144000"/>
@@ -130,6 +134,356 @@
 </p:presentation>
 </file>
 
+<file path=ppt/notesMasters/notesMaster1.xml><?xml version="1.0" encoding="utf-8"?>
+<p:notesMaster xmlns:a="http://schemas.openxmlformats.org/drawingml/2006/main" xmlns:r="http://schemas.openxmlformats.org/officeDocument/2006/relationships" xmlns:p="http://schemas.openxmlformats.org/presentationml/2006/main">
+  <p:cSld>
+    <p:bg>
+      <p:bgRef idx="1001">
+        <a:schemeClr val="bg1"/>
+      </p:bgRef>
+    </p:bg>
+    <p:spTree>
+      <p:nvGrpSpPr>
+        <p:cNvPr id="1" name=""/>
+        <p:cNvGrpSpPr/>
+        <p:nvPr/>
+      </p:nvGrpSpPr>
+      <p:grpSpPr>
+        <a:xfrm>
+          <a:off x="0" y="0"/>
+          <a:ext cx="0" cy="0"/>
+          <a:chOff x="0" y="0"/>
+          <a:chExt cx="0" cy="0"/>
+        </a:xfrm>
+      </p:grpSpPr>
+      <p:sp>
+        <p:nvSpPr>
+          <p:cNvPr id="2" name="Верхний колонтитул 1"/>
+          <p:cNvSpPr>
+            <a:spLocks noGrp="1"/>
+          </p:cNvSpPr>
+          <p:nvPr>
+            <p:ph type="hdr" sz="quarter"/>
+          </p:nvPr>
+        </p:nvSpPr>
+        <p:spPr>
+          <a:xfrm>
+            <a:off x="0" y="0"/>
+            <a:ext cx="2971800" cy="458788"/>
+          </a:xfrm>
+          <a:prstGeom prst="rect">
+            <a:avLst/>
+          </a:prstGeom>
+        </p:spPr>
+        <p:txBody>
+          <a:bodyPr vert="horz" lIns="91440" tIns="45720" rIns="91440" bIns="45720" rtlCol="0"/>
+          <a:lstStyle>
+            <a:lvl1pPr algn="l">
+              <a:defRPr sz="1200"/>
+            </a:lvl1pPr>
+          </a:lstStyle>
+          <a:p>
+            <a:endParaRPr lang="ru-RU"/>
+          </a:p>
+        </p:txBody>
+      </p:sp>
+      <p:sp>
+        <p:nvSpPr>
+          <p:cNvPr id="3" name="Дата 2"/>
+          <p:cNvSpPr>
+            <a:spLocks noGrp="1"/>
+          </p:cNvSpPr>
+          <p:nvPr>
+            <p:ph type="dt" idx="1"/>
+          </p:nvPr>
+        </p:nvSpPr>
+        <p:spPr>
+          <a:xfrm>
+            <a:off x="3884613" y="0"/>
+            <a:ext cx="2971800" cy="458788"/>
+          </a:xfrm>
+          <a:prstGeom prst="rect">
+            <a:avLst/>
+          </a:prstGeom>
+        </p:spPr>
+        <p:txBody>
+          <a:bodyPr vert="horz" lIns="91440" tIns="45720" rIns="91440" bIns="45720" rtlCol="0"/>
+          <a:lstStyle>
+            <a:lvl1pPr algn="r">
+              <a:defRPr sz="1200"/>
+            </a:lvl1pPr>
+          </a:lstStyle>
+          <a:p>
+            <a:fld id="{CDF775EB-797C-4541-87BC-E11162B6267A}" type="datetimeFigureOut">
+              <a:rPr lang="ru-RU" smtClean="0"/>
+              <a:t>24.04.2025</a:t>
+            </a:fld>
+            <a:endParaRPr lang="ru-RU"/>
+          </a:p>
+        </p:txBody>
+      </p:sp>
+      <p:sp>
+        <p:nvSpPr>
+          <p:cNvPr id="4" name="Образ слайда 3"/>
+          <p:cNvSpPr>
+            <a:spLocks noGrp="1" noRot="1" noChangeAspect="1"/>
+          </p:cNvSpPr>
+          <p:nvPr>
+            <p:ph type="sldImg" idx="2"/>
+          </p:nvPr>
+        </p:nvSpPr>
+        <p:spPr>
+          <a:xfrm>
+            <a:off x="1371600" y="1143000"/>
+            <a:ext cx="4114800" cy="3086100"/>
+          </a:xfrm>
+          <a:prstGeom prst="rect">
+            <a:avLst/>
+          </a:prstGeom>
+          <a:noFill/>
+          <a:ln w="12700">
+            <a:solidFill>
+              <a:prstClr val="black"/>
+            </a:solidFill>
+          </a:ln>
+        </p:spPr>
+        <p:txBody>
+          <a:bodyPr vert="horz" lIns="91440" tIns="45720" rIns="91440" bIns="45720" rtlCol="0" anchor="ctr"/>
+          <a:lstStyle/>
+          <a:p>
+            <a:endParaRPr lang="ru-RU"/>
+          </a:p>
+        </p:txBody>
+      </p:sp>
+      <p:sp>
+        <p:nvSpPr>
+          <p:cNvPr id="5" name="Заметки 4"/>
+          <p:cNvSpPr>
+            <a:spLocks noGrp="1"/>
+          </p:cNvSpPr>
+          <p:nvPr>
+            <p:ph type="body" sz="quarter" idx="3"/>
+          </p:nvPr>
+        </p:nvSpPr>
+        <p:spPr>
+          <a:xfrm>
+            <a:off x="685800" y="4400550"/>
+            <a:ext cx="5486400" cy="3600450"/>
+          </a:xfrm>
+          <a:prstGeom prst="rect">
+            <a:avLst/>
+          </a:prstGeom>
+        </p:spPr>
+        <p:txBody>
+          <a:bodyPr vert="horz" lIns="91440" tIns="45720" rIns="91440" bIns="45720" rtlCol="0"/>
+          <a:lstStyle/>
+          <a:p>
+            <a:pPr lvl="0"/>
+            <a:r>
+              <a:rPr lang="ru-RU" smtClean="0"/>
+              <a:t>Образец текста</a:t>
+            </a:r>
+          </a:p>
+          <a:p>
+            <a:pPr lvl="1"/>
+            <a:r>
+              <a:rPr lang="ru-RU" smtClean="0"/>
+              <a:t>Второй уровень</a:t>
+            </a:r>
+          </a:p>
+          <a:p>
+            <a:pPr lvl="2"/>
+            <a:r>
+              <a:rPr lang="ru-RU" smtClean="0"/>
+              <a:t>Третий уровень</a:t>
+            </a:r>
+          </a:p>
+          <a:p>
+            <a:pPr lvl="3"/>
+            <a:r>
+              <a:rPr lang="ru-RU" smtClean="0"/>
+              <a:t>Четвертый уровень</a:t>
+            </a:r>
+          </a:p>
+          <a:p>
+            <a:pPr lvl="4"/>
+            <a:r>
+              <a:rPr lang="ru-RU" smtClean="0"/>
+              <a:t>Пятый уровень</a:t>
+            </a:r>
+            <a:endParaRPr lang="ru-RU"/>
+          </a:p>
+        </p:txBody>
+      </p:sp>
+      <p:sp>
+        <p:nvSpPr>
+          <p:cNvPr id="6" name="Нижний колонтитул 5"/>
+          <p:cNvSpPr>
+            <a:spLocks noGrp="1"/>
+          </p:cNvSpPr>
+          <p:nvPr>
+            <p:ph type="ftr" sz="quarter" idx="4"/>
+          </p:nvPr>
+        </p:nvSpPr>
+        <p:spPr>
+          <a:xfrm>
+            <a:off x="0" y="8685213"/>
+            <a:ext cx="2971800" cy="458787"/>
+          </a:xfrm>
+          <a:prstGeom prst="rect">
+            <a:avLst/>
+          </a:prstGeom>
+        </p:spPr>
+        <p:txBody>
+          <a:bodyPr vert="horz" lIns="91440" tIns="45720" rIns="91440" bIns="45720" rtlCol="0" anchor="b"/>
+          <a:lstStyle>
+            <a:lvl1pPr algn="l">
+              <a:defRPr sz="1200"/>
+            </a:lvl1pPr>
+          </a:lstStyle>
+          <a:p>
+            <a:endParaRPr lang="ru-RU"/>
+          </a:p>
+        </p:txBody>
+      </p:sp>
+      <p:sp>
+        <p:nvSpPr>
+          <p:cNvPr id="7" name="Номер слайда 6"/>
+          <p:cNvSpPr>
+            <a:spLocks noGrp="1"/>
+          </p:cNvSpPr>
+          <p:nvPr>
+            <p:ph type="sldNum" sz="quarter" idx="5"/>
+          </p:nvPr>
+        </p:nvSpPr>
+        <p:spPr>
+          <a:xfrm>
+            <a:off x="3884613" y="8685213"/>
+            <a:ext cx="2971800" cy="458787"/>
+          </a:xfrm>
+          <a:prstGeom prst="rect">
+            <a:avLst/>
+          </a:prstGeom>
+        </p:spPr>
+        <p:txBody>
+          <a:bodyPr vert="horz" lIns="91440" tIns="45720" rIns="91440" bIns="45720" rtlCol="0" anchor="b"/>
+          <a:lstStyle>
+            <a:lvl1pPr algn="r">
+              <a:defRPr sz="1200"/>
+            </a:lvl1pPr>
+          </a:lstStyle>
+          <a:p>
+            <a:fld id="{1664CD7D-40A1-4328-A478-E38491B70ECA}" type="slidenum">
+              <a:rPr lang="ru-RU" smtClean="0"/>
+              <a:t>‹#›</a:t>
+            </a:fld>
+            <a:endParaRPr lang="ru-RU"/>
+          </a:p>
+        </p:txBody>
+      </p:sp>
+    </p:spTree>
+    <p:extLst>
+      <p:ext uri="{BB962C8B-B14F-4D97-AF65-F5344CB8AC3E}">
+        <p14:creationId xmlns:p14="http://schemas.microsoft.com/office/powerpoint/2010/main" val="3098966761"/>
+      </p:ext>
+    </p:extLst>
+  </p:cSld>
+  <p:clrMap bg1="lt1" tx1="dk1" bg2="lt2" tx2="dk2" accent1="accent1" accent2="accent2" accent3="accent3" accent4="accent4" accent5="accent5" accent6="accent6" hlink="hlink" folHlink="folHlink"/>
+  <p:notesStyle>
+    <a:lvl1pPr marL="0" algn="l" defTabSz="914400" rtl="0" eaLnBrk="1" latinLnBrk="0" hangingPunct="1">
+      <a:defRPr sz="1200" kern="1200">
+        <a:solidFill>
+          <a:schemeClr val="tx1"/>
+        </a:solidFill>
+        <a:latin typeface="+mn-lt"/>
+        <a:ea typeface="+mn-ea"/>
+        <a:cs typeface="+mn-cs"/>
+      </a:defRPr>
+    </a:lvl1pPr>
+    <a:lvl2pPr marL="457200" algn="l" defTabSz="914400" rtl="0" eaLnBrk="1" latinLnBrk="0" hangingPunct="1">
+      <a:defRPr sz="1200" kern="1200">
+        <a:solidFill>
+          <a:schemeClr val="tx1"/>
+        </a:solidFill>
+        <a:latin typeface="+mn-lt"/>
+        <a:ea typeface="+mn-ea"/>
+        <a:cs typeface="+mn-cs"/>
+      </a:defRPr>
+    </a:lvl2pPr>
+    <a:lvl3pPr marL="914400" algn="l" defTabSz="914400" rtl="0" eaLnBrk="1" latinLnBrk="0" hangingPunct="1">
+      <a:defRPr sz="1200" kern="1200">
+        <a:solidFill>
+          <a:schemeClr val="tx1"/>
+        </a:solidFill>
+        <a:latin typeface="+mn-lt"/>
+        <a:ea typeface="+mn-ea"/>
+        <a:cs typeface="+mn-cs"/>
+      </a:defRPr>
+    </a:lvl3pPr>
+    <a:lvl4pPr marL="1371600" algn="l" defTabSz="914400" rtl="0" eaLnBrk="1" latinLnBrk="0" hangingPunct="1">
+      <a:defRPr sz="1200" kern="1200">
+        <a:solidFill>
+          <a:schemeClr val="tx1"/>
+        </a:solidFill>
+        <a:latin typeface="+mn-lt"/>
+        <a:ea typeface="+mn-ea"/>
+        <a:cs typeface="+mn-cs"/>
+      </a:defRPr>
+    </a:lvl4pPr>
+    <a:lvl5pPr marL="1828800" algn="l" defTabSz="914400" rtl="0" eaLnBrk="1" latinLnBrk="0" hangingPunct="1">
+      <a:defRPr sz="1200" kern="1200">
+        <a:solidFill>
+          <a:schemeClr val="tx1"/>
+        </a:solidFill>
+        <a:latin typeface="+mn-lt"/>
+        <a:ea typeface="+mn-ea"/>
+        <a:cs typeface="+mn-cs"/>
+      </a:defRPr>
+    </a:lvl5pPr>
+    <a:lvl6pPr marL="2286000" algn="l" defTabSz="914400" rtl="0" eaLnBrk="1" latinLnBrk="0" hangingPunct="1">
+      <a:defRPr sz="1200" kern="1200">
+        <a:solidFill>
+          <a:schemeClr val="tx1"/>
+        </a:solidFill>
+        <a:latin typeface="+mn-lt"/>
+        <a:ea typeface="+mn-ea"/>
+        <a:cs typeface="+mn-cs"/>
+      </a:defRPr>
+    </a:lvl6pPr>
+    <a:lvl7pPr marL="2743200" algn="l" defTabSz="914400" rtl="0" eaLnBrk="1" latinLnBrk="0" hangingPunct="1">
+      <a:defRPr sz="1200" kern="1200">
+        <a:solidFill>
+          <a:schemeClr val="tx1"/>
+        </a:solidFill>
+        <a:latin typeface="+mn-lt"/>
+        <a:ea typeface="+mn-ea"/>
+        <a:cs typeface="+mn-cs"/>
+      </a:defRPr>
+    </a:lvl7pPr>
+    <a:lvl8pPr marL="3200400" algn="l" defTabSz="914400" rtl="0" eaLnBrk="1" latinLnBrk="0" hangingPunct="1">
+      <a:defRPr sz="1200" kern="1200">
+        <a:solidFill>
+          <a:schemeClr val="tx1"/>
+        </a:solidFill>
+        <a:latin typeface="+mn-lt"/>
+        <a:ea typeface="+mn-ea"/>
+        <a:cs typeface="+mn-cs"/>
+      </a:defRPr>
+    </a:lvl8pPr>
+    <a:lvl9pPr marL="3657600" algn="l" defTabSz="914400" rtl="0" eaLnBrk="1" latinLnBrk="0" hangingPunct="1">
+      <a:defRPr sz="1200" kern="1200">
+        <a:solidFill>
+          <a:schemeClr val="tx1"/>
+        </a:solidFill>
+        <a:latin typeface="+mn-lt"/>
+        <a:ea typeface="+mn-ea"/>
+        <a:cs typeface="+mn-cs"/>
+      </a:defRPr>
+    </a:lvl9pPr>
+  </p:notesStyle>
+</p:notesMaster>
+</file>
+
 <file path=ppt/slideLayouts/slideLayout1.xml><?xml version="1.0" encoding="utf-8"?>
 <p:sldLayout xmlns:a="http://schemas.openxmlformats.org/drawingml/2006/main" xmlns:r="http://schemas.openxmlformats.org/officeDocument/2006/relationships" xmlns:p="http://schemas.openxmlformats.org/presentationml/2006/main" type="title" preserve="1">
   <p:cSld name="Title Slide">
@@ -309,9 +663,9 @@
           <a:bodyPr/>
           <a:lstStyle/>
           <a:p>
-            <a:fld id="{5BCAD085-E8A6-8845-BD4E-CB4CCA059FC4}" type="datetimeFigureOut">
-              <a:rPr lang="en-US" smtClean="0"/>
-              <a:t>3/24/2025</a:t>
+            <a:fld id="{80D2A53C-B5D0-4515-AF42-CEB5B2E012EE}" type="datetime1">
+              <a:rPr lang="en-US" smtClean="0"/>
+              <a:t>4/24/2025</a:t>
             </a:fld>
             <a:endParaRPr lang="en-US"/>
           </a:p>
@@ -479,9 +833,9 @@
           <a:bodyPr/>
           <a:lstStyle/>
           <a:p>
-            <a:fld id="{5BCAD085-E8A6-8845-BD4E-CB4CCA059FC4}" type="datetimeFigureOut">
-              <a:rPr lang="en-US" smtClean="0"/>
-              <a:t>3/24/2025</a:t>
+            <a:fld id="{B764009C-6A6C-40D2-B485-2FB9DCB046F9}" type="datetime1">
+              <a:rPr lang="en-US" smtClean="0"/>
+              <a:t>4/24/2025</a:t>
             </a:fld>
             <a:endParaRPr lang="en-US"/>
           </a:p>
@@ -659,9 +1013,9 @@
           <a:bodyPr/>
           <a:lstStyle/>
           <a:p>
-            <a:fld id="{5BCAD085-E8A6-8845-BD4E-CB4CCA059FC4}" type="datetimeFigureOut">
-              <a:rPr lang="en-US" smtClean="0"/>
-              <a:t>3/24/2025</a:t>
+            <a:fld id="{AB59B739-8AB3-4259-A27D-ADA2532F32D5}" type="datetime1">
+              <a:rPr lang="en-US" smtClean="0"/>
+              <a:t>4/24/2025</a:t>
             </a:fld>
             <a:endParaRPr lang="en-US"/>
           </a:p>
@@ -829,9 +1183,9 @@
           <a:bodyPr/>
           <a:lstStyle/>
           <a:p>
-            <a:fld id="{5BCAD085-E8A6-8845-BD4E-CB4CCA059FC4}" type="datetimeFigureOut">
-              <a:rPr lang="en-US" smtClean="0"/>
-              <a:t>3/24/2025</a:t>
+            <a:fld id="{047D8136-4997-4CF7-BF7C-94AF06EED4ED}" type="datetime1">
+              <a:rPr lang="en-US" smtClean="0"/>
+              <a:t>4/24/2025</a:t>
             </a:fld>
             <a:endParaRPr lang="en-US"/>
           </a:p>
@@ -1075,9 +1429,9 @@
           <a:bodyPr/>
           <a:lstStyle/>
           <a:p>
-            <a:fld id="{5BCAD085-E8A6-8845-BD4E-CB4CCA059FC4}" type="datetimeFigureOut">
-              <a:rPr lang="en-US" smtClean="0"/>
-              <a:t>3/24/2025</a:t>
+            <a:fld id="{AAA04009-CC84-4D22-A9BF-24BCE7660493}" type="datetime1">
+              <a:rPr lang="en-US" smtClean="0"/>
+              <a:t>4/24/2025</a:t>
             </a:fld>
             <a:endParaRPr lang="en-US"/>
           </a:p>
@@ -1363,9 +1717,9 @@
           <a:bodyPr/>
           <a:lstStyle/>
           <a:p>
-            <a:fld id="{5BCAD085-E8A6-8845-BD4E-CB4CCA059FC4}" type="datetimeFigureOut">
-              <a:rPr lang="en-US" smtClean="0"/>
-              <a:t>3/24/2025</a:t>
+            <a:fld id="{D0A0D125-4FC6-4CB2-AA6E-7402FBA14921}" type="datetime1">
+              <a:rPr lang="en-US" smtClean="0"/>
+              <a:t>4/24/2025</a:t>
             </a:fld>
             <a:endParaRPr lang="en-US"/>
           </a:p>
@@ -1785,9 +2139,9 @@
           <a:bodyPr/>
           <a:lstStyle/>
           <a:p>
-            <a:fld id="{5BCAD085-E8A6-8845-BD4E-CB4CCA059FC4}" type="datetimeFigureOut">
-              <a:rPr lang="en-US" smtClean="0"/>
-              <a:t>3/24/2025</a:t>
+            <a:fld id="{1F82DA23-CF58-429D-AB47-70907244D543}" type="datetime1">
+              <a:rPr lang="en-US" smtClean="0"/>
+              <a:t>4/24/2025</a:t>
             </a:fld>
             <a:endParaRPr lang="en-US"/>
           </a:p>
@@ -1903,9 +2257,9 @@
           <a:bodyPr/>
           <a:lstStyle/>
           <a:p>
-            <a:fld id="{5BCAD085-E8A6-8845-BD4E-CB4CCA059FC4}" type="datetimeFigureOut">
-              <a:rPr lang="en-US" smtClean="0"/>
-              <a:t>3/24/2025</a:t>
+            <a:fld id="{F5132353-254A-48AA-ABD7-C24819B44F4F}" type="datetime1">
+              <a:rPr lang="en-US" smtClean="0"/>
+              <a:t>4/24/2025</a:t>
             </a:fld>
             <a:endParaRPr lang="en-US"/>
           </a:p>
@@ -1998,9 +2352,9 @@
           <a:bodyPr/>
           <a:lstStyle/>
           <a:p>
-            <a:fld id="{5BCAD085-E8A6-8845-BD4E-CB4CCA059FC4}" type="datetimeFigureOut">
-              <a:rPr lang="en-US" smtClean="0"/>
-              <a:t>3/24/2025</a:t>
+            <a:fld id="{BFDB970A-E8C6-4457-A80C-F4D807DB9033}" type="datetime1">
+              <a:rPr lang="en-US" smtClean="0"/>
+              <a:t>4/24/2025</a:t>
             </a:fld>
             <a:endParaRPr lang="en-US"/>
           </a:p>
@@ -2275,9 +2629,9 @@
           <a:bodyPr/>
           <a:lstStyle/>
           <a:p>
-            <a:fld id="{5BCAD085-E8A6-8845-BD4E-CB4CCA059FC4}" type="datetimeFigureOut">
-              <a:rPr lang="en-US" smtClean="0"/>
-              <a:t>3/24/2025</a:t>
+            <a:fld id="{CAC326C5-C730-40A0-8FCB-6D00208496D5}" type="datetime1">
+              <a:rPr lang="en-US" smtClean="0"/>
+              <a:t>4/24/2025</a:t>
             </a:fld>
             <a:endParaRPr lang="en-US"/>
           </a:p>
@@ -2528,9 +2882,9 @@
           <a:bodyPr/>
           <a:lstStyle/>
           <a:p>
-            <a:fld id="{5BCAD085-E8A6-8845-BD4E-CB4CCA059FC4}" type="datetimeFigureOut">
-              <a:rPr lang="en-US" smtClean="0"/>
-              <a:t>3/24/2025</a:t>
+            <a:fld id="{4C7CCDA4-F721-4B0E-BFA2-3BD7018A1677}" type="datetime1">
+              <a:rPr lang="en-US" smtClean="0"/>
+              <a:t>4/24/2025</a:t>
             </a:fld>
             <a:endParaRPr lang="en-US"/>
           </a:p>
@@ -2741,9 +3095,9 @@
             </a:lvl1pPr>
           </a:lstStyle>
           <a:p>
-            <a:fld id="{5BCAD085-E8A6-8845-BD4E-CB4CCA059FC4}" type="datetimeFigureOut">
-              <a:rPr lang="en-US" smtClean="0"/>
-              <a:t>3/24/2025</a:t>
+            <a:fld id="{FBD39165-F94B-44FC-B1E2-5D5C211EFF29}" type="datetime1">
+              <a:rPr lang="en-US" smtClean="0"/>
+              <a:t>4/24/2025</a:t>
             </a:fld>
             <a:endParaRPr lang="en-US"/>
           </a:p>
@@ -2848,6 +3202,7 @@
     <p:sldLayoutId id="2147483658" r:id="rId10"/>
     <p:sldLayoutId id="2147483659" r:id="rId11"/>
   </p:sldLayoutIdLst>
+  <p:hf hdr="0" ftr="0" dt="0"/>
   <p:txStyles>
     <p:titleStyle>
       <a:lvl1pPr algn="ctr" defTabSz="457200" rtl="0" eaLnBrk="1" latinLnBrk="0" hangingPunct="1">
@@ -3198,6 +3553,9 @@
             </a:r>
             <a:r>
               <a:rPr lang="ru-RU" sz="1200" dirty="0" err="1" smtClean="0">
+                <a:solidFill>
+                  <a:schemeClr val="tx1"/>
+                </a:solidFill>
                 <a:latin typeface="Times New Roman" panose="02020603050405020304" pitchFamily="18" charset="0"/>
                 <a:cs typeface="Times New Roman" panose="02020603050405020304" pitchFamily="18" charset="0"/>
               </a:rPr>
@@ -3205,6 +3563,9 @@
             </a:r>
             <a:r>
               <a:rPr lang="ru-RU" sz="1200" dirty="0" smtClean="0">
+                <a:solidFill>
+                  <a:schemeClr val="tx1"/>
+                </a:solidFill>
                 <a:latin typeface="Times New Roman" panose="02020603050405020304" pitchFamily="18" charset="0"/>
                 <a:cs typeface="Times New Roman" panose="02020603050405020304" pitchFamily="18" charset="0"/>
               </a:rPr>
@@ -3212,6 +3573,9 @@
             </a:r>
             <a:r>
               <a:rPr lang="ru-RU" sz="1200" dirty="0">
+                <a:solidFill>
+                  <a:schemeClr val="tx1"/>
+                </a:solidFill>
                 <a:latin typeface="Times New Roman" panose="02020603050405020304" pitchFamily="18" charset="0"/>
                 <a:cs typeface="Times New Roman" panose="02020603050405020304" pitchFamily="18" charset="0"/>
               </a:rPr>
@@ -3411,27 +3775,199 @@
           <a:lstStyle/>
           <a:p>
             <a:r>
-              <a:rPr lang="ru-RU" b="1" dirty="0" smtClean="0">
-                <a:latin typeface="Times New Roman" panose="02020603050405020304" pitchFamily="18" charset="0"/>
-                <a:cs typeface="Times New Roman" panose="02020603050405020304" pitchFamily="18" charset="0"/>
-              </a:rPr>
-              <a:t>Цели работы</a:t>
-            </a:r>
-            <a:endParaRPr lang="ru-RU" b="1" dirty="0">
+              <a:rPr lang="ru-RU" dirty="0">
+                <a:latin typeface="Times New Roman" panose="02020603050405020304" pitchFamily="18" charset="0"/>
+                <a:cs typeface="Times New Roman" panose="02020603050405020304" pitchFamily="18" charset="0"/>
+              </a:rPr>
+              <a:t>Цель и задачи</a:t>
+            </a:r>
+          </a:p>
+        </p:txBody>
+      </p:sp>
+      <p:sp>
+        <p:nvSpPr>
+          <p:cNvPr id="3" name="Объект 2"/>
+          <p:cNvSpPr>
+            <a:spLocks noGrp="1"/>
+          </p:cNvSpPr>
+          <p:nvPr>
+            <p:ph idx="1"/>
+          </p:nvPr>
+        </p:nvSpPr>
+        <p:spPr/>
+        <p:txBody>
+          <a:bodyPr>
+            <a:normAutofit fontScale="77500" lnSpcReduction="20000"/>
+          </a:bodyPr>
+          <a:lstStyle/>
+          <a:p>
+            <a:pPr marL="0" indent="0">
+              <a:buNone/>
+            </a:pPr>
+            <a:r>
+              <a:rPr lang="ru-RU" b="1" dirty="0">
+                <a:latin typeface="Times New Roman" panose="02020603050405020304" pitchFamily="18" charset="0"/>
+                <a:cs typeface="Times New Roman" panose="02020603050405020304" pitchFamily="18" charset="0"/>
+              </a:rPr>
+              <a:t>Цель:</a:t>
+            </a:r>
+            <a:r>
+              <a:rPr lang="ru-RU" dirty="0">
+                <a:latin typeface="Times New Roman" panose="02020603050405020304" pitchFamily="18" charset="0"/>
+                <a:cs typeface="Times New Roman" panose="02020603050405020304" pitchFamily="18" charset="0"/>
+              </a:rPr>
+              <a:t/>
+            </a:r>
+            <a:br>
+              <a:rPr lang="ru-RU" dirty="0">
+                <a:latin typeface="Times New Roman" panose="02020603050405020304" pitchFamily="18" charset="0"/>
+                <a:cs typeface="Times New Roman" panose="02020603050405020304" pitchFamily="18" charset="0"/>
+              </a:rPr>
+            </a:br>
+            <a:r>
+              <a:rPr lang="ru-RU" dirty="0" smtClean="0">
+                <a:latin typeface="Times New Roman" panose="02020603050405020304" pitchFamily="18" charset="0"/>
+                <a:cs typeface="Times New Roman" panose="02020603050405020304" pitchFamily="18" charset="0"/>
+              </a:rPr>
+              <a:t>Разработать прототип веб-сервиса </a:t>
+            </a:r>
+            <a:r>
+              <a:rPr lang="ru-RU" dirty="0">
+                <a:latin typeface="Times New Roman" panose="02020603050405020304" pitchFamily="18" charset="0"/>
+                <a:cs typeface="Times New Roman" panose="02020603050405020304" pitchFamily="18" charset="0"/>
+              </a:rPr>
+              <a:t>для </a:t>
+            </a:r>
+            <a:r>
+              <a:rPr lang="ru-RU" dirty="0" err="1">
+                <a:latin typeface="Times New Roman" panose="02020603050405020304" pitchFamily="18" charset="0"/>
+                <a:cs typeface="Times New Roman" panose="02020603050405020304" pitchFamily="18" charset="0"/>
+              </a:rPr>
+              <a:t>мультибанковской</a:t>
+            </a:r>
+            <a:r>
+              <a:rPr lang="ru-RU" dirty="0">
+                <a:latin typeface="Times New Roman" panose="02020603050405020304" pitchFamily="18" charset="0"/>
+                <a:cs typeface="Times New Roman" panose="02020603050405020304" pitchFamily="18" charset="0"/>
+              </a:rPr>
+              <a:t> подачи заявок на кредит с интеграцией 1С.</a:t>
+            </a:r>
+          </a:p>
+          <a:p>
+            <a:pPr marL="0" indent="0">
+              <a:buNone/>
+            </a:pPr>
+            <a:r>
+              <a:rPr lang="ru-RU" b="1" dirty="0">
+                <a:latin typeface="Times New Roman" panose="02020603050405020304" pitchFamily="18" charset="0"/>
+                <a:cs typeface="Times New Roman" panose="02020603050405020304" pitchFamily="18" charset="0"/>
+              </a:rPr>
+              <a:t>Задачи:</a:t>
+            </a:r>
+            <a:endParaRPr lang="ru-RU" dirty="0">
               <a:latin typeface="Times New Roman" panose="02020603050405020304" pitchFamily="18" charset="0"/>
               <a:cs typeface="Times New Roman" panose="02020603050405020304" pitchFamily="18" charset="0"/>
             </a:endParaRPr>
           </a:p>
-        </p:txBody>
-      </p:sp>
-      <p:sp>
-        <p:nvSpPr>
-          <p:cNvPr id="3" name="Объект 2"/>
-          <p:cNvSpPr>
-            <a:spLocks noGrp="1"/>
-          </p:cNvSpPr>
-          <p:nvPr>
-            <p:ph idx="1"/>
+          <a:p>
+            <a:r>
+              <a:rPr lang="ru-RU" dirty="0" smtClean="0">
+                <a:latin typeface="Times New Roman" panose="02020603050405020304" pitchFamily="18" charset="0"/>
+                <a:cs typeface="Times New Roman" panose="02020603050405020304" pitchFamily="18" charset="0"/>
+              </a:rPr>
+              <a:t>Спроектировать архитектуру клиент-серверного решения с разграничением ролей.</a:t>
+            </a:r>
+          </a:p>
+          <a:p>
+            <a:r>
+              <a:rPr lang="ru-RU" dirty="0">
+                <a:latin typeface="Times New Roman" panose="02020603050405020304" pitchFamily="18" charset="0"/>
+                <a:cs typeface="Times New Roman" panose="02020603050405020304" pitchFamily="18" charset="0"/>
+              </a:rPr>
+              <a:t>Проанализировать существующие подходы к интеграции 1С с внешними системами</a:t>
+            </a:r>
+            <a:r>
+              <a:rPr lang="ru-RU" dirty="0" smtClean="0">
+                <a:latin typeface="Times New Roman" panose="02020603050405020304" pitchFamily="18" charset="0"/>
+                <a:cs typeface="Times New Roman" panose="02020603050405020304" pitchFamily="18" charset="0"/>
+              </a:rPr>
+              <a:t>.</a:t>
+            </a:r>
+          </a:p>
+          <a:p>
+            <a:r>
+              <a:rPr lang="ru-RU" dirty="0" smtClean="0">
+                <a:latin typeface="Times New Roman" panose="02020603050405020304" pitchFamily="18" charset="0"/>
+                <a:cs typeface="Times New Roman" panose="02020603050405020304" pitchFamily="18" charset="0"/>
+              </a:rPr>
+              <a:t>Реализовать </a:t>
+            </a:r>
+            <a:r>
+              <a:rPr lang="ru-RU" dirty="0">
+                <a:latin typeface="Times New Roman" panose="02020603050405020304" pitchFamily="18" charset="0"/>
+                <a:cs typeface="Times New Roman" panose="02020603050405020304" pitchFamily="18" charset="0"/>
+              </a:rPr>
+              <a:t>REST API для обмена данными </a:t>
+            </a:r>
+            <a:r>
+              <a:rPr lang="ru-RU" dirty="0" smtClean="0">
+                <a:latin typeface="Times New Roman" panose="02020603050405020304" pitchFamily="18" charset="0"/>
+                <a:cs typeface="Times New Roman" panose="02020603050405020304" pitchFamily="18" charset="0"/>
+              </a:rPr>
+              <a:t>и модель </a:t>
+            </a:r>
+            <a:r>
+              <a:rPr lang="ru-RU" dirty="0">
+                <a:latin typeface="Times New Roman" panose="02020603050405020304" pitchFamily="18" charset="0"/>
+                <a:cs typeface="Times New Roman" panose="02020603050405020304" pitchFamily="18" charset="0"/>
+              </a:rPr>
+              <a:t>БД.</a:t>
+            </a:r>
+          </a:p>
+          <a:p>
+            <a:r>
+              <a:rPr lang="ru-RU" dirty="0">
+                <a:latin typeface="Times New Roman" panose="02020603050405020304" pitchFamily="18" charset="0"/>
+                <a:cs typeface="Times New Roman" panose="02020603050405020304" pitchFamily="18" charset="0"/>
+              </a:rPr>
+              <a:t>Разработать UI на </a:t>
+            </a:r>
+            <a:r>
+              <a:rPr lang="ru-RU" dirty="0" err="1">
+                <a:latin typeface="Times New Roman" panose="02020603050405020304" pitchFamily="18" charset="0"/>
+                <a:cs typeface="Times New Roman" panose="02020603050405020304" pitchFamily="18" charset="0"/>
+              </a:rPr>
+              <a:t>React</a:t>
+            </a:r>
+            <a:r>
+              <a:rPr lang="ru-RU" dirty="0">
+                <a:latin typeface="Times New Roman" panose="02020603050405020304" pitchFamily="18" charset="0"/>
+                <a:cs typeface="Times New Roman" panose="02020603050405020304" pitchFamily="18" charset="0"/>
+              </a:rPr>
+              <a:t> для двух ролей: клиент и банк</a:t>
+            </a:r>
+            <a:r>
+              <a:rPr lang="ru-RU" dirty="0" smtClean="0">
+                <a:latin typeface="Times New Roman" panose="02020603050405020304" pitchFamily="18" charset="0"/>
+                <a:cs typeface="Times New Roman" panose="02020603050405020304" pitchFamily="18" charset="0"/>
+              </a:rPr>
+              <a:t>.</a:t>
+            </a:r>
+            <a:endParaRPr lang="ru-RU" dirty="0">
+              <a:latin typeface="Times New Roman" panose="02020603050405020304" pitchFamily="18" charset="0"/>
+              <a:cs typeface="Times New Roman" panose="02020603050405020304" pitchFamily="18" charset="0"/>
+            </a:endParaRPr>
+          </a:p>
+        </p:txBody>
+      </p:sp>
+      <p:sp>
+        <p:nvSpPr>
+          <p:cNvPr id="4" name="Номер слайда 3"/>
+          <p:cNvSpPr>
+            <a:spLocks noGrp="1"/>
+          </p:cNvSpPr>
+          <p:nvPr>
+            <p:ph type="sldNum" sz="quarter" idx="12"/>
           </p:nvPr>
         </p:nvSpPr>
         <p:spPr/>
@@ -3439,21 +3975,11 @@
           <a:bodyPr/>
           <a:lstStyle/>
           <a:p>
-            <a:r>
-              <a:rPr lang="ru-RU" dirty="0">
-                <a:latin typeface="Times New Roman" panose="02020603050405020304" pitchFamily="18" charset="0"/>
-                <a:cs typeface="Times New Roman" panose="02020603050405020304" pitchFamily="18" charset="0"/>
-              </a:rPr>
-              <a:t>Разработка </a:t>
-            </a:r>
-            <a:r>
-              <a:rPr lang="ru-RU" dirty="0" smtClean="0">
-                <a:latin typeface="Times New Roman" panose="02020603050405020304" pitchFamily="18" charset="0"/>
-                <a:cs typeface="Times New Roman" panose="02020603050405020304" pitchFamily="18" charset="0"/>
-              </a:rPr>
-              <a:t>интеграционного решения упрощающего процесс взаимодействия сотрудников банка с клиентами</a:t>
-            </a:r>
-            <a:endParaRPr lang="ru-RU" dirty="0"/>
+            <a:fld id="{C1FF6DA9-008F-8B48-92A6-B652298478BF}" type="slidenum">
+              <a:rPr lang="en-US" sz="1600" smtClean="0"/>
+              <a:t>2</a:t>
+            </a:fld>
+            <a:endParaRPr lang="en-US" sz="1600" dirty="0"/>
           </a:p>
         </p:txBody>
       </p:sp>
@@ -3510,11 +4036,11 @@
           <a:lstStyle/>
           <a:p>
             <a:r>
-              <a:rPr lang="ru-RU" b="1" dirty="0" smtClean="0">
-                <a:latin typeface="Times New Roman" panose="02020603050405020304" pitchFamily="18" charset="0"/>
-                <a:cs typeface="Times New Roman" panose="02020603050405020304" pitchFamily="18" charset="0"/>
-              </a:rPr>
-              <a:t>Актуальность темы</a:t>
+              <a:rPr lang="ru-RU" dirty="0">
+                <a:latin typeface="Times New Roman" panose="02020603050405020304" pitchFamily="18" charset="0"/>
+                <a:cs typeface="Times New Roman" panose="02020603050405020304" pitchFamily="18" charset="0"/>
+              </a:rPr>
+              <a:t>Анализ предметной области</a:t>
             </a:r>
             <a:endParaRPr b="1" dirty="0">
               <a:latin typeface="Times New Roman" panose="02020603050405020304" pitchFamily="18" charset="0"/>
@@ -3525,52 +4051,356 @@
       </p:sp>
       <p:sp>
         <p:nvSpPr>
-          <p:cNvPr id="3" name="Content Placeholder 2"/>
-          <p:cNvSpPr>
-            <a:spLocks noGrp="1"/>
+          <p:cNvPr id="6" name="Rectangle 3"/>
+          <p:cNvSpPr>
+            <a:spLocks noGrp="1" noChangeArrowheads="1"/>
           </p:cNvSpPr>
           <p:nvPr>
             <p:ph idx="1"/>
           </p:nvPr>
         </p:nvSpPr>
-        <p:spPr/>
-        <p:txBody>
-          <a:bodyPr>
-            <a:normAutofit/>
+        <p:spPr bwMode="auto">
+          <a:xfrm>
+            <a:off x="457200" y="2709020"/>
+            <a:ext cx="8686800" cy="2308324"/>
+          </a:xfrm>
+          <a:prstGeom prst="rect">
+            <a:avLst/>
+          </a:prstGeom>
+          <a:noFill/>
+          <a:ln>
+            <a:noFill/>
+          </a:ln>
+          <a:effectLst/>
+          <a:extLst>
+            <a:ext uri="{909E8E84-426E-40DD-AFC4-6F175D3DCCD1}">
+              <a14:hiddenFill xmlns:a14="http://schemas.microsoft.com/office/drawing/2010/main">
+                <a:solidFill>
+                  <a:schemeClr val="accent1"/>
+                </a:solidFill>
+              </a14:hiddenFill>
+            </a:ext>
+            <a:ext uri="{91240B29-F687-4F45-9708-019B960494DF}">
+              <a14:hiddenLine xmlns:a14="http://schemas.microsoft.com/office/drawing/2010/main" w="9525">
+                <a:solidFill>
+                  <a:schemeClr val="tx1"/>
+                </a:solidFill>
+                <a:miter lim="800000"/>
+                <a:headEnd/>
+                <a:tailEnd/>
+              </a14:hiddenLine>
+            </a:ext>
+            <a:ext uri="{AF507438-7753-43E0-B8FC-AC1667EBCBE1}">
+              <a14:hiddenEffects xmlns:a14="http://schemas.microsoft.com/office/drawing/2010/main">
+                <a:effectLst>
+                  <a:outerShdw dist="35921" dir="2700000" algn="ctr" rotWithShape="0">
+                    <a:schemeClr val="bg2"/>
+                  </a:outerShdw>
+                </a:effectLst>
+              </a14:hiddenEffects>
+            </a:ext>
+          </a:extLst>
+        </p:spPr>
+        <p:txBody>
+          <a:bodyPr vert="horz" wrap="square" lIns="91440" tIns="45720" rIns="91440" bIns="45720" numCol="1" anchor="ctr" anchorCtr="0" compatLnSpc="1">
+            <a:prstTxWarp prst="textNoShape">
+              <a:avLst/>
+            </a:prstTxWarp>
+            <a:spAutoFit/>
           </a:bodyPr>
           <a:lstStyle/>
           <a:p>
-            <a:r>
-              <a:rPr lang="ru-RU" dirty="0" smtClean="0">
-                <a:latin typeface="Times New Roman" panose="02020603050405020304" pitchFamily="18" charset="0"/>
-                <a:cs typeface="Times New Roman" panose="02020603050405020304" pitchFamily="18" charset="0"/>
-              </a:rPr>
-              <a:t>Сложность получения кредита на определённых условиях</a:t>
-            </a:r>
-            <a:endParaRPr lang="ru-RU" dirty="0" smtClean="0">
+            <a:pPr marL="0" marR="0" lvl="0" indent="0" algn="l" defTabSz="914400" rtl="0" eaLnBrk="0" fontAlgn="base" latinLnBrk="0" hangingPunct="0">
+              <a:lnSpc>
+                <a:spcPct val="100000"/>
+              </a:lnSpc>
+              <a:spcBef>
+                <a:spcPct val="0"/>
+              </a:spcBef>
+              <a:spcAft>
+                <a:spcPct val="0"/>
+              </a:spcAft>
+              <a:buClrTx/>
+              <a:buSzTx/>
+              <a:buFontTx/>
+              <a:buChar char="•"/>
+              <a:tabLst/>
+            </a:pPr>
+            <a:r>
+              <a:rPr kumimoji="0" lang="ru-RU" altLang="ru-RU" sz="2400" b="1" i="0" u="none" strike="noStrike" cap="none" normalizeH="0" baseline="0" dirty="0" smtClean="0">
+                <a:ln>
+                  <a:noFill/>
+                </a:ln>
+                <a:solidFill>
+                  <a:schemeClr val="tx1"/>
+                </a:solidFill>
+                <a:effectLst/>
+                <a:latin typeface="Times New Roman" panose="02020603050405020304" pitchFamily="18" charset="0"/>
+                <a:cs typeface="Times New Roman" panose="02020603050405020304" pitchFamily="18" charset="0"/>
+              </a:rPr>
+              <a:t>Интеграция 1С:</a:t>
+            </a:r>
+            <a:r>
+              <a:rPr kumimoji="0" lang="ru-RU" altLang="ru-RU" sz="2400" b="0" i="0" u="none" strike="noStrike" cap="none" normalizeH="0" baseline="0" dirty="0" smtClean="0">
+                <a:ln>
+                  <a:noFill/>
+                </a:ln>
+                <a:solidFill>
+                  <a:schemeClr val="tx1"/>
+                </a:solidFill>
+                <a:effectLst/>
+                <a:latin typeface="Times New Roman" panose="02020603050405020304" pitchFamily="18" charset="0"/>
+                <a:cs typeface="Times New Roman" panose="02020603050405020304" pitchFamily="18" charset="0"/>
+              </a:rPr>
+              <a:t> REST API, внешние обработки</a:t>
+            </a:r>
+            <a:endParaRPr kumimoji="0" lang="en-US" altLang="ru-RU" sz="2400" b="0" i="0" u="none" strike="noStrike" cap="none" normalizeH="0" baseline="0" dirty="0" smtClean="0">
+              <a:ln>
+                <a:noFill/>
+              </a:ln>
+              <a:solidFill>
+                <a:schemeClr val="tx1"/>
+              </a:solidFill>
+              <a:effectLst/>
               <a:latin typeface="Times New Roman" panose="02020603050405020304" pitchFamily="18" charset="0"/>
               <a:cs typeface="Times New Roman" panose="02020603050405020304" pitchFamily="18" charset="0"/>
             </a:endParaRPr>
           </a:p>
           <a:p>
-            <a:r>
-              <a:rPr lang="ru-RU" dirty="0" smtClean="0">
-                <a:latin typeface="Times New Roman" panose="02020603050405020304" pitchFamily="18" charset="0"/>
-                <a:cs typeface="Times New Roman" panose="02020603050405020304" pitchFamily="18" charset="0"/>
-              </a:rPr>
-              <a:t>Упрощение </a:t>
-            </a:r>
-            <a:r>
-              <a:rPr lang="ru-RU" dirty="0" smtClean="0">
-                <a:latin typeface="Times New Roman" panose="02020603050405020304" pitchFamily="18" charset="0"/>
-                <a:cs typeface="Times New Roman" panose="02020603050405020304" pitchFamily="18" charset="0"/>
-              </a:rPr>
-              <a:t>взаимодействия сотрудников банков с клиентами</a:t>
-            </a:r>
-            <a:endParaRPr lang="ru-RU" dirty="0">
+            <a:pPr marL="0" marR="0" lvl="0" indent="0" algn="l" defTabSz="914400" rtl="0" eaLnBrk="0" fontAlgn="base" latinLnBrk="0" hangingPunct="0">
+              <a:lnSpc>
+                <a:spcPct val="100000"/>
+              </a:lnSpc>
+              <a:spcBef>
+                <a:spcPct val="0"/>
+              </a:spcBef>
+              <a:spcAft>
+                <a:spcPct val="0"/>
+              </a:spcAft>
+              <a:buClrTx/>
+              <a:buSzTx/>
+              <a:buFontTx/>
+              <a:buChar char="•"/>
+              <a:tabLst/>
+            </a:pPr>
+            <a:r>
+              <a:rPr kumimoji="0" lang="ru-RU" altLang="ru-RU" sz="2400" b="1" i="0" u="none" strike="noStrike" cap="none" normalizeH="0" baseline="0" dirty="0" smtClean="0">
+                <a:ln>
+                  <a:noFill/>
+                </a:ln>
+                <a:solidFill>
+                  <a:schemeClr val="tx1"/>
+                </a:solidFill>
+                <a:effectLst/>
+                <a:latin typeface="Times New Roman" panose="02020603050405020304" pitchFamily="18" charset="0"/>
+                <a:cs typeface="Times New Roman" panose="02020603050405020304" pitchFamily="18" charset="0"/>
+              </a:rPr>
+              <a:t>Документооборот при кредитовании:</a:t>
+            </a:r>
+            <a:r>
+              <a:rPr kumimoji="0" lang="ru-RU" altLang="ru-RU" sz="2400" b="0" i="0" u="none" strike="noStrike" cap="none" normalizeH="0" baseline="0" dirty="0" smtClean="0">
+                <a:ln>
+                  <a:noFill/>
+                </a:ln>
+                <a:solidFill>
+                  <a:schemeClr val="tx1"/>
+                </a:solidFill>
+                <a:effectLst/>
+                <a:latin typeface="Times New Roman" panose="02020603050405020304" pitchFamily="18" charset="0"/>
+                <a:cs typeface="Times New Roman" panose="02020603050405020304" pitchFamily="18" charset="0"/>
+              </a:rPr>
+              <a:t/>
+            </a:r>
+            <a:br>
+              <a:rPr kumimoji="0" lang="ru-RU" altLang="ru-RU" sz="2400" b="0" i="0" u="none" strike="noStrike" cap="none" normalizeH="0" baseline="0" dirty="0" smtClean="0">
+                <a:ln>
+                  <a:noFill/>
+                </a:ln>
+                <a:solidFill>
+                  <a:schemeClr val="tx1"/>
+                </a:solidFill>
+                <a:effectLst/>
+                <a:latin typeface="Times New Roman" panose="02020603050405020304" pitchFamily="18" charset="0"/>
+                <a:cs typeface="Times New Roman" panose="02020603050405020304" pitchFamily="18" charset="0"/>
+              </a:rPr>
+            </a:br>
+            <a:r>
+              <a:rPr kumimoji="0" lang="ru-RU" altLang="ru-RU" sz="2400" b="0" i="0" u="none" strike="noStrike" cap="none" normalizeH="0" baseline="0" dirty="0" smtClean="0">
+                <a:ln>
+                  <a:noFill/>
+                </a:ln>
+                <a:solidFill>
+                  <a:schemeClr val="tx1"/>
+                </a:solidFill>
+                <a:effectLst/>
+                <a:latin typeface="Times New Roman" panose="02020603050405020304" pitchFamily="18" charset="0"/>
+                <a:cs typeface="Times New Roman" panose="02020603050405020304" pitchFamily="18" charset="0"/>
+              </a:rPr>
+              <a:t>– Балансы, ОСВ</a:t>
+            </a:r>
+            <a:r>
+              <a:rPr kumimoji="0" lang="en-US" altLang="ru-RU" sz="2400" b="0" i="0" u="none" strike="noStrike" cap="none" normalizeH="0" baseline="0" dirty="0" smtClean="0">
+                <a:ln>
+                  <a:noFill/>
+                </a:ln>
+                <a:solidFill>
+                  <a:schemeClr val="tx1"/>
+                </a:solidFill>
+                <a:effectLst/>
+                <a:latin typeface="Times New Roman" panose="02020603050405020304" pitchFamily="18" charset="0"/>
+                <a:cs typeface="Times New Roman" panose="02020603050405020304" pitchFamily="18" charset="0"/>
+              </a:rPr>
+              <a:t>,</a:t>
+            </a:r>
+            <a:r>
+              <a:rPr kumimoji="0" lang="ru-RU" altLang="ru-RU" sz="2400" b="0" i="0" u="none" strike="noStrike" cap="none" normalizeH="0" baseline="0" dirty="0" smtClean="0">
+                <a:ln>
+                  <a:noFill/>
+                </a:ln>
+                <a:solidFill>
+                  <a:schemeClr val="tx1"/>
+                </a:solidFill>
+                <a:effectLst/>
+                <a:latin typeface="Times New Roman" panose="02020603050405020304" pitchFamily="18" charset="0"/>
+                <a:cs typeface="Times New Roman" panose="02020603050405020304" pitchFamily="18" charset="0"/>
+              </a:rPr>
+              <a:t> автоматизация в</a:t>
+            </a:r>
+            <a:r>
+              <a:rPr kumimoji="0" lang="ru-RU" altLang="ru-RU" sz="2400" b="0" i="0" u="none" strike="noStrike" cap="none" normalizeH="0" dirty="0" smtClean="0">
+                <a:ln>
+                  <a:noFill/>
+                </a:ln>
+                <a:solidFill>
+                  <a:schemeClr val="tx1"/>
+                </a:solidFill>
+                <a:effectLst/>
+                <a:latin typeface="Times New Roman" panose="02020603050405020304" pitchFamily="18" charset="0"/>
+                <a:cs typeface="Times New Roman" panose="02020603050405020304" pitchFamily="18" charset="0"/>
+              </a:rPr>
+              <a:t> существующей системе</a:t>
+            </a:r>
+            <a:endParaRPr kumimoji="0" lang="ru-RU" altLang="ru-RU" sz="2400" b="0" i="0" u="none" strike="noStrike" cap="none" normalizeH="0" baseline="0" dirty="0" smtClean="0">
+              <a:ln>
+                <a:noFill/>
+              </a:ln>
+              <a:solidFill>
+                <a:schemeClr val="tx1"/>
+              </a:solidFill>
+              <a:effectLst/>
               <a:latin typeface="Times New Roman" panose="02020603050405020304" pitchFamily="18" charset="0"/>
               <a:cs typeface="Times New Roman" panose="02020603050405020304" pitchFamily="18" charset="0"/>
             </a:endParaRPr>
+          </a:p>
+          <a:p>
+            <a:pPr marL="0" marR="0" lvl="0" indent="0" algn="l" defTabSz="914400" rtl="0" eaLnBrk="0" fontAlgn="base" latinLnBrk="0" hangingPunct="0">
+              <a:lnSpc>
+                <a:spcPct val="100000"/>
+              </a:lnSpc>
+              <a:spcBef>
+                <a:spcPct val="0"/>
+              </a:spcBef>
+              <a:spcAft>
+                <a:spcPct val="0"/>
+              </a:spcAft>
+              <a:buClrTx/>
+              <a:buSzTx/>
+              <a:buFontTx/>
+              <a:buChar char="•"/>
+              <a:tabLst/>
+            </a:pPr>
+            <a:r>
+              <a:rPr kumimoji="0" lang="ru-RU" altLang="ru-RU" sz="2400" b="1" i="0" u="none" strike="noStrike" cap="none" normalizeH="0" baseline="0" dirty="0" err="1" smtClean="0">
+                <a:ln>
+                  <a:noFill/>
+                </a:ln>
+                <a:solidFill>
+                  <a:schemeClr val="tx1"/>
+                </a:solidFill>
+                <a:effectLst/>
+                <a:latin typeface="Times New Roman" panose="02020603050405020304" pitchFamily="18" charset="0"/>
+                <a:cs typeface="Times New Roman" panose="02020603050405020304" pitchFamily="18" charset="0"/>
+              </a:rPr>
+              <a:t>Мультибанковская</a:t>
+            </a:r>
+            <a:r>
+              <a:rPr kumimoji="0" lang="ru-RU" altLang="ru-RU" sz="2400" b="1" i="0" u="none" strike="noStrike" cap="none" normalizeH="0" baseline="0" dirty="0" smtClean="0">
+                <a:ln>
+                  <a:noFill/>
+                </a:ln>
+                <a:solidFill>
+                  <a:schemeClr val="tx1"/>
+                </a:solidFill>
+                <a:effectLst/>
+                <a:latin typeface="Times New Roman" panose="02020603050405020304" pitchFamily="18" charset="0"/>
+                <a:cs typeface="Times New Roman" panose="02020603050405020304" pitchFamily="18" charset="0"/>
+              </a:rPr>
+              <a:t> модель:</a:t>
+            </a:r>
+            <a:r>
+              <a:rPr kumimoji="0" lang="ru-RU" altLang="ru-RU" sz="2400" b="0" i="0" u="none" strike="noStrike" cap="none" normalizeH="0" baseline="0" dirty="0" smtClean="0">
+                <a:ln>
+                  <a:noFill/>
+                </a:ln>
+                <a:solidFill>
+                  <a:schemeClr val="tx1"/>
+                </a:solidFill>
+                <a:effectLst/>
+                <a:latin typeface="Times New Roman" panose="02020603050405020304" pitchFamily="18" charset="0"/>
+                <a:cs typeface="Times New Roman" panose="02020603050405020304" pitchFamily="18" charset="0"/>
+              </a:rPr>
+              <a:t/>
+            </a:r>
+            <a:br>
+              <a:rPr kumimoji="0" lang="ru-RU" altLang="ru-RU" sz="2400" b="0" i="0" u="none" strike="noStrike" cap="none" normalizeH="0" baseline="0" dirty="0" smtClean="0">
+                <a:ln>
+                  <a:noFill/>
+                </a:ln>
+                <a:solidFill>
+                  <a:schemeClr val="tx1"/>
+                </a:solidFill>
+                <a:effectLst/>
+                <a:latin typeface="Times New Roman" panose="02020603050405020304" pitchFamily="18" charset="0"/>
+                <a:cs typeface="Times New Roman" panose="02020603050405020304" pitchFamily="18" charset="0"/>
+              </a:rPr>
+            </a:br>
+            <a:r>
+              <a:rPr kumimoji="0" lang="ru-RU" altLang="ru-RU" sz="2400" b="0" i="0" u="none" strike="noStrike" cap="none" normalizeH="0" baseline="0" dirty="0" smtClean="0">
+                <a:ln>
+                  <a:noFill/>
+                </a:ln>
+                <a:solidFill>
+                  <a:schemeClr val="tx1"/>
+                </a:solidFill>
+                <a:effectLst/>
+                <a:latin typeface="Times New Roman" panose="02020603050405020304" pitchFamily="18" charset="0"/>
+                <a:cs typeface="Times New Roman" panose="02020603050405020304" pitchFamily="18" charset="0"/>
+              </a:rPr>
+              <a:t>– Подача одной заявки в несколько банков, конкурентный подбор</a:t>
+            </a:r>
+          </a:p>
+        </p:txBody>
+      </p:sp>
+      <p:sp>
+        <p:nvSpPr>
+          <p:cNvPr id="7" name="Номер слайда 6"/>
+          <p:cNvSpPr>
+            <a:spLocks noGrp="1"/>
+          </p:cNvSpPr>
+          <p:nvPr>
+            <p:ph type="sldNum" sz="quarter" idx="12"/>
+          </p:nvPr>
+        </p:nvSpPr>
+        <p:spPr/>
+        <p:txBody>
+          <a:bodyPr/>
+          <a:lstStyle/>
+          <a:p>
+            <a:fld id="{C1FF6DA9-008F-8B48-92A6-B652298478BF}" type="slidenum">
+              <a:rPr lang="en-US" sz="1600" smtClean="0"/>
+              <a:t>3</a:t>
+            </a:fld>
+            <a:endParaRPr lang="en-US" sz="1600" dirty="0"/>
           </a:p>
         </p:txBody>
       </p:sp>
@@ -3622,25 +4452,11 @@
           <a:lstStyle/>
           <a:p>
             <a:r>
-              <a:rPr b="1" dirty="0" err="1">
-                <a:latin typeface="Times New Roman" panose="02020603050405020304" pitchFamily="18" charset="0"/>
-                <a:cs typeface="Times New Roman" panose="02020603050405020304" pitchFamily="18" charset="0"/>
-              </a:rPr>
-              <a:t>Теоретические</a:t>
-            </a:r>
-            <a:r>
-              <a:rPr b="1" dirty="0">
-                <a:latin typeface="Times New Roman" panose="02020603050405020304" pitchFamily="18" charset="0"/>
-                <a:cs typeface="Times New Roman" panose="02020603050405020304" pitchFamily="18" charset="0"/>
-              </a:rPr>
-              <a:t> </a:t>
-            </a:r>
-            <a:r>
-              <a:rPr b="1" dirty="0" err="1">
-                <a:latin typeface="Times New Roman" panose="02020603050405020304" pitchFamily="18" charset="0"/>
-                <a:cs typeface="Times New Roman" panose="02020603050405020304" pitchFamily="18" charset="0"/>
-              </a:rPr>
-              <a:t>задачи</a:t>
+              <a:rPr lang="ru-RU" dirty="0">
+                <a:latin typeface="Times New Roman" panose="02020603050405020304" pitchFamily="18" charset="0"/>
+                <a:cs typeface="Times New Roman" panose="02020603050405020304" pitchFamily="18" charset="0"/>
+              </a:rPr>
+              <a:t>Использованные технологии</a:t>
             </a:r>
             <a:endParaRPr b="1" dirty="0">
               <a:latin typeface="Times New Roman" panose="02020603050405020304" pitchFamily="18" charset="0"/>
@@ -3661,130 +4477,225 @@
         </p:nvSpPr>
         <p:spPr/>
         <p:txBody>
-          <a:bodyPr/>
-          <a:lstStyle/>
-          <a:p>
-            <a:r>
-              <a:rPr dirty="0" err="1" smtClean="0">
-                <a:latin typeface="Times New Roman" panose="02020603050405020304" pitchFamily="18" charset="0"/>
-                <a:cs typeface="Times New Roman" panose="02020603050405020304" pitchFamily="18" charset="0"/>
-              </a:rPr>
-              <a:t>Анализ</a:t>
-            </a:r>
-            <a:r>
-              <a:rPr dirty="0" smtClean="0">
+          <a:bodyPr>
+            <a:normAutofit/>
+          </a:bodyPr>
+          <a:lstStyle/>
+          <a:p>
+            <a:pPr marL="0" indent="0">
+              <a:buNone/>
+            </a:pPr>
+            <a:r>
+              <a:rPr lang="en-US" b="1" dirty="0">
+                <a:latin typeface="Times New Roman" panose="02020603050405020304" pitchFamily="18" charset="0"/>
+                <a:cs typeface="Times New Roman" panose="02020603050405020304" pitchFamily="18" charset="0"/>
+              </a:rPr>
+              <a:t>Frontend:</a:t>
+            </a:r>
+            <a:r>
+              <a:rPr lang="en-US" dirty="0">
                 <a:latin typeface="Times New Roman" panose="02020603050405020304" pitchFamily="18" charset="0"/>
                 <a:cs typeface="Times New Roman" panose="02020603050405020304" pitchFamily="18" charset="0"/>
               </a:rPr>
               <a:t> </a:t>
             </a:r>
             <a:r>
-              <a:rPr dirty="0" err="1">
-                <a:latin typeface="Times New Roman" panose="02020603050405020304" pitchFamily="18" charset="0"/>
-                <a:cs typeface="Times New Roman" panose="02020603050405020304" pitchFamily="18" charset="0"/>
-              </a:rPr>
-              <a:t>подходов</a:t>
-            </a:r>
-            <a:r>
-              <a:rPr dirty="0">
-                <a:latin typeface="Times New Roman" panose="02020603050405020304" pitchFamily="18" charset="0"/>
-                <a:cs typeface="Times New Roman" panose="02020603050405020304" pitchFamily="18" charset="0"/>
-              </a:rPr>
-              <a:t> к </a:t>
-            </a:r>
-            <a:r>
-              <a:rPr dirty="0" err="1">
-                <a:latin typeface="Times New Roman" panose="02020603050405020304" pitchFamily="18" charset="0"/>
-                <a:cs typeface="Times New Roman" panose="02020603050405020304" pitchFamily="18" charset="0"/>
-              </a:rPr>
-              <a:t>интеграции</a:t>
-            </a:r>
-            <a:r>
-              <a:rPr dirty="0">
+              <a:rPr lang="ru-RU" dirty="0" smtClean="0">
+                <a:latin typeface="Times New Roman" panose="02020603050405020304" pitchFamily="18" charset="0"/>
+                <a:cs typeface="Times New Roman" panose="02020603050405020304" pitchFamily="18" charset="0"/>
+              </a:rPr>
+              <a:t>библиотека </a:t>
+            </a:r>
+            <a:r>
+              <a:rPr lang="en-US" dirty="0" smtClean="0">
+                <a:latin typeface="Times New Roman" panose="02020603050405020304" pitchFamily="18" charset="0"/>
+                <a:cs typeface="Times New Roman" panose="02020603050405020304" pitchFamily="18" charset="0"/>
+              </a:rPr>
+              <a:t>React</a:t>
+            </a:r>
+            <a:r>
+              <a:rPr lang="ru-RU" dirty="0" smtClean="0">
                 <a:latin typeface="Times New Roman" panose="02020603050405020304" pitchFamily="18" charset="0"/>
                 <a:cs typeface="Times New Roman" panose="02020603050405020304" pitchFamily="18" charset="0"/>
               </a:rPr>
               <a:t> </a:t>
             </a:r>
+          </a:p>
+          <a:p>
+            <a:pPr marL="0" indent="0">
+              <a:buNone/>
+            </a:pPr>
+            <a:r>
+              <a:rPr lang="en-US" b="1" dirty="0" smtClean="0">
+                <a:latin typeface="Times New Roman" panose="02020603050405020304" pitchFamily="18" charset="0"/>
+                <a:cs typeface="Times New Roman" panose="02020603050405020304" pitchFamily="18" charset="0"/>
+              </a:rPr>
+              <a:t>Backend</a:t>
+            </a:r>
+            <a:r>
+              <a:rPr lang="en-US" b="1" dirty="0">
+                <a:latin typeface="Times New Roman" panose="02020603050405020304" pitchFamily="18" charset="0"/>
+                <a:cs typeface="Times New Roman" panose="02020603050405020304" pitchFamily="18" charset="0"/>
+              </a:rPr>
+              <a:t>:</a:t>
+            </a:r>
+            <a:r>
+              <a:rPr lang="en-US" dirty="0">
+                <a:latin typeface="Times New Roman" panose="02020603050405020304" pitchFamily="18" charset="0"/>
+                <a:cs typeface="Times New Roman" panose="02020603050405020304" pitchFamily="18" charset="0"/>
+              </a:rPr>
+              <a:t> </a:t>
+            </a:r>
+            <a:r>
+              <a:rPr lang="ru-RU" dirty="0" err="1" smtClean="0">
+                <a:latin typeface="Times New Roman" panose="02020603050405020304" pitchFamily="18" charset="0"/>
+                <a:cs typeface="Times New Roman" panose="02020603050405020304" pitchFamily="18" charset="0"/>
+              </a:rPr>
+              <a:t>фреймворк</a:t>
+            </a:r>
             <a:r>
               <a:rPr lang="ru-RU" dirty="0" smtClean="0">
                 <a:latin typeface="Times New Roman" panose="02020603050405020304" pitchFamily="18" charset="0"/>
                 <a:cs typeface="Times New Roman" panose="02020603050405020304" pitchFamily="18" charset="0"/>
               </a:rPr>
-              <a:t>с банковскими системами обработки данных</a:t>
-            </a:r>
-            <a:endParaRPr dirty="0" smtClean="0">
+              <a:t> </a:t>
+            </a:r>
+            <a:r>
+              <a:rPr lang="en-US" dirty="0" smtClean="0">
+                <a:latin typeface="Times New Roman" panose="02020603050405020304" pitchFamily="18" charset="0"/>
+                <a:cs typeface="Times New Roman" panose="02020603050405020304" pitchFamily="18" charset="0"/>
+              </a:rPr>
+              <a:t>Express.js</a:t>
+            </a:r>
+            <a:endParaRPr lang="ru-RU" dirty="0" smtClean="0">
               <a:latin typeface="Times New Roman" panose="02020603050405020304" pitchFamily="18" charset="0"/>
               <a:cs typeface="Times New Roman" panose="02020603050405020304" pitchFamily="18" charset="0"/>
             </a:endParaRPr>
           </a:p>
           <a:p>
-            <a:r>
-              <a:rPr dirty="0" err="1" smtClean="0">
-                <a:latin typeface="Times New Roman" panose="02020603050405020304" pitchFamily="18" charset="0"/>
-                <a:cs typeface="Times New Roman" panose="02020603050405020304" pitchFamily="18" charset="0"/>
-              </a:rPr>
-              <a:t>Исследование</a:t>
-            </a:r>
-            <a:r>
-              <a:rPr dirty="0" smtClean="0">
+            <a:pPr marL="0" indent="0">
+              <a:buNone/>
+            </a:pPr>
+            <a:r>
+              <a:rPr lang="ru-RU" b="1" dirty="0" smtClean="0">
+                <a:latin typeface="Times New Roman" panose="02020603050405020304" pitchFamily="18" charset="0"/>
+                <a:cs typeface="Times New Roman" panose="02020603050405020304" pitchFamily="18" charset="0"/>
+              </a:rPr>
+              <a:t>База </a:t>
+            </a:r>
+            <a:r>
+              <a:rPr lang="ru-RU" b="1" dirty="0">
+                <a:latin typeface="Times New Roman" panose="02020603050405020304" pitchFamily="18" charset="0"/>
+                <a:cs typeface="Times New Roman" panose="02020603050405020304" pitchFamily="18" charset="0"/>
+              </a:rPr>
+              <a:t>данных:</a:t>
+            </a:r>
+            <a:r>
+              <a:rPr lang="ru-RU" dirty="0">
                 <a:latin typeface="Times New Roman" panose="02020603050405020304" pitchFamily="18" charset="0"/>
                 <a:cs typeface="Times New Roman" panose="02020603050405020304" pitchFamily="18" charset="0"/>
               </a:rPr>
               <a:t> </a:t>
             </a:r>
             <a:r>
-              <a:rPr lang="ru-RU" dirty="0" smtClean="0">
-                <a:latin typeface="Times New Roman" panose="02020603050405020304" pitchFamily="18" charset="0"/>
-                <a:cs typeface="Times New Roman" panose="02020603050405020304" pitchFamily="18" charset="0"/>
-              </a:rPr>
-              <a:t>рынка с целью выяснения актуальности разрабатываемого интеграционного решения</a:t>
-            </a:r>
-            <a:endParaRPr dirty="0" smtClean="0">
+              <a:rPr lang="en-US" dirty="0" smtClean="0">
+                <a:latin typeface="Times New Roman" panose="02020603050405020304" pitchFamily="18" charset="0"/>
+                <a:cs typeface="Times New Roman" panose="02020603050405020304" pitchFamily="18" charset="0"/>
+              </a:rPr>
+              <a:t>PostgreSQL</a:t>
+            </a:r>
+            <a:endParaRPr lang="ru-RU" dirty="0" smtClean="0">
               <a:latin typeface="Times New Roman" panose="02020603050405020304" pitchFamily="18" charset="0"/>
               <a:cs typeface="Times New Roman" panose="02020603050405020304" pitchFamily="18" charset="0"/>
             </a:endParaRPr>
           </a:p>
           <a:p>
-            <a:r>
-              <a:rPr dirty="0" err="1" smtClean="0">
-                <a:latin typeface="Times New Roman" panose="02020603050405020304" pitchFamily="18" charset="0"/>
-                <a:cs typeface="Times New Roman" panose="02020603050405020304" pitchFamily="18" charset="0"/>
-              </a:rPr>
-              <a:t>Изучение</a:t>
-            </a:r>
-            <a:r>
-              <a:rPr dirty="0" smtClean="0">
+            <a:pPr marL="0" indent="0">
+              <a:buNone/>
+            </a:pPr>
+            <a:r>
+              <a:rPr lang="ru-RU" b="1" dirty="0" smtClean="0">
+                <a:latin typeface="Times New Roman" panose="02020603050405020304" pitchFamily="18" charset="0"/>
+                <a:cs typeface="Times New Roman" panose="02020603050405020304" pitchFamily="18" charset="0"/>
+              </a:rPr>
+              <a:t>Интеграция</a:t>
+            </a:r>
+            <a:r>
+              <a:rPr lang="ru-RU" b="1" dirty="0">
+                <a:latin typeface="Times New Roman" panose="02020603050405020304" pitchFamily="18" charset="0"/>
+                <a:cs typeface="Times New Roman" panose="02020603050405020304" pitchFamily="18" charset="0"/>
+              </a:rPr>
+              <a:t>:</a:t>
+            </a:r>
+            <a:r>
+              <a:rPr lang="ru-RU" dirty="0">
                 <a:latin typeface="Times New Roman" panose="02020603050405020304" pitchFamily="18" charset="0"/>
                 <a:cs typeface="Times New Roman" panose="02020603050405020304" pitchFamily="18" charset="0"/>
               </a:rPr>
               <a:t> </a:t>
             </a:r>
             <a:r>
-              <a:rPr dirty="0" err="1" smtClean="0">
-                <a:latin typeface="Times New Roman" panose="02020603050405020304" pitchFamily="18" charset="0"/>
-                <a:cs typeface="Times New Roman" panose="02020603050405020304" pitchFamily="18" charset="0"/>
-              </a:rPr>
-              <a:t>нормативно-правовых</a:t>
-            </a:r>
-            <a:r>
-              <a:rPr dirty="0" smtClean="0">
-                <a:latin typeface="Times New Roman" panose="02020603050405020304" pitchFamily="18" charset="0"/>
-                <a:cs typeface="Times New Roman" panose="02020603050405020304" pitchFamily="18" charset="0"/>
-              </a:rPr>
-              <a:t> </a:t>
+              <a:rPr lang="en-US" dirty="0" smtClean="0">
+                <a:latin typeface="Times New Roman" panose="02020603050405020304" pitchFamily="18" charset="0"/>
+                <a:cs typeface="Times New Roman" panose="02020603050405020304" pitchFamily="18" charset="0"/>
+              </a:rPr>
+              <a:t>HTTP </a:t>
             </a:r>
             <a:r>
               <a:rPr lang="ru-RU" dirty="0" smtClean="0">
                 <a:latin typeface="Times New Roman" panose="02020603050405020304" pitchFamily="18" charset="0"/>
                 <a:cs typeface="Times New Roman" panose="02020603050405020304" pitchFamily="18" charset="0"/>
               </a:rPr>
-              <a:t>актов</a:t>
-            </a:r>
-            <a:endParaRPr dirty="0">
+              <a:t>сервис </a:t>
+            </a:r>
+            <a:r>
+              <a:rPr lang="en-US" dirty="0" smtClean="0">
+                <a:latin typeface="Times New Roman" panose="02020603050405020304" pitchFamily="18" charset="0"/>
+                <a:cs typeface="Times New Roman" panose="02020603050405020304" pitchFamily="18" charset="0"/>
+              </a:rPr>
+              <a:t>1</a:t>
+            </a:r>
+            <a:r>
+              <a:rPr lang="ru-RU" dirty="0">
+                <a:latin typeface="Times New Roman" panose="02020603050405020304" pitchFamily="18" charset="0"/>
+                <a:cs typeface="Times New Roman" panose="02020603050405020304" pitchFamily="18" charset="0"/>
+              </a:rPr>
+              <a:t>С, </a:t>
+            </a:r>
+            <a:r>
+              <a:rPr lang="en-US" dirty="0" smtClean="0">
+                <a:latin typeface="Times New Roman" panose="02020603050405020304" pitchFamily="18" charset="0"/>
+                <a:cs typeface="Times New Roman" panose="02020603050405020304" pitchFamily="18" charset="0"/>
+              </a:rPr>
+              <a:t>JSON</a:t>
+            </a:r>
+            <a:endParaRPr lang="ru-RU" dirty="0" smtClean="0">
               <a:latin typeface="Times New Roman" panose="02020603050405020304" pitchFamily="18" charset="0"/>
               <a:cs typeface="Times New Roman" panose="02020603050405020304" pitchFamily="18" charset="0"/>
             </a:endParaRPr>
+          </a:p>
+        </p:txBody>
+      </p:sp>
+      <p:sp>
+        <p:nvSpPr>
+          <p:cNvPr id="4" name="Номер слайда 3"/>
+          <p:cNvSpPr>
+            <a:spLocks noGrp="1"/>
+          </p:cNvSpPr>
+          <p:nvPr>
+            <p:ph type="sldNum" sz="quarter" idx="12"/>
+          </p:nvPr>
+        </p:nvSpPr>
+        <p:spPr/>
+        <p:txBody>
+          <a:bodyPr/>
+          <a:lstStyle/>
+          <a:p>
+            <a:fld id="{C1FF6DA9-008F-8B48-92A6-B652298478BF}" type="slidenum">
+              <a:rPr lang="en-US" sz="1600" smtClean="0"/>
+              <a:t>4</a:t>
+            </a:fld>
+            <a:endParaRPr lang="en-US" dirty="0"/>
           </a:p>
         </p:txBody>
       </p:sp>
@@ -3830,31 +4741,22 @@
             <p:ph type="title"/>
           </p:nvPr>
         </p:nvSpPr>
-        <p:spPr/>
+        <p:spPr>
+          <a:xfrm>
+            <a:off x="457200" y="146304"/>
+            <a:ext cx="3008313" cy="548132"/>
+          </a:xfrm>
+        </p:spPr>
         <p:txBody>
           <a:bodyPr/>
           <a:lstStyle/>
           <a:p>
             <a:r>
-              <a:rPr b="1" dirty="0" err="1">
-                <a:latin typeface="Times New Roman" panose="02020603050405020304" pitchFamily="18" charset="0"/>
-                <a:cs typeface="Times New Roman" panose="02020603050405020304" pitchFamily="18" charset="0"/>
-              </a:rPr>
-              <a:t>Практические</a:t>
-            </a:r>
-            <a:r>
-              <a:rPr b="1" dirty="0">
-                <a:latin typeface="Times New Roman" panose="02020603050405020304" pitchFamily="18" charset="0"/>
-                <a:cs typeface="Times New Roman" panose="02020603050405020304" pitchFamily="18" charset="0"/>
-              </a:rPr>
-              <a:t> </a:t>
-            </a:r>
-            <a:r>
-              <a:rPr b="1" dirty="0" err="1">
-                <a:latin typeface="Times New Roman" panose="02020603050405020304" pitchFamily="18" charset="0"/>
-                <a:cs typeface="Times New Roman" panose="02020603050405020304" pitchFamily="18" charset="0"/>
-              </a:rPr>
-              <a:t>задачи</a:t>
+              <a:rPr lang="ru-RU" dirty="0">
+                <a:latin typeface="Times New Roman" panose="02020603050405020304" pitchFamily="18" charset="0"/>
+                <a:cs typeface="Times New Roman" panose="02020603050405020304" pitchFamily="18" charset="0"/>
+              </a:rPr>
+              <a:t>Архитектура решения</a:t>
             </a:r>
             <a:endParaRPr b="1" dirty="0">
               <a:latin typeface="Times New Roman" panose="02020603050405020304" pitchFamily="18" charset="0"/>
@@ -3865,122 +4767,221 @@
       </p:sp>
       <p:sp>
         <p:nvSpPr>
-          <p:cNvPr id="3" name="Content Placeholder 2"/>
-          <p:cNvSpPr>
-            <a:spLocks noGrp="1"/>
-          </p:cNvSpPr>
-          <p:nvPr>
-            <p:ph idx="1"/>
-          </p:nvPr>
-        </p:nvSpPr>
-        <p:spPr/>
-        <p:txBody>
-          <a:bodyPr/>
-          <a:lstStyle/>
-          <a:p>
-            <a:r>
-              <a:rPr dirty="0" err="1" smtClean="0">
-                <a:latin typeface="Times New Roman" panose="02020603050405020304" pitchFamily="18" charset="0"/>
-                <a:cs typeface="Times New Roman" panose="02020603050405020304" pitchFamily="18" charset="0"/>
-              </a:rPr>
-              <a:t>Разработка</a:t>
-            </a:r>
-            <a:r>
-              <a:rPr dirty="0" smtClean="0">
-                <a:latin typeface="Times New Roman" panose="02020603050405020304" pitchFamily="18" charset="0"/>
-                <a:cs typeface="Times New Roman" panose="02020603050405020304" pitchFamily="18" charset="0"/>
-              </a:rPr>
-              <a:t> </a:t>
-            </a:r>
-            <a:r>
-              <a:rPr dirty="0" err="1">
-                <a:latin typeface="Times New Roman" panose="02020603050405020304" pitchFamily="18" charset="0"/>
-                <a:cs typeface="Times New Roman" panose="02020603050405020304" pitchFamily="18" charset="0"/>
-              </a:rPr>
-              <a:t>архитектуры</a:t>
-            </a:r>
-            <a:r>
-              <a:rPr dirty="0">
-                <a:latin typeface="Times New Roman" panose="02020603050405020304" pitchFamily="18" charset="0"/>
-                <a:cs typeface="Times New Roman" panose="02020603050405020304" pitchFamily="18" charset="0"/>
-              </a:rPr>
-              <a:t> </a:t>
-            </a:r>
-            <a:r>
-              <a:rPr dirty="0" err="1">
-                <a:latin typeface="Times New Roman" panose="02020603050405020304" pitchFamily="18" charset="0"/>
-                <a:cs typeface="Times New Roman" panose="02020603050405020304" pitchFamily="18" charset="0"/>
-              </a:rPr>
-              <a:t>интеграционного</a:t>
-            </a:r>
-            <a:r>
-              <a:rPr dirty="0">
-                <a:latin typeface="Times New Roman" panose="02020603050405020304" pitchFamily="18" charset="0"/>
-                <a:cs typeface="Times New Roman" panose="02020603050405020304" pitchFamily="18" charset="0"/>
-              </a:rPr>
-              <a:t> </a:t>
-            </a:r>
-            <a:r>
-              <a:rPr dirty="0" err="1">
-                <a:latin typeface="Times New Roman" panose="02020603050405020304" pitchFamily="18" charset="0"/>
-                <a:cs typeface="Times New Roman" panose="02020603050405020304" pitchFamily="18" charset="0"/>
-              </a:rPr>
-              <a:t>решения</a:t>
-            </a:r>
-            <a:endParaRPr dirty="0">
+          <p:cNvPr id="4" name="Текст 3"/>
+          <p:cNvSpPr>
+            <a:spLocks noGrp="1"/>
+          </p:cNvSpPr>
+          <p:nvPr>
+            <p:ph type="body" sz="half" idx="2"/>
+          </p:nvPr>
+        </p:nvSpPr>
+        <p:spPr>
+          <a:xfrm>
+            <a:off x="283464" y="795020"/>
+            <a:ext cx="8055864" cy="1655571"/>
+          </a:xfrm>
+        </p:spPr>
+        <p:txBody>
+          <a:bodyPr>
+            <a:normAutofit lnSpcReduction="10000"/>
+          </a:bodyPr>
+          <a:lstStyle/>
+          <a:p>
+            <a:r>
+              <a:rPr lang="ru-RU" b="1" dirty="0">
+                <a:latin typeface="Times New Roman" panose="02020603050405020304" pitchFamily="18" charset="0"/>
+                <a:cs typeface="Times New Roman" panose="02020603050405020304" pitchFamily="18" charset="0"/>
+              </a:rPr>
+              <a:t>Трёхуровневая модель «клиент – API – БД»</a:t>
+            </a:r>
+            <a:endParaRPr lang="ru-RU" dirty="0">
               <a:latin typeface="Times New Roman" panose="02020603050405020304" pitchFamily="18" charset="0"/>
               <a:cs typeface="Times New Roman" panose="02020603050405020304" pitchFamily="18" charset="0"/>
             </a:endParaRPr>
           </a:p>
           <a:p>
             <a:r>
-              <a:rPr lang="ru-RU" dirty="0" smtClean="0">
-                <a:latin typeface="Times New Roman" panose="02020603050405020304" pitchFamily="18" charset="0"/>
-                <a:cs typeface="Times New Roman" panose="02020603050405020304" pitchFamily="18" charset="0"/>
-              </a:rPr>
-              <a:t>Создание функционала для а</a:t>
-            </a:r>
-            <a:r>
-              <a:rPr dirty="0" err="1" smtClean="0">
-                <a:latin typeface="Times New Roman" panose="02020603050405020304" pitchFamily="18" charset="0"/>
-                <a:cs typeface="Times New Roman" panose="02020603050405020304" pitchFamily="18" charset="0"/>
-              </a:rPr>
-              <a:t>даптаци</a:t>
-            </a:r>
-            <a:r>
-              <a:rPr lang="ru-RU" dirty="0" smtClean="0">
-                <a:latin typeface="Times New Roman" panose="02020603050405020304" pitchFamily="18" charset="0"/>
-                <a:cs typeface="Times New Roman" panose="02020603050405020304" pitchFamily="18" charset="0"/>
-              </a:rPr>
-              <a:t>и</a:t>
-            </a:r>
-            <a:r>
-              <a:rPr dirty="0" smtClean="0">
+              <a:rPr lang="ru-RU" b="1" dirty="0" err="1">
+                <a:latin typeface="Times New Roman" panose="02020603050405020304" pitchFamily="18" charset="0"/>
+                <a:cs typeface="Times New Roman" panose="02020603050405020304" pitchFamily="18" charset="0"/>
+              </a:rPr>
+              <a:t>React</a:t>
+            </a:r>
+            <a:r>
+              <a:rPr lang="ru-RU" b="1" dirty="0">
                 <a:latin typeface="Times New Roman" panose="02020603050405020304" pitchFamily="18" charset="0"/>
                 <a:cs typeface="Times New Roman" panose="02020603050405020304" pitchFamily="18" charset="0"/>
               </a:rPr>
               <a:t> </a:t>
             </a:r>
             <a:r>
-              <a:rPr lang="ru-RU" dirty="0" smtClean="0">
-                <a:latin typeface="Times New Roman" panose="02020603050405020304" pitchFamily="18" charset="0"/>
-                <a:cs typeface="Times New Roman" panose="02020603050405020304" pitchFamily="18" charset="0"/>
-              </a:rPr>
-              <a:t>решения под платформы банков</a:t>
-            </a:r>
-          </a:p>
-          <a:p>
-            <a:r>
-              <a:rPr lang="ru-RU" dirty="0" smtClean="0">
-                <a:latin typeface="Times New Roman" panose="02020603050405020304" pitchFamily="18" charset="0"/>
-                <a:cs typeface="Times New Roman" panose="02020603050405020304" pitchFamily="18" charset="0"/>
-              </a:rPr>
-              <a:t>Разработка функционального прототипа </a:t>
-            </a:r>
-            <a:endParaRPr dirty="0">
+              <a:rPr lang="ru-RU" b="1" dirty="0" err="1">
+                <a:latin typeface="Times New Roman" panose="02020603050405020304" pitchFamily="18" charset="0"/>
+                <a:cs typeface="Times New Roman" panose="02020603050405020304" pitchFamily="18" charset="0"/>
+              </a:rPr>
+              <a:t>App</a:t>
+            </a:r>
+            <a:r>
+              <a:rPr lang="ru-RU" dirty="0">
+                <a:latin typeface="Times New Roman" panose="02020603050405020304" pitchFamily="18" charset="0"/>
+                <a:cs typeface="Times New Roman" panose="02020603050405020304" pitchFamily="18" charset="0"/>
+              </a:rPr>
+              <a:t> (SPA): формы логина, подачи и обработки заявок</a:t>
+            </a:r>
+          </a:p>
+          <a:p>
+            <a:r>
+              <a:rPr lang="ru-RU" b="1" dirty="0">
+                <a:latin typeface="Times New Roman" panose="02020603050405020304" pitchFamily="18" charset="0"/>
+                <a:cs typeface="Times New Roman" panose="02020603050405020304" pitchFamily="18" charset="0"/>
+              </a:rPr>
+              <a:t>Express.js API</a:t>
+            </a:r>
+            <a:r>
+              <a:rPr lang="ru-RU" dirty="0">
+                <a:latin typeface="Times New Roman" panose="02020603050405020304" pitchFamily="18" charset="0"/>
+                <a:cs typeface="Times New Roman" panose="02020603050405020304" pitchFamily="18" charset="0"/>
+              </a:rPr>
+              <a:t>: маршрутизация, </a:t>
+            </a:r>
+            <a:r>
+              <a:rPr lang="ru-RU" dirty="0" err="1">
+                <a:latin typeface="Times New Roman" panose="02020603050405020304" pitchFamily="18" charset="0"/>
+                <a:cs typeface="Times New Roman" panose="02020603050405020304" pitchFamily="18" charset="0"/>
+              </a:rPr>
+              <a:t>валидация</a:t>
+            </a:r>
+            <a:r>
+              <a:rPr lang="ru-RU" dirty="0">
+                <a:latin typeface="Times New Roman" panose="02020603050405020304" pitchFamily="18" charset="0"/>
+                <a:cs typeface="Times New Roman" panose="02020603050405020304" pitchFamily="18" charset="0"/>
+              </a:rPr>
+              <a:t>, бизнес-логика</a:t>
+            </a:r>
+          </a:p>
+          <a:p>
+            <a:r>
+              <a:rPr lang="ru-RU" b="1" dirty="0" err="1">
+                <a:latin typeface="Times New Roman" panose="02020603050405020304" pitchFamily="18" charset="0"/>
+                <a:cs typeface="Times New Roman" panose="02020603050405020304" pitchFamily="18" charset="0"/>
+              </a:rPr>
+              <a:t>PostgreSQL</a:t>
+            </a:r>
+            <a:r>
+              <a:rPr lang="ru-RU" dirty="0">
+                <a:latin typeface="Times New Roman" panose="02020603050405020304" pitchFamily="18" charset="0"/>
+                <a:cs typeface="Times New Roman" panose="02020603050405020304" pitchFamily="18" charset="0"/>
+              </a:rPr>
+              <a:t>: хранение пользователей, профилей, заявок, документов</a:t>
+            </a:r>
+          </a:p>
+          <a:p>
+            <a:r>
+              <a:rPr lang="ru-RU" b="1" dirty="0">
+                <a:latin typeface="Times New Roman" panose="02020603050405020304" pitchFamily="18" charset="0"/>
+                <a:cs typeface="Times New Roman" panose="02020603050405020304" pitchFamily="18" charset="0"/>
+              </a:rPr>
+              <a:t>Модуль интеграции с 1С</a:t>
+            </a:r>
+            <a:r>
+              <a:rPr lang="ru-RU" dirty="0">
+                <a:latin typeface="Times New Roman" panose="02020603050405020304" pitchFamily="18" charset="0"/>
+                <a:cs typeface="Times New Roman" panose="02020603050405020304" pitchFamily="18" charset="0"/>
+              </a:rPr>
+              <a:t>:</a:t>
+            </a:r>
+          </a:p>
+          <a:p>
+            <a:pPr lvl="1"/>
+            <a:r>
+              <a:rPr lang="ru-RU" dirty="0">
+                <a:latin typeface="Times New Roman" panose="02020603050405020304" pitchFamily="18" charset="0"/>
+                <a:cs typeface="Times New Roman" panose="02020603050405020304" pitchFamily="18" charset="0"/>
+              </a:rPr>
+              <a:t>1С Клиента → </a:t>
+            </a:r>
+            <a:r>
+              <a:rPr lang="ru-RU" dirty="0" err="1">
+                <a:latin typeface="Times New Roman" panose="02020603050405020304" pitchFamily="18" charset="0"/>
+                <a:cs typeface="Times New Roman" panose="02020603050405020304" pitchFamily="18" charset="0"/>
+              </a:rPr>
+              <a:t>автозаполнение</a:t>
+            </a:r>
+            <a:r>
+              <a:rPr lang="ru-RU" dirty="0">
+                <a:latin typeface="Times New Roman" panose="02020603050405020304" pitchFamily="18" charset="0"/>
+                <a:cs typeface="Times New Roman" panose="02020603050405020304" pitchFamily="18" charset="0"/>
+              </a:rPr>
+              <a:t> финансовых данных</a:t>
+            </a:r>
+          </a:p>
+          <a:p>
+            <a:pPr lvl="1"/>
+            <a:r>
+              <a:rPr lang="ru-RU" dirty="0">
+                <a:latin typeface="Times New Roman" panose="02020603050405020304" pitchFamily="18" charset="0"/>
+                <a:cs typeface="Times New Roman" panose="02020603050405020304" pitchFamily="18" charset="0"/>
+              </a:rPr>
+              <a:t>1С Банка ← передача структурированных заявок</a:t>
+            </a:r>
+          </a:p>
+          <a:p>
+            <a:endParaRPr lang="ru-RU" dirty="0">
               <a:latin typeface="Times New Roman" panose="02020603050405020304" pitchFamily="18" charset="0"/>
               <a:cs typeface="Times New Roman" panose="02020603050405020304" pitchFamily="18" charset="0"/>
             </a:endParaRPr>
+          </a:p>
+        </p:txBody>
+      </p:sp>
+      <p:pic>
+        <p:nvPicPr>
+          <p:cNvPr id="7" name="Объект 6"/>
+          <p:cNvPicPr>
+            <a:picLocks noGrp="1" noChangeAspect="1"/>
+          </p:cNvPicPr>
+          <p:nvPr>
+            <p:ph idx="1"/>
+          </p:nvPr>
+        </p:nvPicPr>
+        <p:blipFill>
+          <a:blip r:embed="rId2">
+            <a:extLst>
+              <a:ext uri="{28A0092B-C50C-407E-A947-70E740481C1C}">
+                <a14:useLocalDpi xmlns:a14="http://schemas.microsoft.com/office/drawing/2010/main" val="0"/>
+              </a:ext>
+            </a:extLst>
+          </a:blip>
+          <a:stretch>
+            <a:fillRect/>
+          </a:stretch>
+        </p:blipFill>
+        <p:spPr>
+          <a:xfrm>
+            <a:off x="131122" y="2633472"/>
+            <a:ext cx="8829354" cy="3959351"/>
+          </a:xfrm>
+        </p:spPr>
+      </p:pic>
+      <p:sp>
+        <p:nvSpPr>
+          <p:cNvPr id="8" name="Номер слайда 7"/>
+          <p:cNvSpPr>
+            <a:spLocks noGrp="1"/>
+          </p:cNvSpPr>
+          <p:nvPr>
+            <p:ph type="sldNum" sz="quarter" idx="12"/>
+          </p:nvPr>
+        </p:nvSpPr>
+        <p:spPr/>
+        <p:txBody>
+          <a:bodyPr/>
+          <a:lstStyle/>
+          <a:p>
+            <a:fld id="{C1FF6DA9-008F-8B48-92A6-B652298478BF}" type="slidenum">
+              <a:rPr lang="en-US" sz="1600" smtClean="0"/>
+              <a:t>5</a:t>
+            </a:fld>
+            <a:endParaRPr lang="en-US" sz="1600" dirty="0"/>
           </a:p>
         </p:txBody>
       </p:sp>
@@ -4018,7 +5019,7 @@
       </p:grpSpPr>
       <p:sp>
         <p:nvSpPr>
-          <p:cNvPr id="2" name="Заголовок 1"/>
+          <p:cNvPr id="2" name="Title 1"/>
           <p:cNvSpPr>
             <a:spLocks noGrp="1"/>
           </p:cNvSpPr>
@@ -4032,33 +5033,175 @@
           <a:lstStyle/>
           <a:p>
             <a:r>
-              <a:rPr lang="en-US" b="1" dirty="0" err="1" smtClean="0">
-                <a:latin typeface="Times New Roman" panose="02020603050405020304" pitchFamily="18" charset="0"/>
-                <a:cs typeface="Times New Roman" panose="02020603050405020304" pitchFamily="18" charset="0"/>
-              </a:rPr>
-              <a:t>UseCase</a:t>
-            </a:r>
-            <a:r>
-              <a:rPr lang="en-US" b="1" dirty="0" smtClean="0">
-                <a:latin typeface="Times New Roman" panose="02020603050405020304" pitchFamily="18" charset="0"/>
-                <a:cs typeface="Times New Roman" panose="02020603050405020304" pitchFamily="18" charset="0"/>
-              </a:rPr>
-              <a:t> </a:t>
-            </a:r>
-            <a:r>
-              <a:rPr lang="ru-RU" b="1" dirty="0" smtClean="0">
-                <a:latin typeface="Times New Roman" panose="02020603050405020304" pitchFamily="18" charset="0"/>
-                <a:cs typeface="Times New Roman" panose="02020603050405020304" pitchFamily="18" charset="0"/>
-              </a:rPr>
-              <a:t>диаграмма</a:t>
-            </a:r>
-            <a:endParaRPr lang="ru-RU" dirty="0"/>
+              <a:rPr lang="ru-RU" dirty="0">
+                <a:latin typeface="Times New Roman" panose="02020603050405020304" pitchFamily="18" charset="0"/>
+                <a:cs typeface="Times New Roman" panose="02020603050405020304" pitchFamily="18" charset="0"/>
+              </a:rPr>
+              <a:t>Модель данных и </a:t>
+            </a:r>
+            <a:r>
+              <a:rPr lang="en-US" dirty="0">
+                <a:latin typeface="Times New Roman" panose="02020603050405020304" pitchFamily="18" charset="0"/>
+                <a:cs typeface="Times New Roman" panose="02020603050405020304" pitchFamily="18" charset="0"/>
+              </a:rPr>
+              <a:t>API</a:t>
+            </a:r>
+            <a:endParaRPr b="1" dirty="0">
+              <a:latin typeface="Times New Roman" panose="02020603050405020304" pitchFamily="18" charset="0"/>
+              <a:cs typeface="Times New Roman" panose="02020603050405020304" pitchFamily="18" charset="0"/>
+            </a:endParaRPr>
+          </a:p>
+        </p:txBody>
+      </p:sp>
+      <p:sp>
+        <p:nvSpPr>
+          <p:cNvPr id="6" name="Текст 5"/>
+          <p:cNvSpPr>
+            <a:spLocks noGrp="1"/>
+          </p:cNvSpPr>
+          <p:nvPr>
+            <p:ph type="body" sz="half" idx="2"/>
+          </p:nvPr>
+        </p:nvSpPr>
+        <p:spPr>
+          <a:xfrm>
+            <a:off x="457200" y="1435100"/>
+            <a:ext cx="3867912" cy="4691063"/>
+          </a:xfrm>
+        </p:spPr>
+        <p:txBody>
+          <a:bodyPr/>
+          <a:lstStyle/>
+          <a:p>
+            <a:pPr lvl="0" defTabSz="914400" eaLnBrk="0" fontAlgn="base" hangingPunct="0">
+              <a:spcBef>
+                <a:spcPct val="0"/>
+              </a:spcBef>
+              <a:spcAft>
+                <a:spcPct val="0"/>
+              </a:spcAft>
+            </a:pPr>
+            <a:endParaRPr lang="ru-RU" altLang="ru-RU" sz="1800" dirty="0">
+              <a:latin typeface="Times New Roman" panose="02020603050405020304" pitchFamily="18" charset="0"/>
+              <a:cs typeface="Times New Roman" panose="02020603050405020304" pitchFamily="18" charset="0"/>
+            </a:endParaRPr>
+          </a:p>
+          <a:p>
+            <a:pPr lvl="0" defTabSz="914400" eaLnBrk="0" fontAlgn="base" hangingPunct="0">
+              <a:spcBef>
+                <a:spcPct val="0"/>
+              </a:spcBef>
+              <a:spcAft>
+                <a:spcPct val="0"/>
+              </a:spcAft>
+            </a:pPr>
+            <a:r>
+              <a:rPr lang="ru-RU" altLang="ru-RU" sz="1800" b="1" dirty="0">
+                <a:latin typeface="Times New Roman" panose="02020603050405020304" pitchFamily="18" charset="0"/>
+                <a:cs typeface="Times New Roman" panose="02020603050405020304" pitchFamily="18" charset="0"/>
+              </a:rPr>
+              <a:t>ER-диаграмма:</a:t>
+            </a:r>
+            <a:r>
+              <a:rPr lang="ru-RU" altLang="ru-RU" sz="1800" dirty="0">
+                <a:latin typeface="Times New Roman" panose="02020603050405020304" pitchFamily="18" charset="0"/>
+                <a:cs typeface="Times New Roman" panose="02020603050405020304" pitchFamily="18" charset="0"/>
+              </a:rPr>
+              <a:t> сущности </a:t>
+            </a:r>
+            <a:r>
+              <a:rPr lang="ru-RU" altLang="ru-RU" sz="1800" dirty="0" err="1">
+                <a:latin typeface="Times New Roman" panose="02020603050405020304" pitchFamily="18" charset="0"/>
+                <a:cs typeface="Times New Roman" panose="02020603050405020304" pitchFamily="18" charset="0"/>
+              </a:rPr>
+              <a:t>User</a:t>
+            </a:r>
+            <a:r>
+              <a:rPr lang="ru-RU" altLang="ru-RU" sz="1800" dirty="0">
+                <a:latin typeface="Times New Roman" panose="02020603050405020304" pitchFamily="18" charset="0"/>
+                <a:cs typeface="Times New Roman" panose="02020603050405020304" pitchFamily="18" charset="0"/>
+              </a:rPr>
+              <a:t>, </a:t>
+            </a:r>
+            <a:r>
+              <a:rPr lang="ru-RU" altLang="ru-RU" sz="1800" dirty="0" err="1">
+                <a:latin typeface="Times New Roman" panose="02020603050405020304" pitchFamily="18" charset="0"/>
+                <a:cs typeface="Times New Roman" panose="02020603050405020304" pitchFamily="18" charset="0"/>
+              </a:rPr>
+              <a:t>CompanyProfile</a:t>
+            </a:r>
+            <a:r>
+              <a:rPr lang="ru-RU" altLang="ru-RU" sz="1800" dirty="0">
+                <a:latin typeface="Times New Roman" panose="02020603050405020304" pitchFamily="18" charset="0"/>
+                <a:cs typeface="Times New Roman" panose="02020603050405020304" pitchFamily="18" charset="0"/>
+              </a:rPr>
+              <a:t>, </a:t>
+            </a:r>
+            <a:r>
+              <a:rPr lang="ru-RU" altLang="ru-RU" sz="1800" dirty="0" err="1">
+                <a:latin typeface="Times New Roman" panose="02020603050405020304" pitchFamily="18" charset="0"/>
+                <a:cs typeface="Times New Roman" panose="02020603050405020304" pitchFamily="18" charset="0"/>
+              </a:rPr>
+              <a:t>Listing</a:t>
+            </a:r>
+            <a:r>
+              <a:rPr lang="ru-RU" altLang="ru-RU" sz="1800" dirty="0">
+                <a:latin typeface="Times New Roman" panose="02020603050405020304" pitchFamily="18" charset="0"/>
+                <a:cs typeface="Times New Roman" panose="02020603050405020304" pitchFamily="18" charset="0"/>
+              </a:rPr>
+              <a:t>, </a:t>
+            </a:r>
+            <a:r>
+              <a:rPr lang="ru-RU" altLang="ru-RU" sz="1800" dirty="0" err="1">
+                <a:latin typeface="Times New Roman" panose="02020603050405020304" pitchFamily="18" charset="0"/>
+                <a:cs typeface="Times New Roman" panose="02020603050405020304" pitchFamily="18" charset="0"/>
+              </a:rPr>
+              <a:t>Document</a:t>
+            </a:r>
+            <a:r>
+              <a:rPr lang="ru-RU" altLang="ru-RU" sz="1800" dirty="0">
+                <a:latin typeface="Times New Roman" panose="02020603050405020304" pitchFamily="18" charset="0"/>
+                <a:cs typeface="Times New Roman" panose="02020603050405020304" pitchFamily="18" charset="0"/>
+              </a:rPr>
+              <a:t>, </a:t>
+            </a:r>
+            <a:r>
+              <a:rPr lang="ru-RU" altLang="ru-RU" sz="1800" dirty="0" err="1">
+                <a:latin typeface="Times New Roman" panose="02020603050405020304" pitchFamily="18" charset="0"/>
+                <a:cs typeface="Times New Roman" panose="02020603050405020304" pitchFamily="18" charset="0"/>
+              </a:rPr>
+              <a:t>Application</a:t>
+            </a:r>
+            <a:r>
+              <a:rPr lang="ru-RU" altLang="ru-RU" sz="1800" dirty="0">
+                <a:latin typeface="Times New Roman" panose="02020603050405020304" pitchFamily="18" charset="0"/>
+                <a:cs typeface="Times New Roman" panose="02020603050405020304" pitchFamily="18" charset="0"/>
+              </a:rPr>
+              <a:t>, </a:t>
+            </a:r>
+            <a:r>
+              <a:rPr lang="ru-RU" altLang="ru-RU" sz="1800" dirty="0" err="1">
+                <a:latin typeface="Times New Roman" panose="02020603050405020304" pitchFamily="18" charset="0"/>
+                <a:cs typeface="Times New Roman" panose="02020603050405020304" pitchFamily="18" charset="0"/>
+              </a:rPr>
+              <a:t>BankDecision</a:t>
+            </a:r>
+            <a:endParaRPr lang="ru-RU" altLang="ru-RU" sz="1800" dirty="0">
+              <a:latin typeface="Times New Roman" panose="02020603050405020304" pitchFamily="18" charset="0"/>
+              <a:cs typeface="Times New Roman" panose="02020603050405020304" pitchFamily="18" charset="0"/>
+            </a:endParaRPr>
+          </a:p>
+          <a:p>
+            <a:endParaRPr lang="ru-RU" dirty="0">
+              <a:latin typeface="Times New Roman" panose="02020603050405020304" pitchFamily="18" charset="0"/>
+              <a:cs typeface="Times New Roman" panose="02020603050405020304" pitchFamily="18" charset="0"/>
+            </a:endParaRPr>
           </a:p>
         </p:txBody>
       </p:sp>
       <p:pic>
         <p:nvPicPr>
-          <p:cNvPr id="4" name="Объект 3"/>
+          <p:cNvPr id="9" name="Объект 8"/>
           <p:cNvPicPr>
             <a:picLocks noGrp="1" noChangeAspect="1"/>
           </p:cNvPicPr>
@@ -4080,17 +5223,35 @@
         </p:blipFill>
         <p:spPr>
           <a:xfrm>
-            <a:off x="195736" y="2112264"/>
-            <a:ext cx="8752528" cy="3575303"/>
+            <a:off x="4526280" y="0"/>
+            <a:ext cx="3591383" cy="6813550"/>
           </a:xfrm>
         </p:spPr>
       </p:pic>
+      <p:sp>
+        <p:nvSpPr>
+          <p:cNvPr id="10" name="Номер слайда 9"/>
+          <p:cNvSpPr>
+            <a:spLocks noGrp="1"/>
+          </p:cNvSpPr>
+          <p:nvPr>
+            <p:ph type="sldNum" sz="quarter" idx="12"/>
+          </p:nvPr>
+        </p:nvSpPr>
+        <p:spPr/>
+        <p:txBody>
+          <a:bodyPr/>
+          <a:lstStyle/>
+          <a:p>
+            <a:fld id="{C1FF6DA9-008F-8B48-92A6-B652298478BF}" type="slidenum">
+              <a:rPr lang="en-US" sz="1600" smtClean="0"/>
+              <a:t>6</a:t>
+            </a:fld>
+            <a:endParaRPr lang="en-US" sz="1600" dirty="0"/>
+          </a:p>
+        </p:txBody>
+      </p:sp>
     </p:spTree>
-    <p:extLst>
-      <p:ext uri="{BB962C8B-B14F-4D97-AF65-F5344CB8AC3E}">
-        <p14:creationId xmlns:p14="http://schemas.microsoft.com/office/powerpoint/2010/main" val="3228314331"/>
-      </p:ext>
-    </p:extLst>
   </p:cSld>
   <p:clrMapOvr>
     <a:masterClrMapping/>
@@ -4134,43 +5295,17 @@
         </p:nvSpPr>
         <p:spPr/>
         <p:txBody>
-          <a:bodyPr/>
-          <a:lstStyle/>
-          <a:p>
-            <a:r>
-              <a:rPr b="1" dirty="0" err="1">
-                <a:latin typeface="Times New Roman" panose="02020603050405020304" pitchFamily="18" charset="0"/>
-                <a:cs typeface="Times New Roman" panose="02020603050405020304" pitchFamily="18" charset="0"/>
-              </a:rPr>
-              <a:t>Выполненные</a:t>
-            </a:r>
-            <a:r>
-              <a:rPr b="1" dirty="0">
-                <a:latin typeface="Times New Roman" panose="02020603050405020304" pitchFamily="18" charset="0"/>
-                <a:cs typeface="Times New Roman" panose="02020603050405020304" pitchFamily="18" charset="0"/>
-              </a:rPr>
-              <a:t> </a:t>
-            </a:r>
-            <a:r>
-              <a:rPr b="1" dirty="0" err="1">
-                <a:latin typeface="Times New Roman" panose="02020603050405020304" pitchFamily="18" charset="0"/>
-                <a:cs typeface="Times New Roman" panose="02020603050405020304" pitchFamily="18" charset="0"/>
-              </a:rPr>
-              <a:t>этапы</a:t>
-            </a:r>
-            <a:r>
-              <a:rPr b="1" dirty="0">
-                <a:latin typeface="Times New Roman" panose="02020603050405020304" pitchFamily="18" charset="0"/>
-                <a:cs typeface="Times New Roman" panose="02020603050405020304" pitchFamily="18" charset="0"/>
-              </a:rPr>
-              <a:t> </a:t>
-            </a:r>
-            <a:r>
-              <a:rPr b="1" dirty="0" err="1">
-                <a:latin typeface="Times New Roman" panose="02020603050405020304" pitchFamily="18" charset="0"/>
-                <a:cs typeface="Times New Roman" panose="02020603050405020304" pitchFamily="18" charset="0"/>
-              </a:rPr>
-              <a:t>работы</a:t>
+          <a:bodyPr>
+            <a:normAutofit/>
+          </a:bodyPr>
+          <a:lstStyle/>
+          <a:p>
+            <a:r>
+              <a:rPr lang="ru-RU" dirty="0">
+                <a:latin typeface="Times New Roman" panose="02020603050405020304" pitchFamily="18" charset="0"/>
+                <a:cs typeface="Times New Roman" panose="02020603050405020304" pitchFamily="18" charset="0"/>
+              </a:rPr>
+              <a:t>Пользовательский интерфейс</a:t>
             </a:r>
             <a:endParaRPr b="1" dirty="0">
               <a:latin typeface="Times New Roman" panose="02020603050405020304" pitchFamily="18" charset="0"/>
@@ -4181,87 +5316,366 @@
       </p:sp>
       <p:sp>
         <p:nvSpPr>
-          <p:cNvPr id="3" name="Content Placeholder 2"/>
-          <p:cNvSpPr>
-            <a:spLocks noGrp="1"/>
+          <p:cNvPr id="5" name="Rectangle 2"/>
+          <p:cNvSpPr>
+            <a:spLocks noGrp="1" noChangeArrowheads="1"/>
           </p:cNvSpPr>
           <p:nvPr>
             <p:ph idx="1"/>
           </p:nvPr>
         </p:nvSpPr>
-        <p:spPr/>
-        <p:txBody>
-          <a:bodyPr/>
-          <a:lstStyle/>
-          <a:p>
-            <a:r>
-              <a:rPr dirty="0" err="1" smtClean="0">
-                <a:latin typeface="Times New Roman" panose="02020603050405020304" pitchFamily="18" charset="0"/>
-                <a:cs typeface="Times New Roman" panose="02020603050405020304" pitchFamily="18" charset="0"/>
-              </a:rPr>
-              <a:t>Анализ</a:t>
-            </a:r>
-            <a:r>
-              <a:rPr dirty="0" smtClean="0">
-                <a:latin typeface="Times New Roman" panose="02020603050405020304" pitchFamily="18" charset="0"/>
-                <a:cs typeface="Times New Roman" panose="02020603050405020304" pitchFamily="18" charset="0"/>
-              </a:rPr>
-              <a:t> ИТ-</a:t>
-            </a:r>
-            <a:r>
-              <a:rPr dirty="0" err="1" smtClean="0">
-                <a:latin typeface="Times New Roman" panose="02020603050405020304" pitchFamily="18" charset="0"/>
-                <a:cs typeface="Times New Roman" panose="02020603050405020304" pitchFamily="18" charset="0"/>
-              </a:rPr>
-              <a:t>процессов</a:t>
-            </a:r>
-            <a:r>
-              <a:rPr lang="ru-RU" dirty="0" smtClean="0">
-                <a:latin typeface="Times New Roman" panose="02020603050405020304" pitchFamily="18" charset="0"/>
-                <a:cs typeface="Times New Roman" panose="02020603050405020304" pitchFamily="18" charset="0"/>
-              </a:rPr>
-              <a:t> российских банков</a:t>
-            </a:r>
-          </a:p>
-          <a:p>
-            <a:r>
-              <a:rPr lang="ru-RU" dirty="0" smtClean="0">
-                <a:latin typeface="Times New Roman" panose="02020603050405020304" pitchFamily="18" charset="0"/>
-                <a:cs typeface="Times New Roman" panose="02020603050405020304" pitchFamily="18" charset="0"/>
-              </a:rPr>
-              <a:t>Сбор информационной базы документов декларирующих принципы работы 1С в банковских системах</a:t>
-            </a:r>
-            <a:endParaRPr dirty="0">
+        <p:spPr bwMode="auto">
+          <a:xfrm>
+            <a:off x="310896" y="2468183"/>
+            <a:ext cx="8375904" cy="2246769"/>
+          </a:xfrm>
+          <a:prstGeom prst="rect">
+            <a:avLst/>
+          </a:prstGeom>
+          <a:noFill/>
+          <a:ln>
+            <a:noFill/>
+          </a:ln>
+          <a:effectLst/>
+          <a:extLst>
+            <a:ext uri="{909E8E84-426E-40DD-AFC4-6F175D3DCCD1}">
+              <a14:hiddenFill xmlns:a14="http://schemas.microsoft.com/office/drawing/2010/main">
+                <a:solidFill>
+                  <a:schemeClr val="accent1"/>
+                </a:solidFill>
+              </a14:hiddenFill>
+            </a:ext>
+            <a:ext uri="{91240B29-F687-4F45-9708-019B960494DF}">
+              <a14:hiddenLine xmlns:a14="http://schemas.microsoft.com/office/drawing/2010/main" w="9525">
+                <a:solidFill>
+                  <a:schemeClr val="tx1"/>
+                </a:solidFill>
+                <a:miter lim="800000"/>
+                <a:headEnd/>
+                <a:tailEnd/>
+              </a14:hiddenLine>
+            </a:ext>
+            <a:ext uri="{AF507438-7753-43E0-B8FC-AC1667EBCBE1}">
+              <a14:hiddenEffects xmlns:a14="http://schemas.microsoft.com/office/drawing/2010/main">
+                <a:effectLst>
+                  <a:outerShdw dist="35921" dir="2700000" algn="ctr" rotWithShape="0">
+                    <a:schemeClr val="bg2"/>
+                  </a:outerShdw>
+                </a:effectLst>
+              </a14:hiddenEffects>
+            </a:ext>
+          </a:extLst>
+        </p:spPr>
+        <p:txBody>
+          <a:bodyPr vert="horz" wrap="square" lIns="91440" tIns="45720" rIns="91440" bIns="45720" numCol="1" anchor="ctr" anchorCtr="0" compatLnSpc="1">
+            <a:prstTxWarp prst="textNoShape">
+              <a:avLst/>
+            </a:prstTxWarp>
+            <a:spAutoFit/>
+          </a:bodyPr>
+          <a:lstStyle/>
+          <a:p>
+            <a:pPr marL="0" marR="0" lvl="0" indent="0" algn="l" defTabSz="914400" rtl="0" eaLnBrk="0" fontAlgn="base" latinLnBrk="0" hangingPunct="0">
+              <a:lnSpc>
+                <a:spcPct val="100000"/>
+              </a:lnSpc>
+              <a:spcBef>
+                <a:spcPct val="0"/>
+              </a:spcBef>
+              <a:spcAft>
+                <a:spcPct val="0"/>
+              </a:spcAft>
+              <a:buClrTx/>
+              <a:buSzTx/>
+              <a:buNone/>
+              <a:tabLst/>
+            </a:pPr>
+            <a:r>
+              <a:rPr kumimoji="0" lang="ru-RU" altLang="ru-RU" sz="2000" b="1" i="0" u="none" strike="noStrike" cap="none" normalizeH="0" baseline="0" dirty="0" smtClean="0">
+                <a:ln>
+                  <a:noFill/>
+                </a:ln>
+                <a:solidFill>
+                  <a:schemeClr val="tx1"/>
+                </a:solidFill>
+                <a:effectLst/>
+                <a:latin typeface="Times New Roman" panose="02020603050405020304" pitchFamily="18" charset="0"/>
+                <a:cs typeface="Times New Roman" panose="02020603050405020304" pitchFamily="18" charset="0"/>
+              </a:rPr>
+              <a:t>Два сценария:</a:t>
+            </a:r>
+            <a:endParaRPr kumimoji="0" lang="ru-RU" altLang="ru-RU" sz="2000" b="0" i="0" u="none" strike="noStrike" cap="none" normalizeH="0" baseline="0" dirty="0" smtClean="0">
+              <a:ln>
+                <a:noFill/>
+              </a:ln>
+              <a:solidFill>
+                <a:schemeClr val="tx1"/>
+              </a:solidFill>
+              <a:effectLst/>
               <a:latin typeface="Times New Roman" panose="02020603050405020304" pitchFamily="18" charset="0"/>
               <a:cs typeface="Times New Roman" panose="02020603050405020304" pitchFamily="18" charset="0"/>
             </a:endParaRPr>
           </a:p>
           <a:p>
-            <a:r>
-              <a:rPr dirty="0" err="1" smtClean="0">
-                <a:latin typeface="Times New Roman" panose="02020603050405020304" pitchFamily="18" charset="0"/>
-                <a:cs typeface="Times New Roman" panose="02020603050405020304" pitchFamily="18" charset="0"/>
-              </a:rPr>
-              <a:t>Разработка</a:t>
-            </a:r>
-            <a:r>
-              <a:rPr lang="ru-RU" dirty="0">
+            <a:pPr marL="0" marR="0" lvl="0" indent="0" algn="l" defTabSz="914400" rtl="0" eaLnBrk="0" fontAlgn="base" latinLnBrk="0" hangingPunct="0">
+              <a:lnSpc>
+                <a:spcPct val="100000"/>
+              </a:lnSpc>
+              <a:spcBef>
+                <a:spcPct val="0"/>
+              </a:spcBef>
+              <a:spcAft>
+                <a:spcPct val="0"/>
+              </a:spcAft>
+              <a:buClrTx/>
+              <a:buSzTx/>
+              <a:buFontTx/>
+              <a:buAutoNum type="arabicPeriod"/>
+              <a:tabLst/>
+            </a:pPr>
+            <a:r>
+              <a:rPr kumimoji="0" lang="ru-RU" altLang="ru-RU" sz="2000" b="1" i="0" u="none" strike="noStrike" cap="none" normalizeH="0" baseline="0" dirty="0" smtClean="0">
+                <a:ln>
+                  <a:noFill/>
+                </a:ln>
+                <a:solidFill>
+                  <a:schemeClr val="tx1"/>
+                </a:solidFill>
+                <a:effectLst/>
+                <a:latin typeface="Times New Roman" panose="02020603050405020304" pitchFamily="18" charset="0"/>
+                <a:cs typeface="Times New Roman" panose="02020603050405020304" pitchFamily="18" charset="0"/>
+              </a:rPr>
+              <a:t>Клиент:</a:t>
+            </a:r>
+            <a:r>
+              <a:rPr kumimoji="0" lang="ru-RU" altLang="ru-RU" sz="2000" b="0" i="0" u="none" strike="noStrike" cap="none" normalizeH="0" baseline="0" dirty="0" smtClean="0">
+                <a:ln>
+                  <a:noFill/>
+                </a:ln>
+                <a:solidFill>
+                  <a:schemeClr val="tx1"/>
+                </a:solidFill>
+                <a:effectLst/>
+                <a:latin typeface="Times New Roman" panose="02020603050405020304" pitchFamily="18" charset="0"/>
+                <a:cs typeface="Times New Roman" panose="02020603050405020304" pitchFamily="18" charset="0"/>
+              </a:rPr>
+              <a:t> регистрация → профиль компании → создание/отправка заявки → статус</a:t>
+            </a:r>
+          </a:p>
+          <a:p>
+            <a:pPr marL="0" marR="0" lvl="0" indent="0" algn="l" defTabSz="914400" rtl="0" eaLnBrk="0" fontAlgn="base" latinLnBrk="0" hangingPunct="0">
+              <a:lnSpc>
+                <a:spcPct val="100000"/>
+              </a:lnSpc>
+              <a:spcBef>
+                <a:spcPct val="0"/>
+              </a:spcBef>
+              <a:spcAft>
+                <a:spcPct val="0"/>
+              </a:spcAft>
+              <a:buClrTx/>
+              <a:buSzTx/>
+              <a:buFontTx/>
+              <a:buAutoNum type="arabicPeriod" startAt="2"/>
+              <a:tabLst/>
+            </a:pPr>
+            <a:r>
+              <a:rPr kumimoji="0" lang="ru-RU" altLang="ru-RU" sz="2000" b="1" i="0" u="none" strike="noStrike" cap="none" normalizeH="0" baseline="0" dirty="0" smtClean="0">
+                <a:ln>
+                  <a:noFill/>
+                </a:ln>
+                <a:solidFill>
+                  <a:schemeClr val="tx1"/>
+                </a:solidFill>
+                <a:effectLst/>
+                <a:latin typeface="Times New Roman" panose="02020603050405020304" pitchFamily="18" charset="0"/>
+                <a:cs typeface="Times New Roman" panose="02020603050405020304" pitchFamily="18" charset="0"/>
+              </a:rPr>
+              <a:t>Банк:</a:t>
+            </a:r>
+            <a:r>
+              <a:rPr kumimoji="0" lang="ru-RU" altLang="ru-RU" sz="2000" b="0" i="0" u="none" strike="noStrike" cap="none" normalizeH="0" baseline="0" dirty="0" smtClean="0">
+                <a:ln>
+                  <a:noFill/>
+                </a:ln>
+                <a:solidFill>
+                  <a:schemeClr val="tx1"/>
+                </a:solidFill>
+                <a:effectLst/>
+                <a:latin typeface="Times New Roman" panose="02020603050405020304" pitchFamily="18" charset="0"/>
+                <a:cs typeface="Times New Roman" panose="02020603050405020304" pitchFamily="18" charset="0"/>
+              </a:rPr>
+              <a:t> регистрация → личный кабинет → просмотр/обработка заявок → решение</a:t>
+            </a:r>
+          </a:p>
+          <a:p>
+            <a:pPr marL="0" marR="0" lvl="0" indent="0" algn="l" defTabSz="914400" rtl="0" eaLnBrk="0" fontAlgn="base" latinLnBrk="0" hangingPunct="0">
+              <a:lnSpc>
+                <a:spcPct val="100000"/>
+              </a:lnSpc>
+              <a:spcBef>
+                <a:spcPct val="0"/>
+              </a:spcBef>
+              <a:spcAft>
+                <a:spcPct val="0"/>
+              </a:spcAft>
+              <a:buClrTx/>
+              <a:buSzTx/>
+              <a:buNone/>
+              <a:tabLst/>
+            </a:pPr>
+            <a:r>
+              <a:rPr kumimoji="0" lang="ru-RU" altLang="ru-RU" sz="2000" b="1" i="0" u="none" strike="noStrike" cap="none" normalizeH="0" baseline="0" dirty="0" smtClean="0">
+                <a:ln>
+                  <a:noFill/>
+                </a:ln>
+                <a:solidFill>
+                  <a:schemeClr val="tx1"/>
+                </a:solidFill>
+                <a:effectLst/>
+                <a:latin typeface="Times New Roman" panose="02020603050405020304" pitchFamily="18" charset="0"/>
+                <a:cs typeface="Times New Roman" panose="02020603050405020304" pitchFamily="18" charset="0"/>
+              </a:rPr>
+              <a:t>Навигация:</a:t>
+            </a:r>
+            <a:r>
+              <a:rPr kumimoji="0" lang="ru-RU" altLang="ru-RU" sz="2000" b="0" i="0" u="none" strike="noStrike" cap="none" normalizeH="0" baseline="0" dirty="0" smtClean="0">
+                <a:ln>
+                  <a:noFill/>
+                </a:ln>
+                <a:solidFill>
+                  <a:schemeClr val="tx1"/>
+                </a:solidFill>
+                <a:effectLst/>
+                <a:latin typeface="Times New Roman" panose="02020603050405020304" pitchFamily="18" charset="0"/>
+                <a:cs typeface="Times New Roman" panose="02020603050405020304" pitchFamily="18" charset="0"/>
+              </a:rPr>
+              <a:t> условный рендеринг по роли</a:t>
+            </a:r>
+          </a:p>
+          <a:p>
+            <a:pPr marL="0" marR="0" lvl="0" indent="0" algn="l" defTabSz="914400" rtl="0" eaLnBrk="0" fontAlgn="base" latinLnBrk="0" hangingPunct="0">
+              <a:lnSpc>
+                <a:spcPct val="100000"/>
+              </a:lnSpc>
+              <a:spcBef>
+                <a:spcPct val="0"/>
+              </a:spcBef>
+              <a:spcAft>
+                <a:spcPct val="0"/>
+              </a:spcAft>
+              <a:buClrTx/>
+              <a:buSzTx/>
+              <a:buNone/>
+              <a:tabLst/>
+            </a:pPr>
+            <a:r>
+              <a:rPr kumimoji="0" lang="ru-RU" altLang="ru-RU" sz="2000" b="1" i="0" u="none" strike="noStrike" cap="none" normalizeH="0" baseline="0" dirty="0" smtClean="0">
+                <a:ln>
+                  <a:noFill/>
+                </a:ln>
+                <a:solidFill>
+                  <a:schemeClr val="tx1"/>
+                </a:solidFill>
+                <a:effectLst/>
+                <a:latin typeface="Times New Roman" panose="02020603050405020304" pitchFamily="18" charset="0"/>
+                <a:cs typeface="Times New Roman" panose="02020603050405020304" pitchFamily="18" charset="0"/>
+              </a:rPr>
+              <a:t>UX-</a:t>
+            </a:r>
+            <a:r>
+              <a:rPr kumimoji="0" lang="ru-RU" altLang="ru-RU" sz="2000" b="1" i="0" u="none" strike="noStrike" cap="none" normalizeH="0" baseline="0" dirty="0" err="1" smtClean="0">
+                <a:ln>
+                  <a:noFill/>
+                </a:ln>
+                <a:solidFill>
+                  <a:schemeClr val="tx1"/>
+                </a:solidFill>
+                <a:effectLst/>
+                <a:latin typeface="Times New Roman" panose="02020603050405020304" pitchFamily="18" charset="0"/>
+                <a:cs typeface="Times New Roman" panose="02020603050405020304" pitchFamily="18" charset="0"/>
+              </a:rPr>
+              <a:t>фичи</a:t>
+            </a:r>
+            <a:r>
+              <a:rPr kumimoji="0" lang="ru-RU" altLang="ru-RU" sz="2000" b="1" i="0" u="none" strike="noStrike" cap="none" normalizeH="0" baseline="0" dirty="0" smtClean="0">
+                <a:ln>
+                  <a:noFill/>
+                </a:ln>
+                <a:solidFill>
+                  <a:schemeClr val="tx1"/>
+                </a:solidFill>
+                <a:effectLst/>
+                <a:latin typeface="Times New Roman" panose="02020603050405020304" pitchFamily="18" charset="0"/>
+                <a:cs typeface="Times New Roman" panose="02020603050405020304" pitchFamily="18" charset="0"/>
+              </a:rPr>
+              <a:t>:</a:t>
+            </a:r>
+            <a:r>
+              <a:rPr kumimoji="0" lang="ru-RU" altLang="ru-RU" sz="2000" b="0" i="0" u="none" strike="noStrike" cap="none" normalizeH="0" baseline="0" dirty="0" smtClean="0">
+                <a:ln>
+                  <a:noFill/>
+                </a:ln>
+                <a:solidFill>
+                  <a:schemeClr val="tx1"/>
+                </a:solidFill>
+                <a:effectLst/>
                 <a:latin typeface="Times New Roman" panose="02020603050405020304" pitchFamily="18" charset="0"/>
                 <a:cs typeface="Times New Roman" panose="02020603050405020304" pitchFamily="18" charset="0"/>
               </a:rPr>
               <a:t> </a:t>
             </a:r>
             <a:r>
-              <a:rPr lang="ru-RU" dirty="0" smtClean="0">
-                <a:latin typeface="Times New Roman" panose="02020603050405020304" pitchFamily="18" charset="0"/>
-                <a:cs typeface="Times New Roman" panose="02020603050405020304" pitchFamily="18" charset="0"/>
-              </a:rPr>
-              <a:t>схемы архитектуры интеграции</a:t>
-            </a:r>
-            <a:endParaRPr dirty="0">
-              <a:latin typeface="Times New Roman" panose="02020603050405020304" pitchFamily="18" charset="0"/>
-              <a:cs typeface="Times New Roman" panose="02020603050405020304" pitchFamily="18" charset="0"/>
-            </a:endParaRPr>
+              <a:rPr kumimoji="0" lang="ru-RU" altLang="ru-RU" sz="2000" b="0" i="0" u="none" strike="noStrike" cap="none" normalizeH="0" baseline="0" dirty="0" err="1" smtClean="0">
+                <a:ln>
+                  <a:noFill/>
+                </a:ln>
+                <a:solidFill>
+                  <a:schemeClr val="tx1"/>
+                </a:solidFill>
+                <a:effectLst/>
+                <a:latin typeface="Times New Roman" panose="02020603050405020304" pitchFamily="18" charset="0"/>
+                <a:cs typeface="Times New Roman" panose="02020603050405020304" pitchFamily="18" charset="0"/>
+              </a:rPr>
+              <a:t>автозаполнение</a:t>
+            </a:r>
+            <a:r>
+              <a:rPr kumimoji="0" lang="ru-RU" altLang="ru-RU" sz="2000" b="0" i="0" u="none" strike="noStrike" cap="none" normalizeH="0" baseline="0" dirty="0" smtClean="0">
+                <a:ln>
+                  <a:noFill/>
+                </a:ln>
+                <a:solidFill>
+                  <a:schemeClr val="tx1"/>
+                </a:solidFill>
+                <a:effectLst/>
+                <a:latin typeface="Times New Roman" panose="02020603050405020304" pitchFamily="18" charset="0"/>
+                <a:cs typeface="Times New Roman" panose="02020603050405020304" pitchFamily="18" charset="0"/>
+              </a:rPr>
+              <a:t> из 1С, уведомления, адаптивный дизайн</a:t>
+            </a:r>
+          </a:p>
+        </p:txBody>
+      </p:sp>
+      <p:sp>
+        <p:nvSpPr>
+          <p:cNvPr id="6" name="Номер слайда 5"/>
+          <p:cNvSpPr>
+            <a:spLocks noGrp="1"/>
+          </p:cNvSpPr>
+          <p:nvPr>
+            <p:ph type="sldNum" sz="quarter" idx="12"/>
+          </p:nvPr>
+        </p:nvSpPr>
+        <p:spPr/>
+        <p:txBody>
+          <a:bodyPr/>
+          <a:lstStyle/>
+          <a:p>
+            <a:fld id="{C1FF6DA9-008F-8B48-92A6-B652298478BF}" type="slidenum">
+              <a:rPr lang="en-US" sz="1600" smtClean="0"/>
+              <a:t>7</a:t>
+            </a:fld>
+            <a:endParaRPr lang="en-US" sz="1600" dirty="0"/>
           </a:p>
         </p:txBody>
       </p:sp>
@@ -4270,6 +5684,13 @@
   <p:clrMapOvr>
     <a:masterClrMapping/>
   </p:clrMapOvr>
+  <p:timing>
+    <p:tnLst>
+      <p:par>
+        <p:cTn id="1" dur="indefinite" restart="never" nodeType="tmRoot"/>
+      </p:par>
+    </p:tnLst>
+  </p:timing>
 </p:sld>
 </file>
 
@@ -4292,7 +5713,7 @@
       </p:grpSpPr>
       <p:sp>
         <p:nvSpPr>
-          <p:cNvPr id="2" name="Title 1"/>
+          <p:cNvPr id="2" name="Заголовок 1"/>
           <p:cNvSpPr>
             <a:spLocks noGrp="1"/>
           </p:cNvSpPr>
@@ -4300,79 +5721,588 @@
             <p:ph type="title"/>
           </p:nvPr>
         </p:nvSpPr>
-        <p:spPr/>
-        <p:txBody>
-          <a:bodyPr>
-            <a:normAutofit fontScale="90000"/>
+        <p:spPr>
+          <a:xfrm>
+            <a:off x="457200" y="361267"/>
+            <a:ext cx="8229600" cy="1143000"/>
+          </a:xfrm>
+        </p:spPr>
+        <p:txBody>
+          <a:bodyPr/>
+          <a:lstStyle/>
+          <a:p>
+            <a:r>
+              <a:rPr lang="ru-RU" dirty="0">
+                <a:latin typeface="Times New Roman" panose="02020603050405020304" pitchFamily="18" charset="0"/>
+                <a:cs typeface="Times New Roman" panose="02020603050405020304" pitchFamily="18" charset="0"/>
+              </a:rPr>
+              <a:t>Интеграция с 1С</a:t>
+            </a:r>
+          </a:p>
+        </p:txBody>
+      </p:sp>
+      <p:sp>
+        <p:nvSpPr>
+          <p:cNvPr id="4" name="Rectangle 1"/>
+          <p:cNvSpPr>
+            <a:spLocks noGrp="1" noChangeArrowheads="1"/>
+          </p:cNvSpPr>
+          <p:nvPr>
+            <p:ph idx="1"/>
+          </p:nvPr>
+        </p:nvSpPr>
+        <p:spPr bwMode="auto">
+          <a:xfrm>
+            <a:off x="457200" y="1930401"/>
+            <a:ext cx="8229600" cy="923330"/>
+          </a:xfrm>
+          <a:prstGeom prst="rect">
+            <a:avLst/>
+          </a:prstGeom>
+          <a:noFill/>
+          <a:ln>
+            <a:noFill/>
+          </a:ln>
+          <a:effectLst/>
+          <a:extLst>
+            <a:ext uri="{909E8E84-426E-40DD-AFC4-6F175D3DCCD1}">
+              <a14:hiddenFill xmlns:a14="http://schemas.microsoft.com/office/drawing/2010/main">
+                <a:solidFill>
+                  <a:schemeClr val="accent1"/>
+                </a:solidFill>
+              </a14:hiddenFill>
+            </a:ext>
+            <a:ext uri="{91240B29-F687-4F45-9708-019B960494DF}">
+              <a14:hiddenLine xmlns:a14="http://schemas.microsoft.com/office/drawing/2010/main" w="9525">
+                <a:solidFill>
+                  <a:schemeClr val="tx1"/>
+                </a:solidFill>
+                <a:miter lim="800000"/>
+                <a:headEnd/>
+                <a:tailEnd/>
+              </a14:hiddenLine>
+            </a:ext>
+            <a:ext uri="{AF507438-7753-43E0-B8FC-AC1667EBCBE1}">
+              <a14:hiddenEffects xmlns:a14="http://schemas.microsoft.com/office/drawing/2010/main">
+                <a:effectLst>
+                  <a:outerShdw dist="35921" dir="2700000" algn="ctr" rotWithShape="0">
+                    <a:schemeClr val="bg2"/>
+                  </a:outerShdw>
+                </a:effectLst>
+              </a14:hiddenEffects>
+            </a:ext>
+          </a:extLst>
+        </p:spPr>
+        <p:txBody>
+          <a:bodyPr vert="horz" wrap="square" lIns="91440" tIns="45720" rIns="91440" bIns="45720" numCol="1" anchor="ctr" anchorCtr="0" compatLnSpc="1">
+            <a:prstTxWarp prst="textNoShape">
+              <a:avLst/>
+            </a:prstTxWarp>
+            <a:spAutoFit/>
           </a:bodyPr>
           <a:lstStyle/>
           <a:p>
-            <a:r>
-              <a:rPr lang="ru-RU" b="1" dirty="0" smtClean="0">
-                <a:latin typeface="Times New Roman" panose="02020603050405020304" pitchFamily="18" charset="0"/>
-                <a:cs typeface="Times New Roman" panose="02020603050405020304" pitchFamily="18" charset="0"/>
-              </a:rPr>
-              <a:t>Планируемые результаты практической реализации</a:t>
-            </a:r>
-            <a:endParaRPr b="1" dirty="0">
+            <a:pPr marL="0" lvl="0" indent="0" defTabSz="914400" eaLnBrk="0" fontAlgn="base" hangingPunct="0">
+              <a:spcBef>
+                <a:spcPct val="0"/>
+              </a:spcBef>
+              <a:spcAft>
+                <a:spcPct val="0"/>
+              </a:spcAft>
+              <a:buNone/>
+            </a:pPr>
+            <a:r>
+              <a:rPr lang="ru-RU" altLang="ru-RU" sz="1800" b="1" dirty="0" err="1">
+                <a:latin typeface="Times New Roman" panose="02020603050405020304" pitchFamily="18" charset="0"/>
+                <a:cs typeface="Times New Roman" panose="02020603050405020304" pitchFamily="18" charset="0"/>
+              </a:rPr>
+              <a:t>Sequence</a:t>
+            </a:r>
+            <a:r>
+              <a:rPr lang="ru-RU" altLang="ru-RU" sz="1800" b="1" dirty="0">
+                <a:latin typeface="Times New Roman" panose="02020603050405020304" pitchFamily="18" charset="0"/>
+                <a:cs typeface="Times New Roman" panose="02020603050405020304" pitchFamily="18" charset="0"/>
+              </a:rPr>
+              <a:t>-диаграмма процесса:</a:t>
+            </a:r>
+            <a:endParaRPr lang="ru-RU" altLang="ru-RU" sz="1800" dirty="0">
               <a:latin typeface="Times New Roman" panose="02020603050405020304" pitchFamily="18" charset="0"/>
               <a:cs typeface="Times New Roman" panose="02020603050405020304" pitchFamily="18" charset="0"/>
             </a:endParaRPr>
           </a:p>
-        </p:txBody>
-      </p:sp>
-      <p:sp>
-        <p:nvSpPr>
-          <p:cNvPr id="3" name="Content Placeholder 2"/>
-          <p:cNvSpPr>
-            <a:spLocks noGrp="1"/>
-          </p:cNvSpPr>
-          <p:nvPr>
-            <p:ph idx="1"/>
-          </p:nvPr>
-        </p:nvSpPr>
-        <p:spPr/>
-        <p:txBody>
-          <a:bodyPr/>
-          <a:lstStyle/>
-          <a:p>
-            <a:r>
-              <a:rPr lang="ru-RU" dirty="0" smtClean="0">
-                <a:latin typeface="Times New Roman" panose="02020603050405020304" pitchFamily="18" charset="0"/>
-                <a:cs typeface="Times New Roman" panose="02020603050405020304" pitchFamily="18" charset="0"/>
-              </a:rPr>
-              <a:t>Разработка прототипа системы поддерживающей интеграцию</a:t>
-            </a:r>
-          </a:p>
-          <a:p>
-            <a:r>
-              <a:rPr lang="ru-RU" dirty="0" smtClean="0">
-                <a:latin typeface="Times New Roman" panose="02020603050405020304" pitchFamily="18" charset="0"/>
-                <a:cs typeface="Times New Roman" panose="02020603050405020304" pitchFamily="18" charset="0"/>
-              </a:rPr>
-              <a:t>Оценка эффективности системы</a:t>
-            </a:r>
-          </a:p>
-          <a:p>
-            <a:r>
-              <a:rPr lang="ru-RU" dirty="0" smtClean="0">
-                <a:latin typeface="Times New Roman" panose="02020603050405020304" pitchFamily="18" charset="0"/>
-                <a:cs typeface="Times New Roman" panose="02020603050405020304" pitchFamily="18" charset="0"/>
-              </a:rPr>
-              <a:t>Тестирование</a:t>
-            </a:r>
-            <a:endParaRPr dirty="0">
+          <a:p>
+            <a:pPr marL="0" lvl="0" indent="0" defTabSz="914400" eaLnBrk="0" fontAlgn="base" hangingPunct="0">
+              <a:spcBef>
+                <a:spcPct val="0"/>
+              </a:spcBef>
+              <a:spcAft>
+                <a:spcPct val="0"/>
+              </a:spcAft>
+              <a:buFontTx/>
+              <a:buAutoNum type="arabicPeriod"/>
+            </a:pPr>
+            <a:r>
+              <a:rPr lang="ru-RU" altLang="ru-RU" sz="1800" dirty="0">
+                <a:latin typeface="Times New Roman" panose="02020603050405020304" pitchFamily="18" charset="0"/>
+                <a:cs typeface="Times New Roman" panose="02020603050405020304" pitchFamily="18" charset="0"/>
+              </a:rPr>
+              <a:t>Клиент открывает форму → запрос на </a:t>
+            </a:r>
+            <a:r>
+              <a:rPr lang="ru-RU" altLang="ru-RU" sz="1000" dirty="0">
+                <a:latin typeface="Times New Roman" panose="02020603050405020304" pitchFamily="18" charset="0"/>
+                <a:cs typeface="Times New Roman" panose="02020603050405020304" pitchFamily="18" charset="0"/>
+              </a:rPr>
+              <a:t>/</a:t>
+            </a:r>
+            <a:r>
+              <a:rPr lang="ru-RU" altLang="ru-RU" sz="1000" dirty="0" err="1">
+                <a:latin typeface="Times New Roman" panose="02020603050405020304" pitchFamily="18" charset="0"/>
+                <a:cs typeface="Times New Roman" panose="02020603050405020304" pitchFamily="18" charset="0"/>
+              </a:rPr>
+              <a:t>api</a:t>
+            </a:r>
+            <a:r>
+              <a:rPr lang="ru-RU" altLang="ru-RU" sz="1000" dirty="0">
+                <a:latin typeface="Times New Roman" panose="02020603050405020304" pitchFamily="18" charset="0"/>
+                <a:cs typeface="Times New Roman" panose="02020603050405020304" pitchFamily="18" charset="0"/>
+              </a:rPr>
+              <a:t>/</a:t>
+            </a:r>
+            <a:r>
+              <a:rPr lang="ru-RU" altLang="ru-RU" sz="1000" dirty="0" err="1">
+                <a:latin typeface="Times New Roman" panose="02020603050405020304" pitchFamily="18" charset="0"/>
+                <a:cs typeface="Times New Roman" panose="02020603050405020304" pitchFamily="18" charset="0"/>
+              </a:rPr>
+              <a:t>fill-data</a:t>
+            </a:r>
+            <a:endParaRPr lang="ru-RU" altLang="ru-RU" sz="600" dirty="0">
               <a:latin typeface="Times New Roman" panose="02020603050405020304" pitchFamily="18" charset="0"/>
               <a:cs typeface="Times New Roman" panose="02020603050405020304" pitchFamily="18" charset="0"/>
             </a:endParaRPr>
           </a:p>
+          <a:p>
+            <a:pPr marL="0" lvl="0" indent="0" defTabSz="914400" eaLnBrk="0" fontAlgn="base" hangingPunct="0">
+              <a:spcBef>
+                <a:spcPct val="0"/>
+              </a:spcBef>
+              <a:spcAft>
+                <a:spcPct val="0"/>
+              </a:spcAft>
+              <a:buFontTx/>
+              <a:buAutoNum type="arabicPeriod" startAt="2"/>
+            </a:pPr>
+            <a:r>
+              <a:rPr lang="ru-RU" altLang="ru-RU" sz="1800" dirty="0" err="1">
+                <a:latin typeface="Times New Roman" panose="02020603050405020304" pitchFamily="18" charset="0"/>
+                <a:cs typeface="Times New Roman" panose="02020603050405020304" pitchFamily="18" charset="0"/>
+              </a:rPr>
+              <a:t>Backend</a:t>
+            </a:r>
+            <a:r>
+              <a:rPr lang="ru-RU" altLang="ru-RU" sz="1800" dirty="0">
+                <a:latin typeface="Times New Roman" panose="02020603050405020304" pitchFamily="18" charset="0"/>
+                <a:cs typeface="Times New Roman" panose="02020603050405020304" pitchFamily="18" charset="0"/>
+              </a:rPr>
+              <a:t> → 1С Клиента: выгрузка ОСВ → </a:t>
+            </a:r>
+            <a:r>
+              <a:rPr lang="ru-RU" altLang="ru-RU" sz="1800" dirty="0" err="1">
+                <a:latin typeface="Times New Roman" panose="02020603050405020304" pitchFamily="18" charset="0"/>
+                <a:cs typeface="Times New Roman" panose="02020603050405020304" pitchFamily="18" charset="0"/>
+              </a:rPr>
+              <a:t>автозаполнение</a:t>
+            </a:r>
+            <a:r>
+              <a:rPr lang="ru-RU" altLang="ru-RU" sz="1800" dirty="0">
+                <a:latin typeface="Times New Roman" panose="02020603050405020304" pitchFamily="18" charset="0"/>
+                <a:cs typeface="Times New Roman" panose="02020603050405020304" pitchFamily="18" charset="0"/>
+              </a:rPr>
+              <a:t> </a:t>
+            </a:r>
+            <a:r>
+              <a:rPr lang="ru-RU" altLang="ru-RU" sz="1800" dirty="0" smtClean="0">
+                <a:latin typeface="Times New Roman" panose="02020603050405020304" pitchFamily="18" charset="0"/>
+                <a:cs typeface="Times New Roman" panose="02020603050405020304" pitchFamily="18" charset="0"/>
+              </a:rPr>
+              <a:t>формы</a:t>
+            </a:r>
+            <a:endParaRPr lang="ru-RU" altLang="ru-RU" sz="1800" dirty="0">
+              <a:latin typeface="Times New Roman" panose="02020603050405020304" pitchFamily="18" charset="0"/>
+              <a:cs typeface="Times New Roman" panose="02020603050405020304" pitchFamily="18" charset="0"/>
+            </a:endParaRPr>
+          </a:p>
+        </p:txBody>
+      </p:sp>
+      <p:pic>
+        <p:nvPicPr>
+          <p:cNvPr id="7" name="Рисунок 6"/>
+          <p:cNvPicPr>
+            <a:picLocks noChangeAspect="1"/>
+          </p:cNvPicPr>
+          <p:nvPr/>
+        </p:nvPicPr>
+        <p:blipFill>
+          <a:blip r:embed="rId2">
+            <a:extLst>
+              <a:ext uri="{28A0092B-C50C-407E-A947-70E740481C1C}">
+                <a14:useLocalDpi xmlns:a14="http://schemas.microsoft.com/office/drawing/2010/main" val="0"/>
+              </a:ext>
+            </a:extLst>
+          </a:blip>
+          <a:stretch>
+            <a:fillRect/>
+          </a:stretch>
+        </p:blipFill>
+        <p:spPr>
+          <a:xfrm>
+            <a:off x="0" y="3429000"/>
+            <a:ext cx="9144000" cy="2320222"/>
+          </a:xfrm>
+          <a:prstGeom prst="rect">
+            <a:avLst/>
+          </a:prstGeom>
+        </p:spPr>
+      </p:pic>
+      <p:sp>
+        <p:nvSpPr>
+          <p:cNvPr id="8" name="Номер слайда 7"/>
+          <p:cNvSpPr>
+            <a:spLocks noGrp="1"/>
+          </p:cNvSpPr>
+          <p:nvPr>
+            <p:ph type="sldNum" sz="quarter" idx="12"/>
+          </p:nvPr>
+        </p:nvSpPr>
+        <p:spPr/>
+        <p:txBody>
+          <a:bodyPr/>
+          <a:lstStyle/>
+          <a:p>
+            <a:fld id="{C1FF6DA9-008F-8B48-92A6-B652298478BF}" type="slidenum">
+              <a:rPr lang="en-US" sz="1600" smtClean="0"/>
+              <a:t>8</a:t>
+            </a:fld>
+            <a:endParaRPr lang="en-US" sz="1600" dirty="0"/>
+          </a:p>
         </p:txBody>
       </p:sp>
     </p:spTree>
+    <p:extLst>
+      <p:ext uri="{BB962C8B-B14F-4D97-AF65-F5344CB8AC3E}">
+        <p14:creationId xmlns:p14="http://schemas.microsoft.com/office/powerpoint/2010/main" val="2475141380"/>
+      </p:ext>
+    </p:extLst>
   </p:cSld>
   <p:clrMapOvr>
     <a:masterClrMapping/>
   </p:clrMapOvr>
+  <p:timing>
+    <p:tnLst>
+      <p:par>
+        <p:cTn id="1" dur="indefinite" restart="never" nodeType="tmRoot"/>
+      </p:par>
+    </p:tnLst>
+  </p:timing>
+</p:sld>
+</file>
+
+<file path=ppt/slides/slide9.xml><?xml version="1.0" encoding="utf-8"?>
+<p:sld xmlns:a="http://schemas.openxmlformats.org/drawingml/2006/main" xmlns:r="http://schemas.openxmlformats.org/officeDocument/2006/relationships" xmlns:p="http://schemas.openxmlformats.org/presentationml/2006/main">
+  <p:cSld>
+    <p:spTree>
+      <p:nvGrpSpPr>
+        <p:cNvPr id="1" name=""/>
+        <p:cNvGrpSpPr/>
+        <p:nvPr/>
+      </p:nvGrpSpPr>
+      <p:grpSpPr>
+        <a:xfrm>
+          <a:off x="0" y="0"/>
+          <a:ext cx="0" cy="0"/>
+          <a:chOff x="0" y="0"/>
+          <a:chExt cx="0" cy="0"/>
+        </a:xfrm>
+      </p:grpSpPr>
+      <p:sp>
+        <p:nvSpPr>
+          <p:cNvPr id="2" name="Заголовок 1"/>
+          <p:cNvSpPr>
+            <a:spLocks noGrp="1"/>
+          </p:cNvSpPr>
+          <p:nvPr>
+            <p:ph type="title"/>
+          </p:nvPr>
+        </p:nvSpPr>
+        <p:spPr/>
+        <p:txBody>
+          <a:bodyPr/>
+          <a:lstStyle/>
+          <a:p>
+            <a:r>
+              <a:rPr lang="ru-RU" dirty="0">
+                <a:latin typeface="Times New Roman" panose="02020603050405020304" pitchFamily="18" charset="0"/>
+                <a:cs typeface="Times New Roman" panose="02020603050405020304" pitchFamily="18" charset="0"/>
+              </a:rPr>
+              <a:t>Выводы и перспективы</a:t>
+            </a:r>
+          </a:p>
+        </p:txBody>
+      </p:sp>
+      <p:sp>
+        <p:nvSpPr>
+          <p:cNvPr id="3" name="Объект 2"/>
+          <p:cNvSpPr>
+            <a:spLocks noGrp="1"/>
+          </p:cNvSpPr>
+          <p:nvPr>
+            <p:ph idx="1"/>
+          </p:nvPr>
+        </p:nvSpPr>
+        <p:spPr/>
+        <p:txBody>
+          <a:bodyPr>
+            <a:normAutofit fontScale="92500" lnSpcReduction="20000"/>
+          </a:bodyPr>
+          <a:lstStyle/>
+          <a:p>
+            <a:pPr marL="0" indent="0">
+              <a:buNone/>
+            </a:pPr>
+            <a:r>
+              <a:rPr lang="ru-RU" b="1" dirty="0">
+                <a:latin typeface="Times New Roman" panose="02020603050405020304" pitchFamily="18" charset="0"/>
+                <a:cs typeface="Times New Roman" panose="02020603050405020304" pitchFamily="18" charset="0"/>
+              </a:rPr>
+              <a:t>Выводы:</a:t>
+            </a:r>
+            <a:endParaRPr lang="ru-RU" dirty="0">
+              <a:latin typeface="Times New Roman" panose="02020603050405020304" pitchFamily="18" charset="0"/>
+              <a:cs typeface="Times New Roman" panose="02020603050405020304" pitchFamily="18" charset="0"/>
+            </a:endParaRPr>
+          </a:p>
+          <a:p>
+            <a:r>
+              <a:rPr lang="ru-RU" dirty="0">
+                <a:latin typeface="Times New Roman" panose="02020603050405020304" pitchFamily="18" charset="0"/>
+                <a:cs typeface="Times New Roman" panose="02020603050405020304" pitchFamily="18" charset="0"/>
+              </a:rPr>
+              <a:t>Цели достигнуты: создан </a:t>
+            </a:r>
+            <a:r>
+              <a:rPr lang="ru-RU" dirty="0" smtClean="0">
+                <a:latin typeface="Times New Roman" panose="02020603050405020304" pitchFamily="18" charset="0"/>
+                <a:cs typeface="Times New Roman" panose="02020603050405020304" pitchFamily="18" charset="0"/>
+              </a:rPr>
+              <a:t>прототип </a:t>
+            </a:r>
+            <a:r>
+              <a:rPr lang="ru-RU" dirty="0" err="1" smtClean="0">
+                <a:latin typeface="Times New Roman" panose="02020603050405020304" pitchFamily="18" charset="0"/>
+                <a:cs typeface="Times New Roman" panose="02020603050405020304" pitchFamily="18" charset="0"/>
+              </a:rPr>
+              <a:t>мультибанковского</a:t>
+            </a:r>
+            <a:r>
+              <a:rPr lang="ru-RU" dirty="0" smtClean="0">
+                <a:latin typeface="Times New Roman" panose="02020603050405020304" pitchFamily="18" charset="0"/>
+                <a:cs typeface="Times New Roman" panose="02020603050405020304" pitchFamily="18" charset="0"/>
+              </a:rPr>
+              <a:t> веб-сервиса </a:t>
+            </a:r>
+            <a:r>
+              <a:rPr lang="ru-RU" dirty="0">
+                <a:latin typeface="Times New Roman" panose="02020603050405020304" pitchFamily="18" charset="0"/>
+                <a:cs typeface="Times New Roman" panose="02020603050405020304" pitchFamily="18" charset="0"/>
+              </a:rPr>
+              <a:t>с интеграцией </a:t>
+            </a:r>
+            <a:r>
+              <a:rPr lang="ru-RU" dirty="0" smtClean="0">
+                <a:latin typeface="Times New Roman" panose="02020603050405020304" pitchFamily="18" charset="0"/>
+                <a:cs typeface="Times New Roman" panose="02020603050405020304" pitchFamily="18" charset="0"/>
+              </a:rPr>
+              <a:t>1С</a:t>
+            </a:r>
+            <a:endParaRPr lang="ru-RU" dirty="0">
+              <a:latin typeface="Times New Roman" panose="02020603050405020304" pitchFamily="18" charset="0"/>
+              <a:cs typeface="Times New Roman" panose="02020603050405020304" pitchFamily="18" charset="0"/>
+            </a:endParaRPr>
+          </a:p>
+          <a:p>
+            <a:pPr marL="0" indent="0">
+              <a:buNone/>
+            </a:pPr>
+            <a:r>
+              <a:rPr lang="ru-RU" b="1" dirty="0">
+                <a:latin typeface="Times New Roman" panose="02020603050405020304" pitchFamily="18" charset="0"/>
+                <a:cs typeface="Times New Roman" panose="02020603050405020304" pitchFamily="18" charset="0"/>
+              </a:rPr>
+              <a:t>Перспективы развития:</a:t>
+            </a:r>
+            <a:endParaRPr lang="ru-RU" dirty="0">
+              <a:latin typeface="Times New Roman" panose="02020603050405020304" pitchFamily="18" charset="0"/>
+              <a:cs typeface="Times New Roman" panose="02020603050405020304" pitchFamily="18" charset="0"/>
+            </a:endParaRPr>
+          </a:p>
+          <a:p>
+            <a:r>
+              <a:rPr lang="ru-RU" dirty="0" smtClean="0">
+                <a:latin typeface="Times New Roman" panose="02020603050405020304" pitchFamily="18" charset="0"/>
+                <a:cs typeface="Times New Roman" panose="02020603050405020304" pitchFamily="18" charset="0"/>
+              </a:rPr>
+              <a:t>Внедрить </a:t>
+            </a:r>
+            <a:r>
+              <a:rPr lang="ru-RU" dirty="0">
+                <a:latin typeface="Times New Roman" panose="02020603050405020304" pitchFamily="18" charset="0"/>
+                <a:cs typeface="Times New Roman" panose="02020603050405020304" pitchFamily="18" charset="0"/>
+              </a:rPr>
+              <a:t>двухфакторную </a:t>
+            </a:r>
+            <a:r>
+              <a:rPr lang="ru-RU" dirty="0" smtClean="0">
+                <a:latin typeface="Times New Roman" panose="02020603050405020304" pitchFamily="18" charset="0"/>
+                <a:cs typeface="Times New Roman" panose="02020603050405020304" pitchFamily="18" charset="0"/>
+              </a:rPr>
+              <a:t>аутентификацию</a:t>
+            </a:r>
+          </a:p>
+          <a:p>
+            <a:r>
+              <a:rPr lang="ru-RU" dirty="0" smtClean="0">
+                <a:latin typeface="Times New Roman" panose="02020603050405020304" pitchFamily="18" charset="0"/>
+                <a:cs typeface="Times New Roman" panose="02020603050405020304" pitchFamily="18" charset="0"/>
+              </a:rPr>
+              <a:t>Добавить </a:t>
+            </a:r>
+            <a:r>
+              <a:rPr lang="ru-RU" dirty="0">
+                <a:latin typeface="Times New Roman" panose="02020603050405020304" pitchFamily="18" charset="0"/>
+                <a:cs typeface="Times New Roman" panose="02020603050405020304" pitchFamily="18" charset="0"/>
+              </a:rPr>
+              <a:t>аналитику </a:t>
+            </a:r>
+            <a:r>
+              <a:rPr lang="ru-RU" dirty="0" smtClean="0">
+                <a:latin typeface="Times New Roman" panose="02020603050405020304" pitchFamily="18" charset="0"/>
+                <a:cs typeface="Times New Roman" panose="02020603050405020304" pitchFamily="18" charset="0"/>
+              </a:rPr>
+              <a:t>для банков</a:t>
+            </a:r>
+            <a:endParaRPr lang="ru-RU" dirty="0">
+              <a:latin typeface="Times New Roman" panose="02020603050405020304" pitchFamily="18" charset="0"/>
+              <a:cs typeface="Times New Roman" panose="02020603050405020304" pitchFamily="18" charset="0"/>
+            </a:endParaRPr>
+          </a:p>
+          <a:p>
+            <a:r>
+              <a:rPr lang="ru-RU" dirty="0">
+                <a:latin typeface="Times New Roman" panose="02020603050405020304" pitchFamily="18" charset="0"/>
+                <a:cs typeface="Times New Roman" panose="02020603050405020304" pitchFamily="18" charset="0"/>
+              </a:rPr>
+              <a:t>Интеграция с другими учетными системами (SAP, </a:t>
+            </a:r>
+            <a:r>
+              <a:rPr lang="ru-RU" dirty="0" err="1">
+                <a:latin typeface="Times New Roman" panose="02020603050405020304" pitchFamily="18" charset="0"/>
+                <a:cs typeface="Times New Roman" panose="02020603050405020304" pitchFamily="18" charset="0"/>
+              </a:rPr>
+              <a:t>Oracle</a:t>
+            </a:r>
+            <a:r>
+              <a:rPr lang="ru-RU" dirty="0">
+                <a:latin typeface="Times New Roman" panose="02020603050405020304" pitchFamily="18" charset="0"/>
+                <a:cs typeface="Times New Roman" panose="02020603050405020304" pitchFamily="18" charset="0"/>
+              </a:rPr>
+              <a:t>)</a:t>
+            </a:r>
+          </a:p>
+          <a:p>
+            <a:r>
+              <a:rPr lang="ru-RU" dirty="0">
+                <a:latin typeface="Times New Roman" panose="02020603050405020304" pitchFamily="18" charset="0"/>
+                <a:cs typeface="Times New Roman" panose="02020603050405020304" pitchFamily="18" charset="0"/>
+              </a:rPr>
+              <a:t>Мобильные приложения (</a:t>
+            </a:r>
+            <a:r>
+              <a:rPr lang="ru-RU" dirty="0" err="1">
+                <a:latin typeface="Times New Roman" panose="02020603050405020304" pitchFamily="18" charset="0"/>
+                <a:cs typeface="Times New Roman" panose="02020603050405020304" pitchFamily="18" charset="0"/>
+              </a:rPr>
+              <a:t>React</a:t>
+            </a:r>
+            <a:r>
+              <a:rPr lang="ru-RU" dirty="0">
+                <a:latin typeface="Times New Roman" panose="02020603050405020304" pitchFamily="18" charset="0"/>
+                <a:cs typeface="Times New Roman" panose="02020603050405020304" pitchFamily="18" charset="0"/>
+              </a:rPr>
+              <a:t> </a:t>
+            </a:r>
+            <a:r>
+              <a:rPr lang="ru-RU" dirty="0" err="1">
+                <a:latin typeface="Times New Roman" panose="02020603050405020304" pitchFamily="18" charset="0"/>
+                <a:cs typeface="Times New Roman" panose="02020603050405020304" pitchFamily="18" charset="0"/>
+              </a:rPr>
+              <a:t>Native</a:t>
+            </a:r>
+            <a:r>
+              <a:rPr lang="ru-RU" dirty="0">
+                <a:latin typeface="Times New Roman" panose="02020603050405020304" pitchFamily="18" charset="0"/>
+                <a:cs typeface="Times New Roman" panose="02020603050405020304" pitchFamily="18" charset="0"/>
+              </a:rPr>
+              <a:t>)</a:t>
+            </a:r>
+          </a:p>
+          <a:p>
+            <a:endParaRPr lang="ru-RU" dirty="0">
+              <a:latin typeface="Times New Roman" panose="02020603050405020304" pitchFamily="18" charset="0"/>
+              <a:cs typeface="Times New Roman" panose="02020603050405020304" pitchFamily="18" charset="0"/>
+            </a:endParaRPr>
+          </a:p>
+        </p:txBody>
+      </p:sp>
+      <p:sp>
+        <p:nvSpPr>
+          <p:cNvPr id="4" name="Номер слайда 3"/>
+          <p:cNvSpPr>
+            <a:spLocks noGrp="1"/>
+          </p:cNvSpPr>
+          <p:nvPr>
+            <p:ph type="sldNum" sz="quarter" idx="12"/>
+          </p:nvPr>
+        </p:nvSpPr>
+        <p:spPr/>
+        <p:txBody>
+          <a:bodyPr/>
+          <a:lstStyle/>
+          <a:p>
+            <a:fld id="{C1FF6DA9-008F-8B48-92A6-B652298478BF}" type="slidenum">
+              <a:rPr lang="en-US" sz="1600" smtClean="0"/>
+              <a:t>9</a:t>
+            </a:fld>
+            <a:endParaRPr lang="en-US" sz="1600" dirty="0"/>
+          </a:p>
+        </p:txBody>
+      </p:sp>
+    </p:spTree>
+    <p:extLst>
+      <p:ext uri="{BB962C8B-B14F-4D97-AF65-F5344CB8AC3E}">
+        <p14:creationId xmlns:p14="http://schemas.microsoft.com/office/powerpoint/2010/main" val="1751026053"/>
+      </p:ext>
+    </p:extLst>
+  </p:cSld>
+  <p:clrMapOvr>
+    <a:masterClrMapping/>
+  </p:clrMapOvr>
+  <p:timing>
+    <p:tnLst>
+      <p:par>
+        <p:cTn id="1" dur="indefinite" restart="never" nodeType="tmRoot"/>
+      </p:par>
+    </p:tnLst>
+  </p:timing>
 </p:sld>
 </file>
 
@@ -4694,4 +6624,265 @@
   </a:objectDefaults>
   <a:extraClrSchemeLst/>
 </a:theme>
+</file>
+
+<file path=ppt/theme/theme2.xml><?xml version="1.0" encoding="utf-8"?>
+<a:theme xmlns:a="http://schemas.openxmlformats.org/drawingml/2006/main" name="Тема Office">
+  <a:themeElements>
+    <a:clrScheme name="Стандартная">
+      <a:dk1>
+        <a:sysClr val="windowText" lastClr="000000"/>
+      </a:dk1>
+      <a:lt1>
+        <a:sysClr val="window" lastClr="FFFFFF"/>
+      </a:lt1>
+      <a:dk2>
+        <a:srgbClr val="44546A"/>
+      </a:dk2>
+      <a:lt2>
+        <a:srgbClr val="E7E6E6"/>
+      </a:lt2>
+      <a:accent1>
+        <a:srgbClr val="5B9BD5"/>
+      </a:accent1>
+      <a:accent2>
+        <a:srgbClr val="ED7D31"/>
+      </a:accent2>
+      <a:accent3>
+        <a:srgbClr val="A5A5A5"/>
+      </a:accent3>
+      <a:accent4>
+        <a:srgbClr val="FFC000"/>
+      </a:accent4>
+      <a:accent5>
+        <a:srgbClr val="4472C4"/>
+      </a:accent5>
+      <a:accent6>
+        <a:srgbClr val="70AD47"/>
+      </a:accent6>
+      <a:hlink>
+        <a:srgbClr val="0563C1"/>
+      </a:hlink>
+      <a:folHlink>
+        <a:srgbClr val="954F72"/>
+      </a:folHlink>
+    </a:clrScheme>
+    <a:fontScheme name="Стандартная">
+      <a:majorFont>
+        <a:latin typeface="Calibri Light" panose="020F0302020204030204"/>
+        <a:ea typeface=""/>
+        <a:cs typeface=""/>
+        <a:font script="Jpan" typeface="游ゴシック Light"/>
+        <a:font script="Hang" typeface="맑은 고딕"/>
+        <a:font script="Hans" typeface="等线 Light"/>
+        <a:font script="Hant" typeface="新細明體"/>
+        <a:font script="Arab" typeface="Times New Roman"/>
+        <a:font script="Hebr" typeface="Times New Roman"/>
+        <a:font script="Thai" typeface="Angsana New"/>
+        <a:font script="Ethi" typeface="Nyala"/>
+        <a:font script="Beng" typeface="Vrinda"/>
+        <a:font script="Gujr" typeface="Shruti"/>
+        <a:font script="Khmr" typeface="MoolBoran"/>
+        <a:font script="Knda" typeface="Tunga"/>
+        <a:font script="Guru" typeface="Raavi"/>
+        <a:font script="Cans" typeface="Euphemia"/>
+        <a:font script="Cher" typeface="Plantagenet Cherokee"/>
+        <a:font script="Yiii" typeface="Microsoft Yi Baiti"/>
+        <a:font script="Tibt" typeface="Microsoft Himalaya"/>
+        <a:font script="Thaa" typeface="MV Boli"/>
+        <a:font script="Deva" typeface="Mangal"/>
+        <a:font script="Telu" typeface="Gautami"/>
+        <a:font script="Taml" typeface="Latha"/>
+        <a:font script="Syrc" typeface="Estrangelo Edessa"/>
+        <a:font script="Orya" typeface="Kalinga"/>
+        <a:font script="Mlym" typeface="Kartika"/>
+        <a:font script="Laoo" typeface="DokChampa"/>
+        <a:font script="Sinh" typeface="Iskoola Pota"/>
+        <a:font script="Mong" typeface="Mongolian Baiti"/>
+        <a:font script="Viet" typeface="Times New Roman"/>
+        <a:font script="Uigh" typeface="Microsoft Uighur"/>
+        <a:font script="Geor" typeface="Sylfaen"/>
+      </a:majorFont>
+      <a:minorFont>
+        <a:latin typeface="Calibri" panose="020F0502020204030204"/>
+        <a:ea typeface=""/>
+        <a:cs typeface=""/>
+        <a:font script="Jpan" typeface="游ゴシック"/>
+        <a:font script="Hang" typeface="맑은 고딕"/>
+        <a:font script="Hans" typeface="等线"/>
+        <a:font script="Hant" typeface="新細明體"/>
+        <a:font script="Arab" typeface="Arial"/>
+        <a:font script="Hebr" typeface="Arial"/>
+        <a:font script="Thai" typeface="Cordia New"/>
+        <a:font script="Ethi" typeface="Nyala"/>
+        <a:font script="Beng" typeface="Vrinda"/>
+        <a:font script="Gujr" typeface="Shruti"/>
+        <a:font script="Khmr" typeface="DaunPenh"/>
+        <a:font script="Knda" typeface="Tunga"/>
+        <a:font script="Guru" typeface="Raavi"/>
+        <a:font script="Cans" typeface="Euphemia"/>
+        <a:font script="Cher" typeface="Plantagenet Cherokee"/>
+        <a:font script="Yiii" typeface="Microsoft Yi Baiti"/>
+        <a:font script="Tibt" typeface="Microsoft Himalaya"/>
+        <a:font script="Thaa" typeface="MV Boli"/>
+        <a:font script="Deva" typeface="Mangal"/>
+        <a:font script="Telu" typeface="Gautami"/>
+        <a:font script="Taml" typeface="Latha"/>
+        <a:font script="Syrc" typeface="Estrangelo Edessa"/>
+        <a:font script="Orya" typeface="Kalinga"/>
+        <a:font script="Mlym" typeface="Kartika"/>
+        <a:font script="Laoo" typeface="DokChampa"/>
+        <a:font script="Sinh" typeface="Iskoola Pota"/>
+        <a:font script="Mong" typeface="Mongolian Baiti"/>
+        <a:font script="Viet" typeface="Arial"/>
+        <a:font script="Uigh" typeface="Microsoft Uighur"/>
+        <a:font script="Geor" typeface="Sylfaen"/>
+      </a:minorFont>
+    </a:fontScheme>
+    <a:fmtScheme name="Стандартная">
+      <a:fillStyleLst>
+        <a:solidFill>
+          <a:schemeClr val="phClr"/>
+        </a:solidFill>
+        <a:gradFill rotWithShape="1">
+          <a:gsLst>
+            <a:gs pos="0">
+              <a:schemeClr val="phClr">
+                <a:lumMod val="110000"/>
+                <a:satMod val="105000"/>
+                <a:tint val="67000"/>
+              </a:schemeClr>
+            </a:gs>
+            <a:gs pos="50000">
+              <a:schemeClr val="phClr">
+                <a:lumMod val="105000"/>
+                <a:satMod val="103000"/>
+                <a:tint val="73000"/>
+              </a:schemeClr>
+            </a:gs>
+            <a:gs pos="100000">
+              <a:schemeClr val="phClr">
+                <a:lumMod val="105000"/>
+                <a:satMod val="109000"/>
+                <a:tint val="81000"/>
+              </a:schemeClr>
+            </a:gs>
+          </a:gsLst>
+          <a:lin ang="5400000" scaled="0"/>
+        </a:gradFill>
+        <a:gradFill rotWithShape="1">
+          <a:gsLst>
+            <a:gs pos="0">
+              <a:schemeClr val="phClr">
+                <a:satMod val="103000"/>
+                <a:lumMod val="102000"/>
+                <a:tint val="94000"/>
+              </a:schemeClr>
+            </a:gs>
+            <a:gs pos="50000">
+              <a:schemeClr val="phClr">
+                <a:satMod val="110000"/>
+                <a:lumMod val="100000"/>
+                <a:shade val="100000"/>
+              </a:schemeClr>
+            </a:gs>
+            <a:gs pos="100000">
+              <a:schemeClr val="phClr">
+                <a:lumMod val="99000"/>
+                <a:satMod val="120000"/>
+                <a:shade val="78000"/>
+              </a:schemeClr>
+            </a:gs>
+          </a:gsLst>
+          <a:lin ang="5400000" scaled="0"/>
+        </a:gradFill>
+      </a:fillStyleLst>
+      <a:lnStyleLst>
+        <a:ln w="6350" cap="flat" cmpd="sng" algn="ctr">
+          <a:solidFill>
+            <a:schemeClr val="phClr"/>
+          </a:solidFill>
+          <a:prstDash val="solid"/>
+          <a:miter lim="800000"/>
+        </a:ln>
+        <a:ln w="12700" cap="flat" cmpd="sng" algn="ctr">
+          <a:solidFill>
+            <a:schemeClr val="phClr"/>
+          </a:solidFill>
+          <a:prstDash val="solid"/>
+          <a:miter lim="800000"/>
+        </a:ln>
+        <a:ln w="19050" cap="flat" cmpd="sng" algn="ctr">
+          <a:solidFill>
+            <a:schemeClr val="phClr"/>
+          </a:solidFill>
+          <a:prstDash val="solid"/>
+          <a:miter lim="800000"/>
+        </a:ln>
+      </a:lnStyleLst>
+      <a:effectStyleLst>
+        <a:effectStyle>
+          <a:effectLst/>
+        </a:effectStyle>
+        <a:effectStyle>
+          <a:effectLst/>
+        </a:effectStyle>
+        <a:effectStyle>
+          <a:effectLst>
+            <a:outerShdw blurRad="57150" dist="19050" dir="5400000" algn="ctr" rotWithShape="0">
+              <a:srgbClr val="000000">
+                <a:alpha val="63000"/>
+              </a:srgbClr>
+            </a:outerShdw>
+          </a:effectLst>
+        </a:effectStyle>
+      </a:effectStyleLst>
+      <a:bgFillStyleLst>
+        <a:solidFill>
+          <a:schemeClr val="phClr"/>
+        </a:solidFill>
+        <a:solidFill>
+          <a:schemeClr val="phClr">
+            <a:tint val="95000"/>
+            <a:satMod val="170000"/>
+          </a:schemeClr>
+        </a:solidFill>
+        <a:gradFill rotWithShape="1">
+          <a:gsLst>
+            <a:gs pos="0">
+              <a:schemeClr val="phClr">
+                <a:tint val="93000"/>
+                <a:satMod val="150000"/>
+                <a:shade val="98000"/>
+                <a:lumMod val="102000"/>
+              </a:schemeClr>
+            </a:gs>
+            <a:gs pos="50000">
+              <a:schemeClr val="phClr">
+                <a:tint val="98000"/>
+                <a:satMod val="130000"/>
+                <a:shade val="90000"/>
+                <a:lumMod val="103000"/>
+              </a:schemeClr>
+            </a:gs>
+            <a:gs pos="100000">
+              <a:schemeClr val="phClr">
+                <a:shade val="63000"/>
+                <a:satMod val="120000"/>
+              </a:schemeClr>
+            </a:gs>
+          </a:gsLst>
+          <a:lin ang="5400000" scaled="0"/>
+        </a:gradFill>
+      </a:bgFillStyleLst>
+    </a:fmtScheme>
+  </a:themeElements>
+  <a:objectDefaults/>
+  <a:extraClrSchemeLst/>
+  <a:extLst>
+    <a:ext uri="{05A4C25C-085E-4340-85A3-A5531E510DB2}">
+      <thm15:themeFamily xmlns:thm15="http://schemas.microsoft.com/office/thememl/2012/main" name="Office Theme" id="{62F939B6-93AF-4DB8-9C6B-D6C7DFDC589F}" vid="{4A3C46E8-61CC-4603-A589-7422A47A8E4A}"/>
+    </a:ext>
+  </a:extLst>
+</a:theme>
 </file>
--- a/дипломная работа/Лямкин презентация.pptx
+++ b/дипломная работа/Лямкин презентация.pptx
@@ -5,7 +5,7 @@
     <p:sldMasterId id="2147483648" r:id="rId1"/>
   </p:sldMasterIdLst>
   <p:notesMasterIdLst>
-    <p:notesMasterId r:id="rId11"/>
+    <p:notesMasterId r:id="rId12"/>
   </p:notesMasterIdLst>
   <p:sldIdLst>
     <p:sldId id="262" r:id="rId2"/>
@@ -14,9 +14,10 @@
     <p:sldId id="258" r:id="rId5"/>
     <p:sldId id="257" r:id="rId6"/>
     <p:sldId id="260" r:id="rId7"/>
-    <p:sldId id="261" r:id="rId8"/>
-    <p:sldId id="265" r:id="rId9"/>
-    <p:sldId id="266" r:id="rId10"/>
+    <p:sldId id="268" r:id="rId8"/>
+    <p:sldId id="267" r:id="rId9"/>
+    <p:sldId id="265" r:id="rId10"/>
+    <p:sldId id="266" r:id="rId11"/>
   </p:sldIdLst>
   <p:sldSz cx="9144000" cy="6858000" type="screen4x3"/>
   <p:notesSz cx="6858000" cy="9144000"/>
@@ -216,7 +217,7 @@
           <a:p>
             <a:fld id="{CDF775EB-797C-4541-87BC-E11162B6267A}" type="datetimeFigureOut">
               <a:rPr lang="ru-RU" smtClean="0"/>
-              <a:t>24.04.2025</a:t>
+              <a:t>15.05.2025</a:t>
             </a:fld>
             <a:endParaRPr lang="ru-RU"/>
           </a:p>
@@ -280,38 +281,37 @@
           <a:p>
             <a:pPr lvl="0"/>
             <a:r>
-              <a:rPr lang="ru-RU" smtClean="0"/>
+              <a:rPr lang="ru-RU"/>
               <a:t>Образец текста</a:t>
             </a:r>
           </a:p>
           <a:p>
             <a:pPr lvl="1"/>
             <a:r>
-              <a:rPr lang="ru-RU" smtClean="0"/>
+              <a:rPr lang="ru-RU"/>
               <a:t>Второй уровень</a:t>
             </a:r>
           </a:p>
           <a:p>
             <a:pPr lvl="2"/>
             <a:r>
-              <a:rPr lang="ru-RU" smtClean="0"/>
+              <a:rPr lang="ru-RU"/>
               <a:t>Третий уровень</a:t>
             </a:r>
           </a:p>
           <a:p>
             <a:pPr lvl="3"/>
             <a:r>
-              <a:rPr lang="ru-RU" smtClean="0"/>
+              <a:rPr lang="ru-RU"/>
               <a:t>Четвертый уровень</a:t>
             </a:r>
           </a:p>
           <a:p>
             <a:pPr lvl="4"/>
             <a:r>
-              <a:rPr lang="ru-RU" smtClean="0"/>
+              <a:rPr lang="ru-RU"/>
               <a:t>Пятый уровень</a:t>
             </a:r>
-            <a:endParaRPr lang="ru-RU"/>
           </a:p>
         </p:txBody>
       </p:sp>
@@ -522,10 +522,9 @@
           <a:lstStyle/>
           <a:p>
             <a:r>
-              <a:rPr lang="en-US" smtClean="0"/>
+              <a:rPr lang="en-US"/>
               <a:t>Click to edit Master title style</a:t>
             </a:r>
-            <a:endParaRPr lang="en-US"/>
           </a:p>
         </p:txBody>
       </p:sp>
@@ -641,10 +640,9 @@
           </a:lstStyle>
           <a:p>
             <a:r>
-              <a:rPr lang="en-US" smtClean="0"/>
+              <a:rPr lang="en-US"/>
               <a:t>Click to edit Master subtitle style</a:t>
             </a:r>
-            <a:endParaRPr lang="en-US"/>
           </a:p>
         </p:txBody>
       </p:sp>
@@ -665,7 +663,7 @@
           <a:p>
             <a:fld id="{80D2A53C-B5D0-4515-AF42-CEB5B2E012EE}" type="datetime1">
               <a:rPr lang="en-US" smtClean="0"/>
-              <a:t>4/24/2025</a:t>
+              <a:t>5/15/2025</a:t>
             </a:fld>
             <a:endParaRPr lang="en-US"/>
           </a:p>
@@ -759,10 +757,9 @@
           <a:lstStyle/>
           <a:p>
             <a:r>
-              <a:rPr lang="en-US" smtClean="0"/>
+              <a:rPr lang="en-US"/>
               <a:t>Click to edit Master title style</a:t>
             </a:r>
-            <a:endParaRPr lang="en-US"/>
           </a:p>
         </p:txBody>
       </p:sp>
@@ -783,38 +780,37 @@
           <a:p>
             <a:pPr lvl="0"/>
             <a:r>
-              <a:rPr lang="en-US" smtClean="0"/>
+              <a:rPr lang="en-US"/>
               <a:t>Click to edit Master text styles</a:t>
             </a:r>
           </a:p>
           <a:p>
             <a:pPr lvl="1"/>
             <a:r>
-              <a:rPr lang="en-US" smtClean="0"/>
+              <a:rPr lang="en-US"/>
               <a:t>Second level</a:t>
             </a:r>
           </a:p>
           <a:p>
             <a:pPr lvl="2"/>
             <a:r>
-              <a:rPr lang="en-US" smtClean="0"/>
+              <a:rPr lang="en-US"/>
               <a:t>Third level</a:t>
             </a:r>
           </a:p>
           <a:p>
             <a:pPr lvl="3"/>
             <a:r>
-              <a:rPr lang="en-US" smtClean="0"/>
+              <a:rPr lang="en-US"/>
               <a:t>Fourth level</a:t>
             </a:r>
           </a:p>
           <a:p>
             <a:pPr lvl="4"/>
             <a:r>
-              <a:rPr lang="en-US" smtClean="0"/>
+              <a:rPr lang="en-US"/>
               <a:t>Fifth level</a:t>
             </a:r>
-            <a:endParaRPr lang="en-US"/>
           </a:p>
         </p:txBody>
       </p:sp>
@@ -835,7 +831,7 @@
           <a:p>
             <a:fld id="{B764009C-6A6C-40D2-B485-2FB9DCB046F9}" type="datetime1">
               <a:rPr lang="en-US" smtClean="0"/>
-              <a:t>4/24/2025</a:t>
+              <a:t>5/15/2025</a:t>
             </a:fld>
             <a:endParaRPr lang="en-US"/>
           </a:p>
@@ -934,10 +930,9 @@
           <a:lstStyle/>
           <a:p>
             <a:r>
-              <a:rPr lang="en-US" smtClean="0"/>
+              <a:rPr lang="en-US"/>
               <a:t>Click to edit Master title style</a:t>
             </a:r>
-            <a:endParaRPr lang="en-US"/>
           </a:p>
         </p:txBody>
       </p:sp>
@@ -963,38 +958,37 @@
           <a:p>
             <a:pPr lvl="0"/>
             <a:r>
-              <a:rPr lang="en-US" smtClean="0"/>
+              <a:rPr lang="en-US"/>
               <a:t>Click to edit Master text styles</a:t>
             </a:r>
           </a:p>
           <a:p>
             <a:pPr lvl="1"/>
             <a:r>
-              <a:rPr lang="en-US" smtClean="0"/>
+              <a:rPr lang="en-US"/>
               <a:t>Second level</a:t>
             </a:r>
           </a:p>
           <a:p>
             <a:pPr lvl="2"/>
             <a:r>
-              <a:rPr lang="en-US" smtClean="0"/>
+              <a:rPr lang="en-US"/>
               <a:t>Third level</a:t>
             </a:r>
           </a:p>
           <a:p>
             <a:pPr lvl="3"/>
             <a:r>
-              <a:rPr lang="en-US" smtClean="0"/>
+              <a:rPr lang="en-US"/>
               <a:t>Fourth level</a:t>
             </a:r>
           </a:p>
           <a:p>
             <a:pPr lvl="4"/>
             <a:r>
-              <a:rPr lang="en-US" smtClean="0"/>
+              <a:rPr lang="en-US"/>
               <a:t>Fifth level</a:t>
             </a:r>
-            <a:endParaRPr lang="en-US"/>
           </a:p>
         </p:txBody>
       </p:sp>
@@ -1015,7 +1009,7 @@
           <a:p>
             <a:fld id="{AB59B739-8AB3-4259-A27D-ADA2532F32D5}" type="datetime1">
               <a:rPr lang="en-US" smtClean="0"/>
-              <a:t>4/24/2025</a:t>
+              <a:t>5/15/2025</a:t>
             </a:fld>
             <a:endParaRPr lang="en-US"/>
           </a:p>
@@ -1109,10 +1103,9 @@
           <a:lstStyle/>
           <a:p>
             <a:r>
-              <a:rPr lang="en-US" smtClean="0"/>
+              <a:rPr lang="en-US"/>
               <a:t>Click to edit Master title style</a:t>
             </a:r>
-            <a:endParaRPr lang="en-US"/>
           </a:p>
         </p:txBody>
       </p:sp>
@@ -1133,38 +1126,37 @@
           <a:p>
             <a:pPr lvl="0"/>
             <a:r>
-              <a:rPr lang="en-US" smtClean="0"/>
+              <a:rPr lang="en-US"/>
               <a:t>Click to edit Master text styles</a:t>
             </a:r>
           </a:p>
           <a:p>
             <a:pPr lvl="1"/>
             <a:r>
-              <a:rPr lang="en-US" smtClean="0"/>
+              <a:rPr lang="en-US"/>
               <a:t>Second level</a:t>
             </a:r>
           </a:p>
           <a:p>
             <a:pPr lvl="2"/>
             <a:r>
-              <a:rPr lang="en-US" smtClean="0"/>
+              <a:rPr lang="en-US"/>
               <a:t>Third level</a:t>
             </a:r>
           </a:p>
           <a:p>
             <a:pPr lvl="3"/>
             <a:r>
-              <a:rPr lang="en-US" smtClean="0"/>
+              <a:rPr lang="en-US"/>
               <a:t>Fourth level</a:t>
             </a:r>
           </a:p>
           <a:p>
             <a:pPr lvl="4"/>
             <a:r>
-              <a:rPr lang="en-US" smtClean="0"/>
+              <a:rPr lang="en-US"/>
               <a:t>Fifth level</a:t>
             </a:r>
-            <a:endParaRPr lang="en-US"/>
           </a:p>
         </p:txBody>
       </p:sp>
@@ -1185,7 +1177,7 @@
           <a:p>
             <a:fld id="{047D8136-4997-4CF7-BF7C-94AF06EED4ED}" type="datetime1">
               <a:rPr lang="en-US" smtClean="0"/>
-              <a:t>4/24/2025</a:t>
+              <a:t>5/15/2025</a:t>
             </a:fld>
             <a:endParaRPr lang="en-US"/>
           </a:p>
@@ -1288,10 +1280,9 @@
           </a:lstStyle>
           <a:p>
             <a:r>
-              <a:rPr lang="en-US" smtClean="0"/>
+              <a:rPr lang="en-US"/>
               <a:t>Click to edit Master title style</a:t>
             </a:r>
-            <a:endParaRPr lang="en-US"/>
           </a:p>
         </p:txBody>
       </p:sp>
@@ -1408,7 +1399,7 @@
           <a:p>
             <a:pPr lvl="0"/>
             <a:r>
-              <a:rPr lang="en-US" smtClean="0"/>
+              <a:rPr lang="en-US"/>
               <a:t>Click to edit Master text styles</a:t>
             </a:r>
           </a:p>
@@ -1431,7 +1422,7 @@
           <a:p>
             <a:fld id="{AAA04009-CC84-4D22-A9BF-24BCE7660493}" type="datetime1">
               <a:rPr lang="en-US" smtClean="0"/>
-              <a:t>4/24/2025</a:t>
+              <a:t>5/15/2025</a:t>
             </a:fld>
             <a:endParaRPr lang="en-US"/>
           </a:p>
@@ -1525,10 +1516,9 @@
           <a:lstStyle/>
           <a:p>
             <a:r>
-              <a:rPr lang="en-US" smtClean="0"/>
+              <a:rPr lang="en-US"/>
               <a:t>Click to edit Master title style</a:t>
             </a:r>
-            <a:endParaRPr lang="en-US"/>
           </a:p>
         </p:txBody>
       </p:sp>
@@ -1582,38 +1572,37 @@
           <a:p>
             <a:pPr lvl="0"/>
             <a:r>
-              <a:rPr lang="en-US" smtClean="0"/>
+              <a:rPr lang="en-US"/>
               <a:t>Click to edit Master text styles</a:t>
             </a:r>
           </a:p>
           <a:p>
             <a:pPr lvl="1"/>
             <a:r>
-              <a:rPr lang="en-US" smtClean="0"/>
+              <a:rPr lang="en-US"/>
               <a:t>Second level</a:t>
             </a:r>
           </a:p>
           <a:p>
             <a:pPr lvl="2"/>
             <a:r>
-              <a:rPr lang="en-US" smtClean="0"/>
+              <a:rPr lang="en-US"/>
               <a:t>Third level</a:t>
             </a:r>
           </a:p>
           <a:p>
             <a:pPr lvl="3"/>
             <a:r>
-              <a:rPr lang="en-US" smtClean="0"/>
+              <a:rPr lang="en-US"/>
               <a:t>Fourth level</a:t>
             </a:r>
           </a:p>
           <a:p>
             <a:pPr lvl="4"/>
             <a:r>
-              <a:rPr lang="en-US" smtClean="0"/>
+              <a:rPr lang="en-US"/>
               <a:t>Fifth level</a:t>
             </a:r>
-            <a:endParaRPr lang="en-US"/>
           </a:p>
         </p:txBody>
       </p:sp>
@@ -1667,38 +1656,37 @@
           <a:p>
             <a:pPr lvl="0"/>
             <a:r>
-              <a:rPr lang="en-US" smtClean="0"/>
+              <a:rPr lang="en-US"/>
               <a:t>Click to edit Master text styles</a:t>
             </a:r>
           </a:p>
           <a:p>
             <a:pPr lvl="1"/>
             <a:r>
-              <a:rPr lang="en-US" smtClean="0"/>
+              <a:rPr lang="en-US"/>
               <a:t>Second level</a:t>
             </a:r>
           </a:p>
           <a:p>
             <a:pPr lvl="2"/>
             <a:r>
-              <a:rPr lang="en-US" smtClean="0"/>
+              <a:rPr lang="en-US"/>
               <a:t>Third level</a:t>
             </a:r>
           </a:p>
           <a:p>
             <a:pPr lvl="3"/>
             <a:r>
-              <a:rPr lang="en-US" smtClean="0"/>
+              <a:rPr lang="en-US"/>
               <a:t>Fourth level</a:t>
             </a:r>
           </a:p>
           <a:p>
             <a:pPr lvl="4"/>
             <a:r>
-              <a:rPr lang="en-US" smtClean="0"/>
+              <a:rPr lang="en-US"/>
               <a:t>Fifth level</a:t>
             </a:r>
-            <a:endParaRPr lang="en-US"/>
           </a:p>
         </p:txBody>
       </p:sp>
@@ -1719,7 +1707,7 @@
           <a:p>
             <a:fld id="{D0A0D125-4FC6-4CB2-AA6E-7402FBA14921}" type="datetime1">
               <a:rPr lang="en-US" smtClean="0"/>
-              <a:t>4/24/2025</a:t>
+              <a:t>5/15/2025</a:t>
             </a:fld>
             <a:endParaRPr lang="en-US"/>
           </a:p>
@@ -1817,10 +1805,9 @@
           </a:lstStyle>
           <a:p>
             <a:r>
-              <a:rPr lang="en-US" smtClean="0"/>
+              <a:rPr lang="en-US"/>
               <a:t>Click to edit Master title style</a:t>
             </a:r>
-            <a:endParaRPr lang="en-US"/>
           </a:p>
         </p:txBody>
       </p:sp>
@@ -1883,7 +1870,7 @@
           <a:p>
             <a:pPr lvl="0"/>
             <a:r>
-              <a:rPr lang="en-US" smtClean="0"/>
+              <a:rPr lang="en-US"/>
               <a:t>Click to edit Master text styles</a:t>
             </a:r>
           </a:p>
@@ -1939,38 +1926,37 @@
           <a:p>
             <a:pPr lvl="0"/>
             <a:r>
-              <a:rPr lang="en-US" smtClean="0"/>
+              <a:rPr lang="en-US"/>
               <a:t>Click to edit Master text styles</a:t>
             </a:r>
           </a:p>
           <a:p>
             <a:pPr lvl="1"/>
             <a:r>
-              <a:rPr lang="en-US" smtClean="0"/>
+              <a:rPr lang="en-US"/>
               <a:t>Second level</a:t>
             </a:r>
           </a:p>
           <a:p>
             <a:pPr lvl="2"/>
             <a:r>
-              <a:rPr lang="en-US" smtClean="0"/>
+              <a:rPr lang="en-US"/>
               <a:t>Third level</a:t>
             </a:r>
           </a:p>
           <a:p>
             <a:pPr lvl="3"/>
             <a:r>
-              <a:rPr lang="en-US" smtClean="0"/>
+              <a:rPr lang="en-US"/>
               <a:t>Fourth level</a:t>
             </a:r>
           </a:p>
           <a:p>
             <a:pPr lvl="4"/>
             <a:r>
-              <a:rPr lang="en-US" smtClean="0"/>
+              <a:rPr lang="en-US"/>
               <a:t>Fifth level</a:t>
             </a:r>
-            <a:endParaRPr lang="en-US"/>
           </a:p>
         </p:txBody>
       </p:sp>
@@ -2033,7 +2019,7 @@
           <a:p>
             <a:pPr lvl="0"/>
             <a:r>
-              <a:rPr lang="en-US" smtClean="0"/>
+              <a:rPr lang="en-US"/>
               <a:t>Click to edit Master text styles</a:t>
             </a:r>
           </a:p>
@@ -2089,38 +2075,37 @@
           <a:p>
             <a:pPr lvl="0"/>
             <a:r>
-              <a:rPr lang="en-US" smtClean="0"/>
+              <a:rPr lang="en-US"/>
               <a:t>Click to edit Master text styles</a:t>
             </a:r>
           </a:p>
           <a:p>
             <a:pPr lvl="1"/>
             <a:r>
-              <a:rPr lang="en-US" smtClean="0"/>
+              <a:rPr lang="en-US"/>
               <a:t>Second level</a:t>
             </a:r>
           </a:p>
           <a:p>
             <a:pPr lvl="2"/>
             <a:r>
-              <a:rPr lang="en-US" smtClean="0"/>
+              <a:rPr lang="en-US"/>
               <a:t>Third level</a:t>
             </a:r>
           </a:p>
           <a:p>
             <a:pPr lvl="3"/>
             <a:r>
-              <a:rPr lang="en-US" smtClean="0"/>
+              <a:rPr lang="en-US"/>
               <a:t>Fourth level</a:t>
             </a:r>
           </a:p>
           <a:p>
             <a:pPr lvl="4"/>
             <a:r>
-              <a:rPr lang="en-US" smtClean="0"/>
+              <a:rPr lang="en-US"/>
               <a:t>Fifth level</a:t>
             </a:r>
-            <a:endParaRPr lang="en-US"/>
           </a:p>
         </p:txBody>
       </p:sp>
@@ -2141,7 +2126,7 @@
           <a:p>
             <a:fld id="{1F82DA23-CF58-429D-AB47-70907244D543}" type="datetime1">
               <a:rPr lang="en-US" smtClean="0"/>
-              <a:t>4/24/2025</a:t>
+              <a:t>5/15/2025</a:t>
             </a:fld>
             <a:endParaRPr lang="en-US"/>
           </a:p>
@@ -2235,10 +2220,9 @@
           <a:lstStyle/>
           <a:p>
             <a:r>
-              <a:rPr lang="en-US" smtClean="0"/>
+              <a:rPr lang="en-US"/>
               <a:t>Click to edit Master title style</a:t>
             </a:r>
-            <a:endParaRPr lang="en-US"/>
           </a:p>
         </p:txBody>
       </p:sp>
@@ -2259,7 +2243,7 @@
           <a:p>
             <a:fld id="{F5132353-254A-48AA-ABD7-C24819B44F4F}" type="datetime1">
               <a:rPr lang="en-US" smtClean="0"/>
-              <a:t>4/24/2025</a:t>
+              <a:t>5/15/2025</a:t>
             </a:fld>
             <a:endParaRPr lang="en-US"/>
           </a:p>
@@ -2354,7 +2338,7 @@
           <a:p>
             <a:fld id="{BFDB970A-E8C6-4457-A80C-F4D807DB9033}" type="datetime1">
               <a:rPr lang="en-US" smtClean="0"/>
-              <a:t>4/24/2025</a:t>
+              <a:t>5/15/2025</a:t>
             </a:fld>
             <a:endParaRPr lang="en-US"/>
           </a:p>
@@ -2457,10 +2441,9 @@
           </a:lstStyle>
           <a:p>
             <a:r>
-              <a:rPr lang="en-US" smtClean="0"/>
+              <a:rPr lang="en-US"/>
               <a:t>Click to edit Master title style</a:t>
             </a:r>
-            <a:endParaRPr lang="en-US"/>
           </a:p>
         </p:txBody>
       </p:sp>
@@ -2514,38 +2497,37 @@
           <a:p>
             <a:pPr lvl="0"/>
             <a:r>
-              <a:rPr lang="en-US" smtClean="0"/>
+              <a:rPr lang="en-US"/>
               <a:t>Click to edit Master text styles</a:t>
             </a:r>
           </a:p>
           <a:p>
             <a:pPr lvl="1"/>
             <a:r>
-              <a:rPr lang="en-US" smtClean="0"/>
+              <a:rPr lang="en-US"/>
               <a:t>Second level</a:t>
             </a:r>
           </a:p>
           <a:p>
             <a:pPr lvl="2"/>
             <a:r>
-              <a:rPr lang="en-US" smtClean="0"/>
+              <a:rPr lang="en-US"/>
               <a:t>Third level</a:t>
             </a:r>
           </a:p>
           <a:p>
             <a:pPr lvl="3"/>
             <a:r>
-              <a:rPr lang="en-US" smtClean="0"/>
+              <a:rPr lang="en-US"/>
               <a:t>Fourth level</a:t>
             </a:r>
           </a:p>
           <a:p>
             <a:pPr lvl="4"/>
             <a:r>
-              <a:rPr lang="en-US" smtClean="0"/>
+              <a:rPr lang="en-US"/>
               <a:t>Fifth level</a:t>
             </a:r>
-            <a:endParaRPr lang="en-US"/>
           </a:p>
         </p:txBody>
       </p:sp>
@@ -2608,7 +2590,7 @@
           <a:p>
             <a:pPr lvl="0"/>
             <a:r>
-              <a:rPr lang="en-US" smtClean="0"/>
+              <a:rPr lang="en-US"/>
               <a:t>Click to edit Master text styles</a:t>
             </a:r>
           </a:p>
@@ -2631,7 +2613,7 @@
           <a:p>
             <a:fld id="{CAC326C5-C730-40A0-8FCB-6D00208496D5}" type="datetime1">
               <a:rPr lang="en-US" smtClean="0"/>
-              <a:t>4/24/2025</a:t>
+              <a:t>5/15/2025</a:t>
             </a:fld>
             <a:endParaRPr lang="en-US"/>
           </a:p>
@@ -2734,10 +2716,9 @@
           </a:lstStyle>
           <a:p>
             <a:r>
-              <a:rPr lang="en-US" smtClean="0"/>
+              <a:rPr lang="en-US"/>
               <a:t>Click to edit Master title style</a:t>
             </a:r>
-            <a:endParaRPr lang="en-US"/>
           </a:p>
         </p:txBody>
       </p:sp>
@@ -2861,7 +2842,7 @@
           <a:p>
             <a:pPr lvl="0"/>
             <a:r>
-              <a:rPr lang="en-US" smtClean="0"/>
+              <a:rPr lang="en-US"/>
               <a:t>Click to edit Master text styles</a:t>
             </a:r>
           </a:p>
@@ -2884,7 +2865,7 @@
           <a:p>
             <a:fld id="{4C7CCDA4-F721-4B0E-BFA2-3BD7018A1677}" type="datetime1">
               <a:rPr lang="en-US" smtClean="0"/>
-              <a:t>4/24/2025</a:t>
+              <a:t>5/15/2025</a:t>
             </a:fld>
             <a:endParaRPr lang="en-US"/>
           </a:p>
@@ -2993,10 +2974,9 @@
           <a:lstStyle/>
           <a:p>
             <a:r>
-              <a:rPr lang="en-US" smtClean="0"/>
+              <a:rPr lang="en-US"/>
               <a:t>Click to edit Master title style</a:t>
             </a:r>
-            <a:endParaRPr lang="en-US"/>
           </a:p>
         </p:txBody>
       </p:sp>
@@ -3027,38 +3007,37 @@
           <a:p>
             <a:pPr lvl="0"/>
             <a:r>
-              <a:rPr lang="en-US" smtClean="0"/>
+              <a:rPr lang="en-US"/>
               <a:t>Click to edit Master text styles</a:t>
             </a:r>
           </a:p>
           <a:p>
             <a:pPr lvl="1"/>
             <a:r>
-              <a:rPr lang="en-US" smtClean="0"/>
+              <a:rPr lang="en-US"/>
               <a:t>Second level</a:t>
             </a:r>
           </a:p>
           <a:p>
             <a:pPr lvl="2"/>
             <a:r>
-              <a:rPr lang="en-US" smtClean="0"/>
+              <a:rPr lang="en-US"/>
               <a:t>Third level</a:t>
             </a:r>
           </a:p>
           <a:p>
             <a:pPr lvl="3"/>
             <a:r>
-              <a:rPr lang="en-US" smtClean="0"/>
+              <a:rPr lang="en-US"/>
               <a:t>Fourth level</a:t>
             </a:r>
           </a:p>
           <a:p>
             <a:pPr lvl="4"/>
             <a:r>
-              <a:rPr lang="en-US" smtClean="0"/>
+              <a:rPr lang="en-US"/>
               <a:t>Fifth level</a:t>
             </a:r>
-            <a:endParaRPr lang="en-US"/>
           </a:p>
         </p:txBody>
       </p:sp>
@@ -3097,7 +3076,7 @@
           <a:p>
             <a:fld id="{FBD39165-F94B-44FC-B1E2-5D5C211EFF29}" type="datetime1">
               <a:rPr lang="en-US" smtClean="0"/>
-              <a:t>4/24/2025</a:t>
+              <a:t>5/15/2025</a:t>
             </a:fld>
             <a:endParaRPr lang="en-US"/>
           </a:p>
@@ -3502,16 +3481,12 @@
           <a:lstStyle/>
           <a:p>
             <a:r>
-              <a:rPr lang="ru-RU" sz="3300" b="1" dirty="0" smtClean="0">
+              <a:rPr lang="ru-RU" sz="3300" b="1" dirty="0">
                 <a:latin typeface="Times New Roman" panose="02020603050405020304" pitchFamily="18" charset="0"/>
                 <a:cs typeface="Times New Roman" panose="02020603050405020304" pitchFamily="18" charset="0"/>
               </a:rPr>
               <a:t>Инновационное интегрирование комплексов сервисов 1С на технологическую платформу по обработке данных в кредитных организациях</a:t>
             </a:r>
-            <a:endParaRPr lang="ru-RU" sz="3300" b="1" dirty="0">
-              <a:latin typeface="Times New Roman" panose="02020603050405020304" pitchFamily="18" charset="0"/>
-              <a:cs typeface="Times New Roman" panose="02020603050405020304" pitchFamily="18" charset="0"/>
-            </a:endParaRPr>
           </a:p>
         </p:txBody>
       </p:sp>
@@ -3552,7 +3527,7 @@
               <a:t>Выполнил: </a:t>
             </a:r>
             <a:r>
-              <a:rPr lang="ru-RU" sz="1200" dirty="0" err="1" smtClean="0">
+              <a:rPr lang="ru-RU" sz="1200" dirty="0" err="1">
                 <a:solidFill>
                   <a:schemeClr val="tx1"/>
                 </a:solidFill>
@@ -3560,16 +3535,6 @@
                 <a:cs typeface="Times New Roman" panose="02020603050405020304" pitchFamily="18" charset="0"/>
               </a:rPr>
               <a:t>Лямкин</a:t>
-            </a:r>
-            <a:r>
-              <a:rPr lang="ru-RU" sz="1200" dirty="0" smtClean="0">
-                <a:solidFill>
-                  <a:schemeClr val="tx1"/>
-                </a:solidFill>
-                <a:latin typeface="Times New Roman" panose="02020603050405020304" pitchFamily="18" charset="0"/>
-                <a:cs typeface="Times New Roman" panose="02020603050405020304" pitchFamily="18" charset="0"/>
-              </a:rPr>
-              <a:t> Егор Сергеевич, </a:t>
             </a:r>
             <a:r>
               <a:rPr lang="ru-RU" sz="1200" dirty="0">
@@ -3579,7 +3544,7 @@
                 <a:latin typeface="Times New Roman" panose="02020603050405020304" pitchFamily="18" charset="0"/>
                 <a:cs typeface="Times New Roman" panose="02020603050405020304" pitchFamily="18" charset="0"/>
               </a:rPr>
-              <a:t>4 курс, 5 группа.</a:t>
+              <a:t> Егор Сергеевич, 4 курс, 5 группа.</a:t>
             </a:r>
           </a:p>
           <a:p>
@@ -3732,13 +3697,241 @@
   <p:clrMapOvr>
     <a:masterClrMapping/>
   </p:clrMapOvr>
-  <p:timing>
-    <p:tnLst>
-      <p:par>
-        <p:cTn id="1" dur="indefinite" restart="never" nodeType="tmRoot"/>
-      </p:par>
-    </p:tnLst>
-  </p:timing>
+</p:sld>
+</file>
+
+<file path=ppt/slides/slide10.xml><?xml version="1.0" encoding="utf-8"?>
+<p:sld xmlns:a="http://schemas.openxmlformats.org/drawingml/2006/main" xmlns:r="http://schemas.openxmlformats.org/officeDocument/2006/relationships" xmlns:p="http://schemas.openxmlformats.org/presentationml/2006/main">
+  <p:cSld>
+    <p:spTree>
+      <p:nvGrpSpPr>
+        <p:cNvPr id="1" name=""/>
+        <p:cNvGrpSpPr/>
+        <p:nvPr/>
+      </p:nvGrpSpPr>
+      <p:grpSpPr>
+        <a:xfrm>
+          <a:off x="0" y="0"/>
+          <a:ext cx="0" cy="0"/>
+          <a:chOff x="0" y="0"/>
+          <a:chExt cx="0" cy="0"/>
+        </a:xfrm>
+      </p:grpSpPr>
+      <p:sp>
+        <p:nvSpPr>
+          <p:cNvPr id="2" name="Заголовок 1"/>
+          <p:cNvSpPr>
+            <a:spLocks noGrp="1"/>
+          </p:cNvSpPr>
+          <p:nvPr>
+            <p:ph type="title"/>
+          </p:nvPr>
+        </p:nvSpPr>
+        <p:spPr/>
+        <p:txBody>
+          <a:bodyPr/>
+          <a:lstStyle/>
+          <a:p>
+            <a:r>
+              <a:rPr lang="ru-RU" dirty="0">
+                <a:latin typeface="Times New Roman" panose="02020603050405020304" pitchFamily="18" charset="0"/>
+                <a:cs typeface="Times New Roman" panose="02020603050405020304" pitchFamily="18" charset="0"/>
+              </a:rPr>
+              <a:t>Выводы и перспективы</a:t>
+            </a:r>
+          </a:p>
+        </p:txBody>
+      </p:sp>
+      <p:sp>
+        <p:nvSpPr>
+          <p:cNvPr id="3" name="Объект 2"/>
+          <p:cNvSpPr>
+            <a:spLocks noGrp="1"/>
+          </p:cNvSpPr>
+          <p:nvPr>
+            <p:ph idx="1"/>
+          </p:nvPr>
+        </p:nvSpPr>
+        <p:spPr/>
+        <p:txBody>
+          <a:bodyPr>
+            <a:normAutofit fontScale="92500" lnSpcReduction="20000"/>
+          </a:bodyPr>
+          <a:lstStyle/>
+          <a:p>
+            <a:pPr marL="0" indent="0">
+              <a:buNone/>
+            </a:pPr>
+            <a:r>
+              <a:rPr lang="ru-RU" b="1" dirty="0">
+                <a:latin typeface="Times New Roman" panose="02020603050405020304" pitchFamily="18" charset="0"/>
+                <a:cs typeface="Times New Roman" panose="02020603050405020304" pitchFamily="18" charset="0"/>
+              </a:rPr>
+              <a:t>Выводы:</a:t>
+            </a:r>
+            <a:endParaRPr lang="ru-RU" dirty="0">
+              <a:latin typeface="Times New Roman" panose="02020603050405020304" pitchFamily="18" charset="0"/>
+              <a:cs typeface="Times New Roman" panose="02020603050405020304" pitchFamily="18" charset="0"/>
+            </a:endParaRPr>
+          </a:p>
+          <a:p>
+            <a:r>
+              <a:rPr lang="ru-RU" dirty="0">
+                <a:latin typeface="Times New Roman" panose="02020603050405020304" pitchFamily="18" charset="0"/>
+                <a:cs typeface="Times New Roman" panose="02020603050405020304" pitchFamily="18" charset="0"/>
+              </a:rPr>
+              <a:t>Цели достигнуты: создан прототип </a:t>
+            </a:r>
+            <a:r>
+              <a:rPr lang="ru-RU" dirty="0" err="1">
+                <a:latin typeface="Times New Roman" panose="02020603050405020304" pitchFamily="18" charset="0"/>
+                <a:cs typeface="Times New Roman" panose="02020603050405020304" pitchFamily="18" charset="0"/>
+              </a:rPr>
+              <a:t>мультибанковского</a:t>
+            </a:r>
+            <a:r>
+              <a:rPr lang="ru-RU" dirty="0">
+                <a:latin typeface="Times New Roman" panose="02020603050405020304" pitchFamily="18" charset="0"/>
+                <a:cs typeface="Times New Roman" panose="02020603050405020304" pitchFamily="18" charset="0"/>
+              </a:rPr>
+              <a:t> веб-сервиса с интеграцией 1С</a:t>
+            </a:r>
+          </a:p>
+          <a:p>
+            <a:pPr marL="0" indent="0">
+              <a:buNone/>
+            </a:pPr>
+            <a:r>
+              <a:rPr lang="ru-RU" b="1" dirty="0">
+                <a:latin typeface="Times New Roman" panose="02020603050405020304" pitchFamily="18" charset="0"/>
+                <a:cs typeface="Times New Roman" panose="02020603050405020304" pitchFamily="18" charset="0"/>
+              </a:rPr>
+              <a:t>Перспективы развития:</a:t>
+            </a:r>
+            <a:endParaRPr lang="ru-RU" dirty="0">
+              <a:latin typeface="Times New Roman" panose="02020603050405020304" pitchFamily="18" charset="0"/>
+              <a:cs typeface="Times New Roman" panose="02020603050405020304" pitchFamily="18" charset="0"/>
+            </a:endParaRPr>
+          </a:p>
+          <a:p>
+            <a:r>
+              <a:rPr lang="ru-RU" dirty="0">
+                <a:latin typeface="Times New Roman" panose="02020603050405020304" pitchFamily="18" charset="0"/>
+                <a:cs typeface="Times New Roman" panose="02020603050405020304" pitchFamily="18" charset="0"/>
+              </a:rPr>
+              <a:t>Внедрить двухфакторную аутентификацию</a:t>
+            </a:r>
+          </a:p>
+          <a:p>
+            <a:r>
+              <a:rPr lang="ru-RU" dirty="0">
+                <a:latin typeface="Times New Roman" panose="02020603050405020304" pitchFamily="18" charset="0"/>
+                <a:cs typeface="Times New Roman" panose="02020603050405020304" pitchFamily="18" charset="0"/>
+              </a:rPr>
+              <a:t>Добавить аналитику для банков</a:t>
+            </a:r>
+          </a:p>
+          <a:p>
+            <a:r>
+              <a:rPr lang="ru-RU" dirty="0">
+                <a:latin typeface="Times New Roman" panose="02020603050405020304" pitchFamily="18" charset="0"/>
+                <a:cs typeface="Times New Roman" panose="02020603050405020304" pitchFamily="18" charset="0"/>
+              </a:rPr>
+              <a:t>Интеграция с другими учетными системами (SAP, </a:t>
+            </a:r>
+            <a:r>
+              <a:rPr lang="ru-RU" dirty="0" err="1">
+                <a:latin typeface="Times New Roman" panose="02020603050405020304" pitchFamily="18" charset="0"/>
+                <a:cs typeface="Times New Roman" panose="02020603050405020304" pitchFamily="18" charset="0"/>
+              </a:rPr>
+              <a:t>Oracle</a:t>
+            </a:r>
+            <a:r>
+              <a:rPr lang="ru-RU" dirty="0">
+                <a:latin typeface="Times New Roman" panose="02020603050405020304" pitchFamily="18" charset="0"/>
+                <a:cs typeface="Times New Roman" panose="02020603050405020304" pitchFamily="18" charset="0"/>
+              </a:rPr>
+              <a:t>)</a:t>
+            </a:r>
+          </a:p>
+          <a:p>
+            <a:r>
+              <a:rPr lang="ru-RU" dirty="0">
+                <a:latin typeface="Times New Roman" panose="02020603050405020304" pitchFamily="18" charset="0"/>
+                <a:cs typeface="Times New Roman" panose="02020603050405020304" pitchFamily="18" charset="0"/>
+              </a:rPr>
+              <a:t>Мобильные приложения (</a:t>
+            </a:r>
+            <a:r>
+              <a:rPr lang="ru-RU" dirty="0" err="1">
+                <a:latin typeface="Times New Roman" panose="02020603050405020304" pitchFamily="18" charset="0"/>
+                <a:cs typeface="Times New Roman" panose="02020603050405020304" pitchFamily="18" charset="0"/>
+              </a:rPr>
+              <a:t>React</a:t>
+            </a:r>
+            <a:r>
+              <a:rPr lang="ru-RU" dirty="0">
+                <a:latin typeface="Times New Roman" panose="02020603050405020304" pitchFamily="18" charset="0"/>
+                <a:cs typeface="Times New Roman" panose="02020603050405020304" pitchFamily="18" charset="0"/>
+              </a:rPr>
+              <a:t> </a:t>
+            </a:r>
+            <a:r>
+              <a:rPr lang="ru-RU" dirty="0" err="1">
+                <a:latin typeface="Times New Roman" panose="02020603050405020304" pitchFamily="18" charset="0"/>
+                <a:cs typeface="Times New Roman" panose="02020603050405020304" pitchFamily="18" charset="0"/>
+              </a:rPr>
+              <a:t>Native</a:t>
+            </a:r>
+            <a:r>
+              <a:rPr lang="ru-RU" dirty="0">
+                <a:latin typeface="Times New Roman" panose="02020603050405020304" pitchFamily="18" charset="0"/>
+                <a:cs typeface="Times New Roman" panose="02020603050405020304" pitchFamily="18" charset="0"/>
+              </a:rPr>
+              <a:t>)</a:t>
+            </a:r>
+          </a:p>
+          <a:p>
+            <a:endParaRPr lang="ru-RU" dirty="0">
+              <a:latin typeface="Times New Roman" panose="02020603050405020304" pitchFamily="18" charset="0"/>
+              <a:cs typeface="Times New Roman" panose="02020603050405020304" pitchFamily="18" charset="0"/>
+            </a:endParaRPr>
+          </a:p>
+        </p:txBody>
+      </p:sp>
+      <p:sp>
+        <p:nvSpPr>
+          <p:cNvPr id="4" name="Номер слайда 3"/>
+          <p:cNvSpPr>
+            <a:spLocks noGrp="1"/>
+          </p:cNvSpPr>
+          <p:nvPr>
+            <p:ph type="sldNum" sz="quarter" idx="12"/>
+          </p:nvPr>
+        </p:nvSpPr>
+        <p:spPr/>
+        <p:txBody>
+          <a:bodyPr/>
+          <a:lstStyle/>
+          <a:p>
+            <a:fld id="{C1FF6DA9-008F-8B48-92A6-B652298478BF}" type="slidenum">
+              <a:rPr lang="en-US" sz="1600" smtClean="0"/>
+              <a:t>10</a:t>
+            </a:fld>
+            <a:endParaRPr lang="en-US" sz="1600" dirty="0"/>
+          </a:p>
+        </p:txBody>
+      </p:sp>
+    </p:spTree>
+    <p:extLst>
+      <p:ext uri="{BB962C8B-B14F-4D97-AF65-F5344CB8AC3E}">
+        <p14:creationId xmlns:p14="http://schemas.microsoft.com/office/powerpoint/2010/main" val="1751026053"/>
+      </p:ext>
+    </p:extLst>
+  </p:cSld>
+  <p:clrMapOvr>
+    <a:masterClrMapping/>
+  </p:clrMapOvr>
 </p:sld>
 </file>
 
@@ -3811,13 +4004,6 @@
               </a:rPr>
               <a:t>Цель:</a:t>
             </a:r>
-            <a:r>
-              <a:rPr lang="ru-RU" dirty="0">
-                <a:latin typeface="Times New Roman" panose="02020603050405020304" pitchFamily="18" charset="0"/>
-                <a:cs typeface="Times New Roman" panose="02020603050405020304" pitchFamily="18" charset="0"/>
-              </a:rPr>
-              <a:t/>
-            </a:r>
             <a:br>
               <a:rPr lang="ru-RU" dirty="0">
                 <a:latin typeface="Times New Roman" panose="02020603050405020304" pitchFamily="18" charset="0"/>
@@ -3825,18 +4011,11 @@
               </a:rPr>
             </a:br>
             <a:r>
-              <a:rPr lang="ru-RU" dirty="0" smtClean="0">
-                <a:latin typeface="Times New Roman" panose="02020603050405020304" pitchFamily="18" charset="0"/>
-                <a:cs typeface="Times New Roman" panose="02020603050405020304" pitchFamily="18" charset="0"/>
-              </a:rPr>
-              <a:t>Разработать прототип веб-сервиса </a:t>
-            </a:r>
-            <a:r>
               <a:rPr lang="ru-RU" dirty="0">
                 <a:latin typeface="Times New Roman" panose="02020603050405020304" pitchFamily="18" charset="0"/>
                 <a:cs typeface="Times New Roman" panose="02020603050405020304" pitchFamily="18" charset="0"/>
               </a:rPr>
-              <a:t>для </a:t>
+              <a:t>Разработать прототип веб-сервиса для </a:t>
             </a:r>
             <a:r>
               <a:rPr lang="ru-RU" dirty="0" err="1">
@@ -3871,7 +4050,7 @@
           </a:p>
           <a:p>
             <a:r>
-              <a:rPr lang="ru-RU" dirty="0" smtClean="0">
+              <a:rPr lang="ru-RU" dirty="0">
                 <a:latin typeface="Times New Roman" panose="02020603050405020304" pitchFamily="18" charset="0"/>
                 <a:cs typeface="Times New Roman" panose="02020603050405020304" pitchFamily="18" charset="0"/>
               </a:rPr>
@@ -3884,79 +4063,40 @@
                 <a:latin typeface="Times New Roman" panose="02020603050405020304" pitchFamily="18" charset="0"/>
                 <a:cs typeface="Times New Roman" panose="02020603050405020304" pitchFamily="18" charset="0"/>
               </a:rPr>
-              <a:t>Проанализировать существующие подходы к интеграции 1С с внешними системами</a:t>
-            </a:r>
-            <a:r>
-              <a:rPr lang="ru-RU" dirty="0" smtClean="0">
-                <a:latin typeface="Times New Roman" panose="02020603050405020304" pitchFamily="18" charset="0"/>
-                <a:cs typeface="Times New Roman" panose="02020603050405020304" pitchFamily="18" charset="0"/>
-              </a:rPr>
-              <a:t>.</a:t>
-            </a:r>
-          </a:p>
-          <a:p>
-            <a:r>
-              <a:rPr lang="ru-RU" dirty="0" smtClean="0">
-                <a:latin typeface="Times New Roman" panose="02020603050405020304" pitchFamily="18" charset="0"/>
-                <a:cs typeface="Times New Roman" panose="02020603050405020304" pitchFamily="18" charset="0"/>
-              </a:rPr>
-              <a:t>Реализовать </a:t>
-            </a:r>
+              <a:t>Проанализировать существующие подходы к интеграции 1С с внешними системами.</a:t>
+            </a:r>
+          </a:p>
+          <a:p>
             <a:r>
               <a:rPr lang="ru-RU" dirty="0">
                 <a:latin typeface="Times New Roman" panose="02020603050405020304" pitchFamily="18" charset="0"/>
                 <a:cs typeface="Times New Roman" panose="02020603050405020304" pitchFamily="18" charset="0"/>
               </a:rPr>
-              <a:t>REST API для обмена данными </a:t>
-            </a:r>
-            <a:r>
-              <a:rPr lang="ru-RU" dirty="0" smtClean="0">
-                <a:latin typeface="Times New Roman" panose="02020603050405020304" pitchFamily="18" charset="0"/>
-                <a:cs typeface="Times New Roman" panose="02020603050405020304" pitchFamily="18" charset="0"/>
-              </a:rPr>
-              <a:t>и модель </a:t>
-            </a:r>
+              <a:t>Реализовать REST API для обмена данными и модель БД.</a:t>
+            </a:r>
+          </a:p>
+          <a:p>
             <a:r>
               <a:rPr lang="ru-RU" dirty="0">
                 <a:latin typeface="Times New Roman" panose="02020603050405020304" pitchFamily="18" charset="0"/>
                 <a:cs typeface="Times New Roman" panose="02020603050405020304" pitchFamily="18" charset="0"/>
               </a:rPr>
-              <a:t>БД.</a:t>
-            </a:r>
-          </a:p>
-          <a:p>
+              <a:t>Разработать UI на </a:t>
+            </a:r>
+            <a:r>
+              <a:rPr lang="ru-RU" dirty="0" err="1">
+                <a:latin typeface="Times New Roman" panose="02020603050405020304" pitchFamily="18" charset="0"/>
+                <a:cs typeface="Times New Roman" panose="02020603050405020304" pitchFamily="18" charset="0"/>
+              </a:rPr>
+              <a:t>React</a:t>
+            </a:r>
             <a:r>
               <a:rPr lang="ru-RU" dirty="0">
                 <a:latin typeface="Times New Roman" panose="02020603050405020304" pitchFamily="18" charset="0"/>
                 <a:cs typeface="Times New Roman" panose="02020603050405020304" pitchFamily="18" charset="0"/>
               </a:rPr>
-              <a:t>Разработать UI на </a:t>
-            </a:r>
-            <a:r>
-              <a:rPr lang="ru-RU" dirty="0" err="1">
-                <a:latin typeface="Times New Roman" panose="02020603050405020304" pitchFamily="18" charset="0"/>
-                <a:cs typeface="Times New Roman" panose="02020603050405020304" pitchFamily="18" charset="0"/>
-              </a:rPr>
-              <a:t>React</a:t>
-            </a:r>
-            <a:r>
-              <a:rPr lang="ru-RU" dirty="0">
-                <a:latin typeface="Times New Roman" panose="02020603050405020304" pitchFamily="18" charset="0"/>
-                <a:cs typeface="Times New Roman" panose="02020603050405020304" pitchFamily="18" charset="0"/>
-              </a:rPr>
-              <a:t> для двух ролей: клиент и банк</a:t>
-            </a:r>
-            <a:r>
-              <a:rPr lang="ru-RU" dirty="0" smtClean="0">
-                <a:latin typeface="Times New Roman" panose="02020603050405020304" pitchFamily="18" charset="0"/>
-                <a:cs typeface="Times New Roman" panose="02020603050405020304" pitchFamily="18" charset="0"/>
-              </a:rPr>
-              <a:t>.</a:t>
-            </a:r>
-            <a:endParaRPr lang="ru-RU" dirty="0">
-              <a:latin typeface="Times New Roman" panose="02020603050405020304" pitchFamily="18" charset="0"/>
-              <a:cs typeface="Times New Roman" panose="02020603050405020304" pitchFamily="18" charset="0"/>
-            </a:endParaRPr>
+              <a:t> для двух ролей: клиент и банк.</a:t>
+            </a:r>
           </a:p>
         </p:txBody>
       </p:sp>
@@ -3993,13 +4133,6 @@
   <p:clrMapOvr>
     <a:masterClrMapping/>
   </p:clrMapOvr>
-  <p:timing>
-    <p:tnLst>
-      <p:par>
-        <p:cTn id="1" dur="indefinite" restart="never" nodeType="tmRoot"/>
-      </p:par>
-    </p:tnLst>
-  </p:timing>
 </p:sld>
 </file>
 
@@ -4127,7 +4260,7 @@
               <a:tabLst/>
             </a:pPr>
             <a:r>
-              <a:rPr kumimoji="0" lang="ru-RU" altLang="ru-RU" sz="2400" b="1" i="0" u="none" strike="noStrike" cap="none" normalizeH="0" baseline="0" dirty="0" smtClean="0">
+              <a:rPr kumimoji="0" lang="ru-RU" altLang="ru-RU" sz="2400" b="1" i="0" u="none" strike="noStrike" cap="none" normalizeH="0" baseline="0" dirty="0">
                 <a:ln>
                   <a:noFill/>
                 </a:ln>
@@ -4141,7 +4274,7 @@
               <a:t>Интеграция 1С:</a:t>
             </a:r>
             <a:r>
-              <a:rPr kumimoji="0" lang="ru-RU" altLang="ru-RU" sz="2400" b="0" i="0" u="none" strike="noStrike" cap="none" normalizeH="0" baseline="0" dirty="0" smtClean="0">
+              <a:rPr kumimoji="0" lang="ru-RU" altLang="ru-RU" sz="2400" b="0" i="0" u="none" strike="noStrike" cap="none" normalizeH="0" baseline="0" dirty="0">
                 <a:ln>
                   <a:noFill/>
                 </a:ln>
@@ -4154,7 +4287,7 @@
               </a:rPr>
               <a:t> REST API, внешние обработки</a:t>
             </a:r>
-            <a:endParaRPr kumimoji="0" lang="en-US" altLang="ru-RU" sz="2400" b="0" i="0" u="none" strike="noStrike" cap="none" normalizeH="0" baseline="0" dirty="0" smtClean="0">
+            <a:endParaRPr kumimoji="0" lang="en-US" altLang="ru-RU" sz="2400" b="0" i="0" u="none" strike="noStrike" cap="none" normalizeH="0" baseline="0" dirty="0">
               <a:ln>
                 <a:noFill/>
               </a:ln>
@@ -4184,7 +4317,7 @@
               <a:tabLst/>
             </a:pPr>
             <a:r>
-              <a:rPr kumimoji="0" lang="ru-RU" altLang="ru-RU" sz="2400" b="1" i="0" u="none" strike="noStrike" cap="none" normalizeH="0" baseline="0" dirty="0" smtClean="0">
+              <a:rPr kumimoji="0" lang="ru-RU" altLang="ru-RU" sz="2400" b="1" i="0" u="none" strike="noStrike" cap="none" normalizeH="0" baseline="0" dirty="0">
                 <a:ln>
                   <a:noFill/>
                 </a:ln>
@@ -4197,8 +4330,8 @@
               </a:rPr>
               <a:t>Документооборот при кредитовании:</a:t>
             </a:r>
-            <a:r>
-              <a:rPr kumimoji="0" lang="ru-RU" altLang="ru-RU" sz="2400" b="0" i="0" u="none" strike="noStrike" cap="none" normalizeH="0" baseline="0" dirty="0" smtClean="0">
+            <a:br>
+              <a:rPr kumimoji="0" lang="ru-RU" altLang="ru-RU" sz="2400" b="0" i="0" u="none" strike="noStrike" cap="none" normalizeH="0" baseline="0" dirty="0">
                 <a:ln>
                   <a:noFill/>
                 </a:ln>
@@ -4209,10 +4342,9 @@
                 <a:latin typeface="Times New Roman" panose="02020603050405020304" pitchFamily="18" charset="0"/>
                 <a:cs typeface="Times New Roman" panose="02020603050405020304" pitchFamily="18" charset="0"/>
               </a:rPr>
-              <a:t/>
-            </a:r>
-            <a:br>
-              <a:rPr kumimoji="0" lang="ru-RU" altLang="ru-RU" sz="2400" b="0" i="0" u="none" strike="noStrike" cap="none" normalizeH="0" baseline="0" dirty="0" smtClean="0">
+            </a:br>
+            <a:r>
+              <a:rPr kumimoji="0" lang="ru-RU" altLang="ru-RU" sz="2400" b="0" i="0" u="none" strike="noStrike" cap="none" normalizeH="0" baseline="0" dirty="0">
                 <a:ln>
                   <a:noFill/>
                 </a:ln>
@@ -4223,9 +4355,10 @@
                 <a:latin typeface="Times New Roman" panose="02020603050405020304" pitchFamily="18" charset="0"/>
                 <a:cs typeface="Times New Roman" panose="02020603050405020304" pitchFamily="18" charset="0"/>
               </a:rPr>
-            </a:br>
-            <a:r>
-              <a:rPr kumimoji="0" lang="ru-RU" altLang="ru-RU" sz="2400" b="0" i="0" u="none" strike="noStrike" cap="none" normalizeH="0" baseline="0" dirty="0" smtClean="0">
+              <a:t>– Балансы, ОСВ</a:t>
+            </a:r>
+            <a:r>
+              <a:rPr kumimoji="0" lang="en-US" altLang="ru-RU" sz="2400" b="0" i="0" u="none" strike="noStrike" cap="none" normalizeH="0" baseline="0" dirty="0">
                 <a:ln>
                   <a:noFill/>
                 </a:ln>
@@ -4236,10 +4369,10 @@
                 <a:latin typeface="Times New Roman" panose="02020603050405020304" pitchFamily="18" charset="0"/>
                 <a:cs typeface="Times New Roman" panose="02020603050405020304" pitchFamily="18" charset="0"/>
               </a:rPr>
-              <a:t>– Балансы, ОСВ</a:t>
-            </a:r>
-            <a:r>
-              <a:rPr kumimoji="0" lang="en-US" altLang="ru-RU" sz="2400" b="0" i="0" u="none" strike="noStrike" cap="none" normalizeH="0" baseline="0" dirty="0" smtClean="0">
+              <a:t>,</a:t>
+            </a:r>
+            <a:r>
+              <a:rPr kumimoji="0" lang="ru-RU" altLang="ru-RU" sz="2400" b="0" i="0" u="none" strike="noStrike" cap="none" normalizeH="0" baseline="0" dirty="0">
                 <a:ln>
                   <a:noFill/>
                 </a:ln>
@@ -4250,10 +4383,10 @@
                 <a:latin typeface="Times New Roman" panose="02020603050405020304" pitchFamily="18" charset="0"/>
                 <a:cs typeface="Times New Roman" panose="02020603050405020304" pitchFamily="18" charset="0"/>
               </a:rPr>
-              <a:t>,</a:t>
-            </a:r>
-            <a:r>
-              <a:rPr kumimoji="0" lang="ru-RU" altLang="ru-RU" sz="2400" b="0" i="0" u="none" strike="noStrike" cap="none" normalizeH="0" baseline="0" dirty="0" smtClean="0">
+              <a:t> автоматизация в</a:t>
+            </a:r>
+            <a:r>
+              <a:rPr kumimoji="0" lang="ru-RU" altLang="ru-RU" sz="2400" b="0" i="0" u="none" strike="noStrike" cap="none" normalizeH="0" dirty="0">
                 <a:ln>
                   <a:noFill/>
                 </a:ln>
@@ -4264,23 +4397,9 @@
                 <a:latin typeface="Times New Roman" panose="02020603050405020304" pitchFamily="18" charset="0"/>
                 <a:cs typeface="Times New Roman" panose="02020603050405020304" pitchFamily="18" charset="0"/>
               </a:rPr>
-              <a:t> автоматизация в</a:t>
-            </a:r>
-            <a:r>
-              <a:rPr kumimoji="0" lang="ru-RU" altLang="ru-RU" sz="2400" b="0" i="0" u="none" strike="noStrike" cap="none" normalizeH="0" dirty="0" smtClean="0">
-                <a:ln>
-                  <a:noFill/>
-                </a:ln>
-                <a:solidFill>
-                  <a:schemeClr val="tx1"/>
-                </a:solidFill>
-                <a:effectLst/>
-                <a:latin typeface="Times New Roman" panose="02020603050405020304" pitchFamily="18" charset="0"/>
-                <a:cs typeface="Times New Roman" panose="02020603050405020304" pitchFamily="18" charset="0"/>
-              </a:rPr>
               <a:t> существующей системе</a:t>
             </a:r>
-            <a:endParaRPr kumimoji="0" lang="ru-RU" altLang="ru-RU" sz="2400" b="0" i="0" u="none" strike="noStrike" cap="none" normalizeH="0" baseline="0" dirty="0" smtClean="0">
+            <a:endParaRPr kumimoji="0" lang="ru-RU" altLang="ru-RU" sz="2400" b="0" i="0" u="none" strike="noStrike" cap="none" normalizeH="0" baseline="0" dirty="0">
               <a:ln>
                 <a:noFill/>
               </a:ln>
@@ -4310,7 +4429,7 @@
               <a:tabLst/>
             </a:pPr>
             <a:r>
-              <a:rPr kumimoji="0" lang="ru-RU" altLang="ru-RU" sz="2400" b="1" i="0" u="none" strike="noStrike" cap="none" normalizeH="0" baseline="0" dirty="0" err="1" smtClean="0">
+              <a:rPr kumimoji="0" lang="ru-RU" altLang="ru-RU" sz="2400" b="1" i="0" u="none" strike="noStrike" cap="none" normalizeH="0" baseline="0" dirty="0" err="1">
                 <a:ln>
                   <a:noFill/>
                 </a:ln>
@@ -4324,7 +4443,7 @@
               <a:t>Мультибанковская</a:t>
             </a:r>
             <a:r>
-              <a:rPr kumimoji="0" lang="ru-RU" altLang="ru-RU" sz="2400" b="1" i="0" u="none" strike="noStrike" cap="none" normalizeH="0" baseline="0" dirty="0" smtClean="0">
+              <a:rPr kumimoji="0" lang="ru-RU" altLang="ru-RU" sz="2400" b="1" i="0" u="none" strike="noStrike" cap="none" normalizeH="0" baseline="0" dirty="0">
                 <a:ln>
                   <a:noFill/>
                 </a:ln>
@@ -4337,8 +4456,8 @@
               </a:rPr>
               <a:t> модель:</a:t>
             </a:r>
-            <a:r>
-              <a:rPr kumimoji="0" lang="ru-RU" altLang="ru-RU" sz="2400" b="0" i="0" u="none" strike="noStrike" cap="none" normalizeH="0" baseline="0" dirty="0" smtClean="0">
+            <a:br>
+              <a:rPr kumimoji="0" lang="ru-RU" altLang="ru-RU" sz="2400" b="0" i="0" u="none" strike="noStrike" cap="none" normalizeH="0" baseline="0" dirty="0">
                 <a:ln>
                   <a:noFill/>
                 </a:ln>
@@ -4349,10 +4468,9 @@
                 <a:latin typeface="Times New Roman" panose="02020603050405020304" pitchFamily="18" charset="0"/>
                 <a:cs typeface="Times New Roman" panose="02020603050405020304" pitchFamily="18" charset="0"/>
               </a:rPr>
-              <a:t/>
-            </a:r>
-            <a:br>
-              <a:rPr kumimoji="0" lang="ru-RU" altLang="ru-RU" sz="2400" b="0" i="0" u="none" strike="noStrike" cap="none" normalizeH="0" baseline="0" dirty="0" smtClean="0">
+            </a:br>
+            <a:r>
+              <a:rPr kumimoji="0" lang="ru-RU" altLang="ru-RU" sz="2400" b="0" i="0" u="none" strike="noStrike" cap="none" normalizeH="0" baseline="0" dirty="0">
                 <a:ln>
                   <a:noFill/>
                 </a:ln>
@@ -4363,19 +4481,6 @@
                 <a:latin typeface="Times New Roman" panose="02020603050405020304" pitchFamily="18" charset="0"/>
                 <a:cs typeface="Times New Roman" panose="02020603050405020304" pitchFamily="18" charset="0"/>
               </a:rPr>
-            </a:br>
-            <a:r>
-              <a:rPr kumimoji="0" lang="ru-RU" altLang="ru-RU" sz="2400" b="0" i="0" u="none" strike="noStrike" cap="none" normalizeH="0" baseline="0" dirty="0" smtClean="0">
-                <a:ln>
-                  <a:noFill/>
-                </a:ln>
-                <a:solidFill>
-                  <a:schemeClr val="tx1"/>
-                </a:solidFill>
-                <a:effectLst/>
-                <a:latin typeface="Times New Roman" panose="02020603050405020304" pitchFamily="18" charset="0"/>
-                <a:cs typeface="Times New Roman" panose="02020603050405020304" pitchFamily="18" charset="0"/>
-              </a:rPr>
               <a:t>– Подача одной заявки в несколько банков, конкурентный подбор</a:t>
             </a:r>
           </a:p>
@@ -4409,13 +4514,6 @@
   <p:clrMapOvr>
     <a:masterClrMapping/>
   </p:clrMapOvr>
-  <p:timing>
-    <p:tnLst>
-      <p:par>
-        <p:cTn id="1" dur="indefinite" restart="never" nodeType="tmRoot"/>
-      </p:par>
-    </p:tnLst>
-  </p:timing>
 </p:sld>
 </file>
 
@@ -4500,21 +4598,21 @@
               <a:t> </a:t>
             </a:r>
             <a:r>
-              <a:rPr lang="ru-RU" dirty="0" smtClean="0">
+              <a:rPr lang="ru-RU" dirty="0">
                 <a:latin typeface="Times New Roman" panose="02020603050405020304" pitchFamily="18" charset="0"/>
                 <a:cs typeface="Times New Roman" panose="02020603050405020304" pitchFamily="18" charset="0"/>
               </a:rPr>
               <a:t>библиотека </a:t>
             </a:r>
             <a:r>
-              <a:rPr lang="en-US" dirty="0" smtClean="0">
+              <a:rPr lang="en-US" dirty="0">
                 <a:latin typeface="Times New Roman" panose="02020603050405020304" pitchFamily="18" charset="0"/>
                 <a:cs typeface="Times New Roman" panose="02020603050405020304" pitchFamily="18" charset="0"/>
               </a:rPr>
               <a:t>React</a:t>
             </a:r>
             <a:r>
-              <a:rPr lang="ru-RU" dirty="0" smtClean="0">
+              <a:rPr lang="ru-RU" dirty="0">
                 <a:latin typeface="Times New Roman" panose="02020603050405020304" pitchFamily="18" charset="0"/>
                 <a:cs typeface="Times New Roman" panose="02020603050405020304" pitchFamily="18" charset="0"/>
               </a:rPr>
@@ -4526,18 +4624,11 @@
               <a:buNone/>
             </a:pPr>
             <a:r>
-              <a:rPr lang="en-US" b="1" dirty="0" smtClean="0">
-                <a:latin typeface="Times New Roman" panose="02020603050405020304" pitchFamily="18" charset="0"/>
-                <a:cs typeface="Times New Roman" panose="02020603050405020304" pitchFamily="18" charset="0"/>
-              </a:rPr>
-              <a:t>Backend</a:t>
-            </a:r>
-            <a:r>
               <a:rPr lang="en-US" b="1" dirty="0">
                 <a:latin typeface="Times New Roman" panose="02020603050405020304" pitchFamily="18" charset="0"/>
                 <a:cs typeface="Times New Roman" panose="02020603050405020304" pitchFamily="18" charset="0"/>
               </a:rPr>
-              <a:t>:</a:t>
+              <a:t>Backend:</a:t>
             </a:r>
             <a:r>
               <a:rPr lang="en-US" dirty="0">
@@ -4547,27 +4638,27 @@
               <a:t> </a:t>
             </a:r>
             <a:r>
-              <a:rPr lang="ru-RU" dirty="0" err="1" smtClean="0">
+              <a:rPr lang="ru-RU" dirty="0" err="1">
                 <a:latin typeface="Times New Roman" panose="02020603050405020304" pitchFamily="18" charset="0"/>
                 <a:cs typeface="Times New Roman" panose="02020603050405020304" pitchFamily="18" charset="0"/>
               </a:rPr>
               <a:t>фреймворк</a:t>
             </a:r>
             <a:r>
-              <a:rPr lang="ru-RU" dirty="0" smtClean="0">
+              <a:rPr lang="ru-RU" dirty="0">
                 <a:latin typeface="Times New Roman" panose="02020603050405020304" pitchFamily="18" charset="0"/>
                 <a:cs typeface="Times New Roman" panose="02020603050405020304" pitchFamily="18" charset="0"/>
               </a:rPr>
               <a:t> </a:t>
             </a:r>
             <a:r>
-              <a:rPr lang="en-US" dirty="0" smtClean="0">
+              <a:rPr lang="en-US" dirty="0">
                 <a:latin typeface="Times New Roman" panose="02020603050405020304" pitchFamily="18" charset="0"/>
                 <a:cs typeface="Times New Roman" panose="02020603050405020304" pitchFamily="18" charset="0"/>
               </a:rPr>
               <a:t>Express.js</a:t>
             </a:r>
-            <a:endParaRPr lang="ru-RU" dirty="0" smtClean="0">
+            <a:endParaRPr lang="ru-RU" dirty="0">
               <a:latin typeface="Times New Roman" panose="02020603050405020304" pitchFamily="18" charset="0"/>
               <a:cs typeface="Times New Roman" panose="02020603050405020304" pitchFamily="18" charset="0"/>
             </a:endParaRPr>
@@ -4577,18 +4668,11 @@
               <a:buNone/>
             </a:pPr>
             <a:r>
-              <a:rPr lang="ru-RU" b="1" dirty="0" smtClean="0">
-                <a:latin typeface="Times New Roman" panose="02020603050405020304" pitchFamily="18" charset="0"/>
-                <a:cs typeface="Times New Roman" panose="02020603050405020304" pitchFamily="18" charset="0"/>
-              </a:rPr>
-              <a:t>База </a:t>
-            </a:r>
-            <a:r>
               <a:rPr lang="ru-RU" b="1" dirty="0">
                 <a:latin typeface="Times New Roman" panose="02020603050405020304" pitchFamily="18" charset="0"/>
                 <a:cs typeface="Times New Roman" panose="02020603050405020304" pitchFamily="18" charset="0"/>
               </a:rPr>
-              <a:t>данных:</a:t>
+              <a:t>База данных:</a:t>
             </a:r>
             <a:r>
               <a:rPr lang="ru-RU" dirty="0">
@@ -4598,13 +4682,13 @@
               <a:t> </a:t>
             </a:r>
             <a:r>
-              <a:rPr lang="en-US" dirty="0" smtClean="0">
+              <a:rPr lang="en-US" dirty="0">
                 <a:latin typeface="Times New Roman" panose="02020603050405020304" pitchFamily="18" charset="0"/>
                 <a:cs typeface="Times New Roman" panose="02020603050405020304" pitchFamily="18" charset="0"/>
               </a:rPr>
               <a:t>PostgreSQL</a:t>
             </a:r>
-            <a:endParaRPr lang="ru-RU" dirty="0" smtClean="0">
+            <a:endParaRPr lang="ru-RU" dirty="0">
               <a:latin typeface="Times New Roman" panose="02020603050405020304" pitchFamily="18" charset="0"/>
               <a:cs typeface="Times New Roman" panose="02020603050405020304" pitchFamily="18" charset="0"/>
             </a:endParaRPr>
@@ -4614,18 +4698,11 @@
               <a:buNone/>
             </a:pPr>
             <a:r>
-              <a:rPr lang="ru-RU" b="1" dirty="0" smtClean="0">
-                <a:latin typeface="Times New Roman" panose="02020603050405020304" pitchFamily="18" charset="0"/>
-                <a:cs typeface="Times New Roman" panose="02020603050405020304" pitchFamily="18" charset="0"/>
-              </a:rPr>
-              <a:t>Интеграция</a:t>
-            </a:r>
-            <a:r>
               <a:rPr lang="ru-RU" b="1" dirty="0">
                 <a:latin typeface="Times New Roman" panose="02020603050405020304" pitchFamily="18" charset="0"/>
                 <a:cs typeface="Times New Roman" panose="02020603050405020304" pitchFamily="18" charset="0"/>
               </a:rPr>
-              <a:t>:</a:t>
+              <a:t>Интеграция:</a:t>
             </a:r>
             <a:r>
               <a:rPr lang="ru-RU" dirty="0">
@@ -4635,21 +4712,21 @@
               <a:t> </a:t>
             </a:r>
             <a:r>
-              <a:rPr lang="en-US" dirty="0" smtClean="0">
+              <a:rPr lang="en-US" dirty="0">
                 <a:latin typeface="Times New Roman" panose="02020603050405020304" pitchFamily="18" charset="0"/>
                 <a:cs typeface="Times New Roman" panose="02020603050405020304" pitchFamily="18" charset="0"/>
               </a:rPr>
               <a:t>HTTP </a:t>
             </a:r>
             <a:r>
-              <a:rPr lang="ru-RU" dirty="0" smtClean="0">
+              <a:rPr lang="ru-RU" dirty="0">
                 <a:latin typeface="Times New Roman" panose="02020603050405020304" pitchFamily="18" charset="0"/>
                 <a:cs typeface="Times New Roman" panose="02020603050405020304" pitchFamily="18" charset="0"/>
               </a:rPr>
               <a:t>сервис </a:t>
             </a:r>
             <a:r>
-              <a:rPr lang="en-US" dirty="0" smtClean="0">
+              <a:rPr lang="en-US" dirty="0">
                 <a:latin typeface="Times New Roman" panose="02020603050405020304" pitchFamily="18" charset="0"/>
                 <a:cs typeface="Times New Roman" panose="02020603050405020304" pitchFamily="18" charset="0"/>
               </a:rPr>
@@ -4663,13 +4740,13 @@
               <a:t>С, </a:t>
             </a:r>
             <a:r>
-              <a:rPr lang="en-US" dirty="0" smtClean="0">
+              <a:rPr lang="en-US" dirty="0">
                 <a:latin typeface="Times New Roman" panose="02020603050405020304" pitchFamily="18" charset="0"/>
                 <a:cs typeface="Times New Roman" panose="02020603050405020304" pitchFamily="18" charset="0"/>
               </a:rPr>
               <a:t>JSON</a:t>
             </a:r>
-            <a:endParaRPr lang="ru-RU" dirty="0" smtClean="0">
+            <a:endParaRPr lang="ru-RU" dirty="0">
               <a:latin typeface="Times New Roman" panose="02020603050405020304" pitchFamily="18" charset="0"/>
               <a:cs typeface="Times New Roman" panose="02020603050405020304" pitchFamily="18" charset="0"/>
             </a:endParaRPr>
@@ -4704,13 +4781,6 @@
   <p:clrMapOvr>
     <a:masterClrMapping/>
   </p:clrMapOvr>
-  <p:timing>
-    <p:tnLst>
-      <p:par>
-        <p:cTn id="1" dur="indefinite" restart="never" nodeType="tmRoot"/>
-      </p:par>
-    </p:tnLst>
-  </p:timing>
 </p:sld>
 </file>
 
@@ -4990,13 +5060,6 @@
   <p:clrMapOvr>
     <a:masterClrMapping/>
   </p:clrMapOvr>
-  <p:timing>
-    <p:tnLst>
-      <p:par>
-        <p:cTn id="1" dur="indefinite" restart="never" nodeType="tmRoot"/>
-      </p:par>
-    </p:tnLst>
-  </p:timing>
 </p:sld>
 </file>
 
@@ -5256,13 +5319,6 @@
   <p:clrMapOvr>
     <a:masterClrMapping/>
   </p:clrMapOvr>
-  <p:timing>
-    <p:tnLst>
-      <p:par>
-        <p:cTn id="1" dur="indefinite" restart="never" nodeType="tmRoot"/>
-      </p:par>
-    </p:tnLst>
-  </p:timing>
 </p:sld>
 </file>
 
@@ -5285,7 +5341,13 @@
       </p:grpSpPr>
       <p:sp>
         <p:nvSpPr>
-          <p:cNvPr id="2" name="Title 1"/>
+          <p:cNvPr id="2" name="Заголовок 1">
+            <a:extLst>
+              <a:ext uri="{FF2B5EF4-FFF2-40B4-BE49-F238E27FC236}">
+                <a16:creationId xmlns:a16="http://schemas.microsoft.com/office/drawing/2014/main" id="{8DE7FB36-9905-40E2-B4AC-5314AB9F4602}"/>
+              </a:ext>
+            </a:extLst>
+          </p:cNvPr>
           <p:cNvSpPr>
             <a:spLocks noGrp="1"/>
           </p:cNvSpPr>
@@ -5293,7 +5355,12 @@
             <p:ph type="title"/>
           </p:nvPr>
         </p:nvSpPr>
-        <p:spPr/>
+        <p:spPr>
+          <a:xfrm>
+            <a:off x="393192" y="-209994"/>
+            <a:ext cx="8229600" cy="1143000"/>
+          </a:xfrm>
+        </p:spPr>
         <p:txBody>
           <a:bodyPr>
             <a:normAutofit/>
@@ -5301,400 +5368,212 @@
           <a:lstStyle/>
           <a:p>
             <a:r>
-              <a:rPr lang="ru-RU" dirty="0">
-                <a:latin typeface="Times New Roman" panose="02020603050405020304" pitchFamily="18" charset="0"/>
-                <a:cs typeface="Times New Roman" panose="02020603050405020304" pitchFamily="18" charset="0"/>
-              </a:rPr>
-              <a:t>Пользовательский интерфейс</a:t>
-            </a:r>
-            <a:endParaRPr b="1" dirty="0">
-              <a:latin typeface="Times New Roman" panose="02020603050405020304" pitchFamily="18" charset="0"/>
-              <a:cs typeface="Times New Roman" panose="02020603050405020304" pitchFamily="18" charset="0"/>
-            </a:endParaRPr>
-          </a:p>
-        </p:txBody>
-      </p:sp>
-      <p:sp>
-        <p:nvSpPr>
-          <p:cNvPr id="5" name="Rectangle 2"/>
-          <p:cNvSpPr>
-            <a:spLocks noGrp="1" noChangeArrowheads="1"/>
-          </p:cNvSpPr>
-          <p:nvPr>
-            <p:ph idx="1"/>
-          </p:nvPr>
-        </p:nvSpPr>
-        <p:spPr bwMode="auto">
+              <a:rPr lang="ru-RU" dirty="0" err="1"/>
+              <a:t>Эндпоинты</a:t>
+            </a:r>
+            <a:endParaRPr lang="ru-RU" dirty="0"/>
+          </a:p>
+        </p:txBody>
+      </p:sp>
+      <p:sp>
+        <p:nvSpPr>
+          <p:cNvPr id="3" name="Номер слайда 2">
+            <a:extLst>
+              <a:ext uri="{FF2B5EF4-FFF2-40B4-BE49-F238E27FC236}">
+                <a16:creationId xmlns:a16="http://schemas.microsoft.com/office/drawing/2014/main" id="{DAC3F404-33FF-4E35-AFA5-BAB03AC2EF08}"/>
+              </a:ext>
+            </a:extLst>
+          </p:cNvPr>
+          <p:cNvSpPr>
+            <a:spLocks noGrp="1"/>
+          </p:cNvSpPr>
+          <p:nvPr>
+            <p:ph type="sldNum" sz="quarter" idx="12"/>
+          </p:nvPr>
+        </p:nvSpPr>
+        <p:spPr/>
+        <p:txBody>
+          <a:bodyPr/>
+          <a:lstStyle/>
+          <a:p>
+            <a:fld id="{C1FF6DA9-008F-8B48-92A6-B652298478BF}" type="slidenum">
+              <a:rPr lang="en-US" smtClean="0"/>
+              <a:t>7</a:t>
+            </a:fld>
+            <a:endParaRPr lang="en-US"/>
+          </a:p>
+        </p:txBody>
+      </p:sp>
+      <p:pic>
+        <p:nvPicPr>
+          <p:cNvPr id="5" name="Рисунок 4">
+            <a:extLst>
+              <a:ext uri="{FF2B5EF4-FFF2-40B4-BE49-F238E27FC236}">
+                <a16:creationId xmlns:a16="http://schemas.microsoft.com/office/drawing/2014/main" id="{3B3C0646-51BB-483F-8D15-18A7ADBE3403}"/>
+              </a:ext>
+            </a:extLst>
+          </p:cNvPr>
+          <p:cNvPicPr>
+            <a:picLocks noChangeAspect="1"/>
+          </p:cNvPicPr>
+          <p:nvPr/>
+        </p:nvPicPr>
+        <p:blipFill rotWithShape="1">
+          <a:blip r:embed="rId2"/>
+          <a:srcRect l="9199" t="1866" r="5000" b="1276"/>
+          <a:stretch/>
+        </p:blipFill>
+        <p:spPr>
           <a:xfrm>
-            <a:off x="310896" y="2468183"/>
-            <a:ext cx="8375904" cy="2246769"/>
+            <a:off x="221359" y="658368"/>
+            <a:ext cx="8701282" cy="5771135"/>
+          </a:xfrm>
+          <a:prstGeom prst="rect">
+            <a:avLst/>
+          </a:prstGeom>
+        </p:spPr>
+      </p:pic>
+    </p:spTree>
+    <p:extLst>
+      <p:ext uri="{BB962C8B-B14F-4D97-AF65-F5344CB8AC3E}">
+        <p14:creationId xmlns:p14="http://schemas.microsoft.com/office/powerpoint/2010/main" val="2887481809"/>
+      </p:ext>
+    </p:extLst>
+  </p:cSld>
+  <p:clrMapOvr>
+    <a:masterClrMapping/>
+  </p:clrMapOvr>
+</p:sld>
+</file>
+
+<file path=ppt/slides/slide8.xml><?xml version="1.0" encoding="utf-8"?>
+<p:sld xmlns:a="http://schemas.openxmlformats.org/drawingml/2006/main" xmlns:r="http://schemas.openxmlformats.org/officeDocument/2006/relationships" xmlns:p="http://schemas.openxmlformats.org/presentationml/2006/main">
+  <p:cSld>
+    <p:spTree>
+      <p:nvGrpSpPr>
+        <p:cNvPr id="1" name=""/>
+        <p:cNvGrpSpPr/>
+        <p:nvPr/>
+      </p:nvGrpSpPr>
+      <p:grpSpPr>
+        <a:xfrm>
+          <a:off x="0" y="0"/>
+          <a:ext cx="0" cy="0"/>
+          <a:chOff x="0" y="0"/>
+          <a:chExt cx="0" cy="0"/>
+        </a:xfrm>
+      </p:grpSpPr>
+      <p:sp>
+        <p:nvSpPr>
+          <p:cNvPr id="2" name="Номер слайда 1">
+            <a:extLst>
+              <a:ext uri="{FF2B5EF4-FFF2-40B4-BE49-F238E27FC236}">
+                <a16:creationId xmlns:a16="http://schemas.microsoft.com/office/drawing/2014/main" id="{2DDB2B8F-9CD8-446A-8CEB-B3DA4794064D}"/>
+              </a:ext>
+            </a:extLst>
+          </p:cNvPr>
+          <p:cNvSpPr>
+            <a:spLocks noGrp="1"/>
+          </p:cNvSpPr>
+          <p:nvPr>
+            <p:ph type="sldNum" sz="quarter" idx="12"/>
+          </p:nvPr>
+        </p:nvSpPr>
+        <p:spPr/>
+        <p:txBody>
+          <a:bodyPr/>
+          <a:lstStyle/>
+          <a:p>
+            <a:fld id="{C1FF6DA9-008F-8B48-92A6-B652298478BF}" type="slidenum">
+              <a:rPr lang="en-US" smtClean="0"/>
+              <a:t>8</a:t>
+            </a:fld>
+            <a:endParaRPr lang="en-US"/>
+          </a:p>
+        </p:txBody>
+      </p:sp>
+      <p:pic>
+        <p:nvPicPr>
+          <p:cNvPr id="6" name="Рисунок 5">
+            <a:extLst>
+              <a:ext uri="{FF2B5EF4-FFF2-40B4-BE49-F238E27FC236}">
+                <a16:creationId xmlns:a16="http://schemas.microsoft.com/office/drawing/2014/main" id="{40077A90-FE69-40F7-8AAD-18D83FBBD29E}"/>
+              </a:ext>
+            </a:extLst>
+          </p:cNvPr>
+          <p:cNvPicPr>
+            <a:picLocks noChangeAspect="1"/>
+          </p:cNvPicPr>
+          <p:nvPr/>
+        </p:nvPicPr>
+        <p:blipFill>
+          <a:blip r:embed="rId2"/>
+          <a:stretch>
+            <a:fillRect/>
+          </a:stretch>
+        </p:blipFill>
+        <p:spPr>
+          <a:xfrm>
+            <a:off x="457200" y="136525"/>
+            <a:ext cx="8009725" cy="6858000"/>
+          </a:xfrm>
+          <a:prstGeom prst="rect">
+            <a:avLst/>
+          </a:prstGeom>
+        </p:spPr>
+      </p:pic>
+      <p:sp>
+        <p:nvSpPr>
+          <p:cNvPr id="7" name="TextBox 6">
+            <a:extLst>
+              <a:ext uri="{FF2B5EF4-FFF2-40B4-BE49-F238E27FC236}">
+                <a16:creationId xmlns:a16="http://schemas.microsoft.com/office/drawing/2014/main" id="{200C21FB-F3EE-4F86-B76A-CCA7BB6F112A}"/>
+              </a:ext>
+            </a:extLst>
+          </p:cNvPr>
+          <p:cNvSpPr txBox="1"/>
+          <p:nvPr/>
+        </p:nvSpPr>
+        <p:spPr>
+          <a:xfrm>
+            <a:off x="304800" y="4714678"/>
+            <a:ext cx="4267200" cy="1323439"/>
           </a:xfrm>
           <a:prstGeom prst="rect">
             <a:avLst/>
           </a:prstGeom>
           <a:noFill/>
-          <a:ln>
-            <a:noFill/>
-          </a:ln>
-          <a:effectLst/>
-          <a:extLst>
-            <a:ext uri="{909E8E84-426E-40DD-AFC4-6F175D3DCCD1}">
-              <a14:hiddenFill xmlns:a14="http://schemas.microsoft.com/office/drawing/2010/main">
-                <a:solidFill>
-                  <a:schemeClr val="accent1"/>
-                </a:solidFill>
-              </a14:hiddenFill>
-            </a:ext>
-            <a:ext uri="{91240B29-F687-4F45-9708-019B960494DF}">
-              <a14:hiddenLine xmlns:a14="http://schemas.microsoft.com/office/drawing/2010/main" w="9525">
-                <a:solidFill>
-                  <a:schemeClr val="tx1"/>
-                </a:solidFill>
-                <a:miter lim="800000"/>
-                <a:headEnd/>
-                <a:tailEnd/>
-              </a14:hiddenLine>
-            </a:ext>
-            <a:ext uri="{AF507438-7753-43E0-B8FC-AC1667EBCBE1}">
-              <a14:hiddenEffects xmlns:a14="http://schemas.microsoft.com/office/drawing/2010/main">
-                <a:effectLst>
-                  <a:outerShdw dist="35921" dir="2700000" algn="ctr" rotWithShape="0">
-                    <a:schemeClr val="bg2"/>
-                  </a:outerShdw>
-                </a:effectLst>
-              </a14:hiddenEffects>
-            </a:ext>
-          </a:extLst>
         </p:spPr>
         <p:txBody>
-          <a:bodyPr vert="horz" wrap="square" lIns="91440" tIns="45720" rIns="91440" bIns="45720" numCol="1" anchor="ctr" anchorCtr="0" compatLnSpc="1">
-            <a:prstTxWarp prst="textNoShape">
-              <a:avLst/>
-            </a:prstTxWarp>
+          <a:bodyPr wrap="square" rtlCol="0">
             <a:spAutoFit/>
           </a:bodyPr>
           <a:lstStyle/>
           <a:p>
-            <a:pPr marL="0" marR="0" lvl="0" indent="0" algn="l" defTabSz="914400" rtl="0" eaLnBrk="0" fontAlgn="base" latinLnBrk="0" hangingPunct="0">
-              <a:lnSpc>
-                <a:spcPct val="100000"/>
-              </a:lnSpc>
-              <a:spcBef>
-                <a:spcPct val="0"/>
-              </a:spcBef>
-              <a:spcAft>
-                <a:spcPct val="0"/>
-              </a:spcAft>
-              <a:buClrTx/>
-              <a:buSzTx/>
-              <a:buNone/>
-              <a:tabLst/>
-            </a:pPr>
-            <a:r>
-              <a:rPr kumimoji="0" lang="ru-RU" altLang="ru-RU" sz="2000" b="1" i="0" u="none" strike="noStrike" cap="none" normalizeH="0" baseline="0" dirty="0" smtClean="0">
-                <a:ln>
-                  <a:noFill/>
-                </a:ln>
-                <a:solidFill>
-                  <a:schemeClr val="tx1"/>
-                </a:solidFill>
-                <a:effectLst/>
-                <a:latin typeface="Times New Roman" panose="02020603050405020304" pitchFamily="18" charset="0"/>
-                <a:cs typeface="Times New Roman" panose="02020603050405020304" pitchFamily="18" charset="0"/>
-              </a:rPr>
-              <a:t>Два сценария:</a:t>
-            </a:r>
-            <a:endParaRPr kumimoji="0" lang="ru-RU" altLang="ru-RU" sz="2000" b="0" i="0" u="none" strike="noStrike" cap="none" normalizeH="0" baseline="0" dirty="0" smtClean="0">
-              <a:ln>
-                <a:noFill/>
-              </a:ln>
-              <a:solidFill>
-                <a:schemeClr val="tx1"/>
-              </a:solidFill>
-              <a:effectLst/>
-              <a:latin typeface="Times New Roman" panose="02020603050405020304" pitchFamily="18" charset="0"/>
-              <a:cs typeface="Times New Roman" panose="02020603050405020304" pitchFamily="18" charset="0"/>
-            </a:endParaRPr>
-          </a:p>
-          <a:p>
-            <a:pPr marL="0" marR="0" lvl="0" indent="0" algn="l" defTabSz="914400" rtl="0" eaLnBrk="0" fontAlgn="base" latinLnBrk="0" hangingPunct="0">
-              <a:lnSpc>
-                <a:spcPct val="100000"/>
-              </a:lnSpc>
-              <a:spcBef>
-                <a:spcPct val="0"/>
-              </a:spcBef>
-              <a:spcAft>
-                <a:spcPct val="0"/>
-              </a:spcAft>
-              <a:buClrTx/>
-              <a:buSzTx/>
-              <a:buFontTx/>
-              <a:buAutoNum type="arabicPeriod"/>
-              <a:tabLst/>
-            </a:pPr>
-            <a:r>
-              <a:rPr kumimoji="0" lang="ru-RU" altLang="ru-RU" sz="2000" b="1" i="0" u="none" strike="noStrike" cap="none" normalizeH="0" baseline="0" dirty="0" smtClean="0">
-                <a:ln>
-                  <a:noFill/>
-                </a:ln>
-                <a:solidFill>
-                  <a:schemeClr val="tx1"/>
-                </a:solidFill>
-                <a:effectLst/>
-                <a:latin typeface="Times New Roman" panose="02020603050405020304" pitchFamily="18" charset="0"/>
-                <a:cs typeface="Times New Roman" panose="02020603050405020304" pitchFamily="18" charset="0"/>
-              </a:rPr>
-              <a:t>Клиент:</a:t>
-            </a:r>
-            <a:r>
-              <a:rPr kumimoji="0" lang="ru-RU" altLang="ru-RU" sz="2000" b="0" i="0" u="none" strike="noStrike" cap="none" normalizeH="0" baseline="0" dirty="0" smtClean="0">
-                <a:ln>
-                  <a:noFill/>
-                </a:ln>
-                <a:solidFill>
-                  <a:schemeClr val="tx1"/>
-                </a:solidFill>
-                <a:effectLst/>
-                <a:latin typeface="Times New Roman" panose="02020603050405020304" pitchFamily="18" charset="0"/>
-                <a:cs typeface="Times New Roman" panose="02020603050405020304" pitchFamily="18" charset="0"/>
-              </a:rPr>
-              <a:t> регистрация → профиль компании → создание/отправка заявки → статус</a:t>
-            </a:r>
-          </a:p>
-          <a:p>
-            <a:pPr marL="0" marR="0" lvl="0" indent="0" algn="l" defTabSz="914400" rtl="0" eaLnBrk="0" fontAlgn="base" latinLnBrk="0" hangingPunct="0">
-              <a:lnSpc>
-                <a:spcPct val="100000"/>
-              </a:lnSpc>
-              <a:spcBef>
-                <a:spcPct val="0"/>
-              </a:spcBef>
-              <a:spcAft>
-                <a:spcPct val="0"/>
-              </a:spcAft>
-              <a:buClrTx/>
-              <a:buSzTx/>
-              <a:buFontTx/>
-              <a:buAutoNum type="arabicPeriod" startAt="2"/>
-              <a:tabLst/>
-            </a:pPr>
-            <a:r>
-              <a:rPr kumimoji="0" lang="ru-RU" altLang="ru-RU" sz="2000" b="1" i="0" u="none" strike="noStrike" cap="none" normalizeH="0" baseline="0" dirty="0" smtClean="0">
-                <a:ln>
-                  <a:noFill/>
-                </a:ln>
-                <a:solidFill>
-                  <a:schemeClr val="tx1"/>
-                </a:solidFill>
-                <a:effectLst/>
-                <a:latin typeface="Times New Roman" panose="02020603050405020304" pitchFamily="18" charset="0"/>
-                <a:cs typeface="Times New Roman" panose="02020603050405020304" pitchFamily="18" charset="0"/>
-              </a:rPr>
-              <a:t>Банк:</a:t>
-            </a:r>
-            <a:r>
-              <a:rPr kumimoji="0" lang="ru-RU" altLang="ru-RU" sz="2000" b="0" i="0" u="none" strike="noStrike" cap="none" normalizeH="0" baseline="0" dirty="0" smtClean="0">
-                <a:ln>
-                  <a:noFill/>
-                </a:ln>
-                <a:solidFill>
-                  <a:schemeClr val="tx1"/>
-                </a:solidFill>
-                <a:effectLst/>
-                <a:latin typeface="Times New Roman" panose="02020603050405020304" pitchFamily="18" charset="0"/>
-                <a:cs typeface="Times New Roman" panose="02020603050405020304" pitchFamily="18" charset="0"/>
-              </a:rPr>
-              <a:t> регистрация → личный кабинет → просмотр/обработка заявок → решение</a:t>
-            </a:r>
-          </a:p>
-          <a:p>
-            <a:pPr marL="0" marR="0" lvl="0" indent="0" algn="l" defTabSz="914400" rtl="0" eaLnBrk="0" fontAlgn="base" latinLnBrk="0" hangingPunct="0">
-              <a:lnSpc>
-                <a:spcPct val="100000"/>
-              </a:lnSpc>
-              <a:spcBef>
-                <a:spcPct val="0"/>
-              </a:spcBef>
-              <a:spcAft>
-                <a:spcPct val="0"/>
-              </a:spcAft>
-              <a:buClrTx/>
-              <a:buSzTx/>
-              <a:buNone/>
-              <a:tabLst/>
-            </a:pPr>
-            <a:r>
-              <a:rPr kumimoji="0" lang="ru-RU" altLang="ru-RU" sz="2000" b="1" i="0" u="none" strike="noStrike" cap="none" normalizeH="0" baseline="0" dirty="0" smtClean="0">
-                <a:ln>
-                  <a:noFill/>
-                </a:ln>
-                <a:solidFill>
-                  <a:schemeClr val="tx1"/>
-                </a:solidFill>
-                <a:effectLst/>
-                <a:latin typeface="Times New Roman" panose="02020603050405020304" pitchFamily="18" charset="0"/>
-                <a:cs typeface="Times New Roman" panose="02020603050405020304" pitchFamily="18" charset="0"/>
-              </a:rPr>
-              <a:t>Навигация:</a:t>
-            </a:r>
-            <a:r>
-              <a:rPr kumimoji="0" lang="ru-RU" altLang="ru-RU" sz="2000" b="0" i="0" u="none" strike="noStrike" cap="none" normalizeH="0" baseline="0" dirty="0" smtClean="0">
-                <a:ln>
-                  <a:noFill/>
-                </a:ln>
-                <a:solidFill>
-                  <a:schemeClr val="tx1"/>
-                </a:solidFill>
-                <a:effectLst/>
-                <a:latin typeface="Times New Roman" panose="02020603050405020304" pitchFamily="18" charset="0"/>
-                <a:cs typeface="Times New Roman" panose="02020603050405020304" pitchFamily="18" charset="0"/>
-              </a:rPr>
-              <a:t> условный рендеринг по роли</a:t>
-            </a:r>
-          </a:p>
-          <a:p>
-            <a:pPr marL="0" marR="0" lvl="0" indent="0" algn="l" defTabSz="914400" rtl="0" eaLnBrk="0" fontAlgn="base" latinLnBrk="0" hangingPunct="0">
-              <a:lnSpc>
-                <a:spcPct val="100000"/>
-              </a:lnSpc>
-              <a:spcBef>
-                <a:spcPct val="0"/>
-              </a:spcBef>
-              <a:spcAft>
-                <a:spcPct val="0"/>
-              </a:spcAft>
-              <a:buClrTx/>
-              <a:buSzTx/>
-              <a:buNone/>
-              <a:tabLst/>
-            </a:pPr>
-            <a:r>
-              <a:rPr kumimoji="0" lang="ru-RU" altLang="ru-RU" sz="2000" b="1" i="0" u="none" strike="noStrike" cap="none" normalizeH="0" baseline="0" dirty="0" smtClean="0">
-                <a:ln>
-                  <a:noFill/>
-                </a:ln>
-                <a:solidFill>
-                  <a:schemeClr val="tx1"/>
-                </a:solidFill>
-                <a:effectLst/>
-                <a:latin typeface="Times New Roman" panose="02020603050405020304" pitchFamily="18" charset="0"/>
-                <a:cs typeface="Times New Roman" panose="02020603050405020304" pitchFamily="18" charset="0"/>
-              </a:rPr>
-              <a:t>UX-</a:t>
-            </a:r>
-            <a:r>
-              <a:rPr kumimoji="0" lang="ru-RU" altLang="ru-RU" sz="2000" b="1" i="0" u="none" strike="noStrike" cap="none" normalizeH="0" baseline="0" dirty="0" err="1" smtClean="0">
-                <a:ln>
-                  <a:noFill/>
-                </a:ln>
-                <a:solidFill>
-                  <a:schemeClr val="tx1"/>
-                </a:solidFill>
-                <a:effectLst/>
-                <a:latin typeface="Times New Roman" panose="02020603050405020304" pitchFamily="18" charset="0"/>
-                <a:cs typeface="Times New Roman" panose="02020603050405020304" pitchFamily="18" charset="0"/>
-              </a:rPr>
-              <a:t>фичи</a:t>
-            </a:r>
-            <a:r>
-              <a:rPr kumimoji="0" lang="ru-RU" altLang="ru-RU" sz="2000" b="1" i="0" u="none" strike="noStrike" cap="none" normalizeH="0" baseline="0" dirty="0" smtClean="0">
-                <a:ln>
-                  <a:noFill/>
-                </a:ln>
-                <a:solidFill>
-                  <a:schemeClr val="tx1"/>
-                </a:solidFill>
-                <a:effectLst/>
-                <a:latin typeface="Times New Roman" panose="02020603050405020304" pitchFamily="18" charset="0"/>
-                <a:cs typeface="Times New Roman" panose="02020603050405020304" pitchFamily="18" charset="0"/>
-              </a:rPr>
-              <a:t>:</a:t>
-            </a:r>
-            <a:r>
-              <a:rPr kumimoji="0" lang="ru-RU" altLang="ru-RU" sz="2000" b="0" i="0" u="none" strike="noStrike" cap="none" normalizeH="0" baseline="0" dirty="0" smtClean="0">
-                <a:ln>
-                  <a:noFill/>
-                </a:ln>
-                <a:solidFill>
-                  <a:schemeClr val="tx1"/>
-                </a:solidFill>
-                <a:effectLst/>
-                <a:latin typeface="Times New Roman" panose="02020603050405020304" pitchFamily="18" charset="0"/>
-                <a:cs typeface="Times New Roman" panose="02020603050405020304" pitchFamily="18" charset="0"/>
-              </a:rPr>
-              <a:t> </a:t>
-            </a:r>
-            <a:r>
-              <a:rPr kumimoji="0" lang="ru-RU" altLang="ru-RU" sz="2000" b="0" i="0" u="none" strike="noStrike" cap="none" normalizeH="0" baseline="0" dirty="0" err="1" smtClean="0">
-                <a:ln>
-                  <a:noFill/>
-                </a:ln>
-                <a:solidFill>
-                  <a:schemeClr val="tx1"/>
-                </a:solidFill>
-                <a:effectLst/>
-                <a:latin typeface="Times New Roman" panose="02020603050405020304" pitchFamily="18" charset="0"/>
-                <a:cs typeface="Times New Roman" panose="02020603050405020304" pitchFamily="18" charset="0"/>
-              </a:rPr>
-              <a:t>автозаполнение</a:t>
-            </a:r>
-            <a:r>
-              <a:rPr kumimoji="0" lang="ru-RU" altLang="ru-RU" sz="2000" b="0" i="0" u="none" strike="noStrike" cap="none" normalizeH="0" baseline="0" dirty="0" smtClean="0">
-                <a:ln>
-                  <a:noFill/>
-                </a:ln>
-                <a:solidFill>
-                  <a:schemeClr val="tx1"/>
-                </a:solidFill>
-                <a:effectLst/>
-                <a:latin typeface="Times New Roman" panose="02020603050405020304" pitchFamily="18" charset="0"/>
-                <a:cs typeface="Times New Roman" panose="02020603050405020304" pitchFamily="18" charset="0"/>
-              </a:rPr>
-              <a:t> из 1С, уведомления, адаптивный дизайн</a:t>
-            </a:r>
-          </a:p>
-        </p:txBody>
-      </p:sp>
-      <p:sp>
-        <p:nvSpPr>
-          <p:cNvPr id="6" name="Номер слайда 5"/>
-          <p:cNvSpPr>
-            <a:spLocks noGrp="1"/>
-          </p:cNvSpPr>
-          <p:nvPr>
-            <p:ph type="sldNum" sz="quarter" idx="12"/>
-          </p:nvPr>
-        </p:nvSpPr>
-        <p:spPr/>
-        <p:txBody>
-          <a:bodyPr/>
-          <a:lstStyle/>
-          <a:p>
-            <a:fld id="{C1FF6DA9-008F-8B48-92A6-B652298478BF}" type="slidenum">
-              <a:rPr lang="en-US" sz="1600" smtClean="0"/>
-              <a:t>7</a:t>
-            </a:fld>
-            <a:endParaRPr lang="en-US" sz="1600" dirty="0"/>
+            <a:r>
+              <a:rPr lang="ru-RU" sz="4000" dirty="0">
+                <a:latin typeface="Times New Roman" panose="02020603050405020304" pitchFamily="18" charset="0"/>
+                <a:cs typeface="Times New Roman" panose="02020603050405020304" pitchFamily="18" charset="0"/>
+              </a:rPr>
+              <a:t>Пользовательский интерфейс</a:t>
+            </a:r>
           </a:p>
         </p:txBody>
       </p:sp>
     </p:spTree>
+    <p:extLst>
+      <p:ext uri="{BB962C8B-B14F-4D97-AF65-F5344CB8AC3E}">
+        <p14:creationId xmlns:p14="http://schemas.microsoft.com/office/powerpoint/2010/main" val="1577574421"/>
+      </p:ext>
+    </p:extLst>
   </p:cSld>
   <p:clrMapOvr>
     <a:masterClrMapping/>
   </p:clrMapOvr>
-  <p:timing>
-    <p:tnLst>
-      <p:par>
-        <p:cTn id="1" dur="indefinite" restart="never" nodeType="tmRoot"/>
-      </p:par>
-    </p:tnLst>
-  </p:timing>
 </p:sld>
 </file>
 
-<file path=ppt/slides/slide8.xml><?xml version="1.0" encoding="utf-8"?>
+<file path=ppt/slides/slide9.xml><?xml version="1.0" encoding="utf-8"?>
 <p:sld xmlns:a="http://schemas.openxmlformats.org/drawingml/2006/main" xmlns:r="http://schemas.openxmlformats.org/officeDocument/2006/relationships" xmlns:p="http://schemas.openxmlformats.org/presentationml/2006/main">
   <p:cSld>
     <p:spTree>
@@ -5918,19 +5797,8 @@
                 <a:latin typeface="Times New Roman" panose="02020603050405020304" pitchFamily="18" charset="0"/>
                 <a:cs typeface="Times New Roman" panose="02020603050405020304" pitchFamily="18" charset="0"/>
               </a:rPr>
-              <a:t> </a:t>
-            </a:r>
-            <a:r>
-              <a:rPr lang="ru-RU" altLang="ru-RU" sz="1800" dirty="0" smtClean="0">
-                <a:latin typeface="Times New Roman" panose="02020603050405020304" pitchFamily="18" charset="0"/>
-                <a:cs typeface="Times New Roman" panose="02020603050405020304" pitchFamily="18" charset="0"/>
-              </a:rPr>
-              <a:t>формы</a:t>
-            </a:r>
-            <a:endParaRPr lang="ru-RU" altLang="ru-RU" sz="1800" dirty="0">
-              <a:latin typeface="Times New Roman" panose="02020603050405020304" pitchFamily="18" charset="0"/>
-              <a:cs typeface="Times New Roman" panose="02020603050405020304" pitchFamily="18" charset="0"/>
-            </a:endParaRPr>
+              <a:t> формы</a:t>
+            </a:r>
           </a:p>
         </p:txBody>
       </p:sp>
@@ -5981,7 +5849,7 @@
           <a:p>
             <a:fld id="{C1FF6DA9-008F-8B48-92A6-B652298478BF}" type="slidenum">
               <a:rPr lang="en-US" sz="1600" smtClean="0"/>
-              <a:t>8</a:t>
+              <a:t>9</a:t>
             </a:fld>
             <a:endParaRPr lang="en-US" sz="1600" dirty="0"/>
           </a:p>
@@ -5997,312 +5865,6 @@
   <p:clrMapOvr>
     <a:masterClrMapping/>
   </p:clrMapOvr>
-  <p:timing>
-    <p:tnLst>
-      <p:par>
-        <p:cTn id="1" dur="indefinite" restart="never" nodeType="tmRoot"/>
-      </p:par>
-    </p:tnLst>
-  </p:timing>
-</p:sld>
-</file>
-
-<file path=ppt/slides/slide9.xml><?xml version="1.0" encoding="utf-8"?>
-<p:sld xmlns:a="http://schemas.openxmlformats.org/drawingml/2006/main" xmlns:r="http://schemas.openxmlformats.org/officeDocument/2006/relationships" xmlns:p="http://schemas.openxmlformats.org/presentationml/2006/main">
-  <p:cSld>
-    <p:spTree>
-      <p:nvGrpSpPr>
-        <p:cNvPr id="1" name=""/>
-        <p:cNvGrpSpPr/>
-        <p:nvPr/>
-      </p:nvGrpSpPr>
-      <p:grpSpPr>
-        <a:xfrm>
-          <a:off x="0" y="0"/>
-          <a:ext cx="0" cy="0"/>
-          <a:chOff x="0" y="0"/>
-          <a:chExt cx="0" cy="0"/>
-        </a:xfrm>
-      </p:grpSpPr>
-      <p:sp>
-        <p:nvSpPr>
-          <p:cNvPr id="2" name="Заголовок 1"/>
-          <p:cNvSpPr>
-            <a:spLocks noGrp="1"/>
-          </p:cNvSpPr>
-          <p:nvPr>
-            <p:ph type="title"/>
-          </p:nvPr>
-        </p:nvSpPr>
-        <p:spPr/>
-        <p:txBody>
-          <a:bodyPr/>
-          <a:lstStyle/>
-          <a:p>
-            <a:r>
-              <a:rPr lang="ru-RU" dirty="0">
-                <a:latin typeface="Times New Roman" panose="02020603050405020304" pitchFamily="18" charset="0"/>
-                <a:cs typeface="Times New Roman" panose="02020603050405020304" pitchFamily="18" charset="0"/>
-              </a:rPr>
-              <a:t>Выводы и перспективы</a:t>
-            </a:r>
-          </a:p>
-        </p:txBody>
-      </p:sp>
-      <p:sp>
-        <p:nvSpPr>
-          <p:cNvPr id="3" name="Объект 2"/>
-          <p:cNvSpPr>
-            <a:spLocks noGrp="1"/>
-          </p:cNvSpPr>
-          <p:nvPr>
-            <p:ph idx="1"/>
-          </p:nvPr>
-        </p:nvSpPr>
-        <p:spPr/>
-        <p:txBody>
-          <a:bodyPr>
-            <a:normAutofit fontScale="92500" lnSpcReduction="20000"/>
-          </a:bodyPr>
-          <a:lstStyle/>
-          <a:p>
-            <a:pPr marL="0" indent="0">
-              <a:buNone/>
-            </a:pPr>
-            <a:r>
-              <a:rPr lang="ru-RU" b="1" dirty="0">
-                <a:latin typeface="Times New Roman" panose="02020603050405020304" pitchFamily="18" charset="0"/>
-                <a:cs typeface="Times New Roman" panose="02020603050405020304" pitchFamily="18" charset="0"/>
-              </a:rPr>
-              <a:t>Выводы:</a:t>
-            </a:r>
-            <a:endParaRPr lang="ru-RU" dirty="0">
-              <a:latin typeface="Times New Roman" panose="02020603050405020304" pitchFamily="18" charset="0"/>
-              <a:cs typeface="Times New Roman" panose="02020603050405020304" pitchFamily="18" charset="0"/>
-            </a:endParaRPr>
-          </a:p>
-          <a:p>
-            <a:r>
-              <a:rPr lang="ru-RU" dirty="0">
-                <a:latin typeface="Times New Roman" panose="02020603050405020304" pitchFamily="18" charset="0"/>
-                <a:cs typeface="Times New Roman" panose="02020603050405020304" pitchFamily="18" charset="0"/>
-              </a:rPr>
-              <a:t>Цели достигнуты: создан </a:t>
-            </a:r>
-            <a:r>
-              <a:rPr lang="ru-RU" dirty="0" smtClean="0">
-                <a:latin typeface="Times New Roman" panose="02020603050405020304" pitchFamily="18" charset="0"/>
-                <a:cs typeface="Times New Roman" panose="02020603050405020304" pitchFamily="18" charset="0"/>
-              </a:rPr>
-              <a:t>прототип </a:t>
-            </a:r>
-            <a:r>
-              <a:rPr lang="ru-RU" dirty="0" err="1" smtClean="0">
-                <a:latin typeface="Times New Roman" panose="02020603050405020304" pitchFamily="18" charset="0"/>
-                <a:cs typeface="Times New Roman" panose="02020603050405020304" pitchFamily="18" charset="0"/>
-              </a:rPr>
-              <a:t>мультибанковского</a:t>
-            </a:r>
-            <a:r>
-              <a:rPr lang="ru-RU" dirty="0" smtClean="0">
-                <a:latin typeface="Times New Roman" panose="02020603050405020304" pitchFamily="18" charset="0"/>
-                <a:cs typeface="Times New Roman" panose="02020603050405020304" pitchFamily="18" charset="0"/>
-              </a:rPr>
-              <a:t> веб-сервиса </a:t>
-            </a:r>
-            <a:r>
-              <a:rPr lang="ru-RU" dirty="0">
-                <a:latin typeface="Times New Roman" panose="02020603050405020304" pitchFamily="18" charset="0"/>
-                <a:cs typeface="Times New Roman" panose="02020603050405020304" pitchFamily="18" charset="0"/>
-              </a:rPr>
-              <a:t>с интеграцией </a:t>
-            </a:r>
-            <a:r>
-              <a:rPr lang="ru-RU" dirty="0" smtClean="0">
-                <a:latin typeface="Times New Roman" panose="02020603050405020304" pitchFamily="18" charset="0"/>
-                <a:cs typeface="Times New Roman" panose="02020603050405020304" pitchFamily="18" charset="0"/>
-              </a:rPr>
-              <a:t>1С</a:t>
-            </a:r>
-            <a:endParaRPr lang="ru-RU" dirty="0">
-              <a:latin typeface="Times New Roman" panose="02020603050405020304" pitchFamily="18" charset="0"/>
-              <a:cs typeface="Times New Roman" panose="02020603050405020304" pitchFamily="18" charset="0"/>
-            </a:endParaRPr>
-          </a:p>
-          <a:p>
-            <a:pPr marL="0" indent="0">
-              <a:buNone/>
-            </a:pPr>
-            <a:r>
-              <a:rPr lang="ru-RU" b="1" dirty="0">
-                <a:latin typeface="Times New Roman" panose="02020603050405020304" pitchFamily="18" charset="0"/>
-                <a:cs typeface="Times New Roman" panose="02020603050405020304" pitchFamily="18" charset="0"/>
-              </a:rPr>
-              <a:t>Перспективы развития:</a:t>
-            </a:r>
-            <a:endParaRPr lang="ru-RU" dirty="0">
-              <a:latin typeface="Times New Roman" panose="02020603050405020304" pitchFamily="18" charset="0"/>
-              <a:cs typeface="Times New Roman" panose="02020603050405020304" pitchFamily="18" charset="0"/>
-            </a:endParaRPr>
-          </a:p>
-          <a:p>
-            <a:r>
-              <a:rPr lang="ru-RU" dirty="0" smtClean="0">
-                <a:latin typeface="Times New Roman" panose="02020603050405020304" pitchFamily="18" charset="0"/>
-                <a:cs typeface="Times New Roman" panose="02020603050405020304" pitchFamily="18" charset="0"/>
-              </a:rPr>
-              <a:t>Внедрить </a:t>
-            </a:r>
-            <a:r>
-              <a:rPr lang="ru-RU" dirty="0">
-                <a:latin typeface="Times New Roman" panose="02020603050405020304" pitchFamily="18" charset="0"/>
-                <a:cs typeface="Times New Roman" panose="02020603050405020304" pitchFamily="18" charset="0"/>
-              </a:rPr>
-              <a:t>двухфакторную </a:t>
-            </a:r>
-            <a:r>
-              <a:rPr lang="ru-RU" dirty="0" smtClean="0">
-                <a:latin typeface="Times New Roman" panose="02020603050405020304" pitchFamily="18" charset="0"/>
-                <a:cs typeface="Times New Roman" panose="02020603050405020304" pitchFamily="18" charset="0"/>
-              </a:rPr>
-              <a:t>аутентификацию</a:t>
-            </a:r>
-          </a:p>
-          <a:p>
-            <a:r>
-              <a:rPr lang="ru-RU" dirty="0" smtClean="0">
-                <a:latin typeface="Times New Roman" panose="02020603050405020304" pitchFamily="18" charset="0"/>
-                <a:cs typeface="Times New Roman" panose="02020603050405020304" pitchFamily="18" charset="0"/>
-              </a:rPr>
-              <a:t>Добавить </a:t>
-            </a:r>
-            <a:r>
-              <a:rPr lang="ru-RU" dirty="0">
-                <a:latin typeface="Times New Roman" panose="02020603050405020304" pitchFamily="18" charset="0"/>
-                <a:cs typeface="Times New Roman" panose="02020603050405020304" pitchFamily="18" charset="0"/>
-              </a:rPr>
-              <a:t>аналитику </a:t>
-            </a:r>
-            <a:r>
-              <a:rPr lang="ru-RU" dirty="0" smtClean="0">
-                <a:latin typeface="Times New Roman" panose="02020603050405020304" pitchFamily="18" charset="0"/>
-                <a:cs typeface="Times New Roman" panose="02020603050405020304" pitchFamily="18" charset="0"/>
-              </a:rPr>
-              <a:t>для банков</a:t>
-            </a:r>
-            <a:endParaRPr lang="ru-RU" dirty="0">
-              <a:latin typeface="Times New Roman" panose="02020603050405020304" pitchFamily="18" charset="0"/>
-              <a:cs typeface="Times New Roman" panose="02020603050405020304" pitchFamily="18" charset="0"/>
-            </a:endParaRPr>
-          </a:p>
-          <a:p>
-            <a:r>
-              <a:rPr lang="ru-RU" dirty="0">
-                <a:latin typeface="Times New Roman" panose="02020603050405020304" pitchFamily="18" charset="0"/>
-                <a:cs typeface="Times New Roman" panose="02020603050405020304" pitchFamily="18" charset="0"/>
-              </a:rPr>
-              <a:t>Интеграция с другими учетными системами (SAP, </a:t>
-            </a:r>
-            <a:r>
-              <a:rPr lang="ru-RU" dirty="0" err="1">
-                <a:latin typeface="Times New Roman" panose="02020603050405020304" pitchFamily="18" charset="0"/>
-                <a:cs typeface="Times New Roman" panose="02020603050405020304" pitchFamily="18" charset="0"/>
-              </a:rPr>
-              <a:t>Oracle</a:t>
-            </a:r>
-            <a:r>
-              <a:rPr lang="ru-RU" dirty="0">
-                <a:latin typeface="Times New Roman" panose="02020603050405020304" pitchFamily="18" charset="0"/>
-                <a:cs typeface="Times New Roman" panose="02020603050405020304" pitchFamily="18" charset="0"/>
-              </a:rPr>
-              <a:t>)</a:t>
-            </a:r>
-          </a:p>
-          <a:p>
-            <a:r>
-              <a:rPr lang="ru-RU" dirty="0">
-                <a:latin typeface="Times New Roman" panose="02020603050405020304" pitchFamily="18" charset="0"/>
-                <a:cs typeface="Times New Roman" panose="02020603050405020304" pitchFamily="18" charset="0"/>
-              </a:rPr>
-              <a:t>Мобильные приложения (</a:t>
-            </a:r>
-            <a:r>
-              <a:rPr lang="ru-RU" dirty="0" err="1">
-                <a:latin typeface="Times New Roman" panose="02020603050405020304" pitchFamily="18" charset="0"/>
-                <a:cs typeface="Times New Roman" panose="02020603050405020304" pitchFamily="18" charset="0"/>
-              </a:rPr>
-              <a:t>React</a:t>
-            </a:r>
-            <a:r>
-              <a:rPr lang="ru-RU" dirty="0">
-                <a:latin typeface="Times New Roman" panose="02020603050405020304" pitchFamily="18" charset="0"/>
-                <a:cs typeface="Times New Roman" panose="02020603050405020304" pitchFamily="18" charset="0"/>
-              </a:rPr>
-              <a:t> </a:t>
-            </a:r>
-            <a:r>
-              <a:rPr lang="ru-RU" dirty="0" err="1">
-                <a:latin typeface="Times New Roman" panose="02020603050405020304" pitchFamily="18" charset="0"/>
-                <a:cs typeface="Times New Roman" panose="02020603050405020304" pitchFamily="18" charset="0"/>
-              </a:rPr>
-              <a:t>Native</a:t>
-            </a:r>
-            <a:r>
-              <a:rPr lang="ru-RU" dirty="0">
-                <a:latin typeface="Times New Roman" panose="02020603050405020304" pitchFamily="18" charset="0"/>
-                <a:cs typeface="Times New Roman" panose="02020603050405020304" pitchFamily="18" charset="0"/>
-              </a:rPr>
-              <a:t>)</a:t>
-            </a:r>
-          </a:p>
-          <a:p>
-            <a:endParaRPr lang="ru-RU" dirty="0">
-              <a:latin typeface="Times New Roman" panose="02020603050405020304" pitchFamily="18" charset="0"/>
-              <a:cs typeface="Times New Roman" panose="02020603050405020304" pitchFamily="18" charset="0"/>
-            </a:endParaRPr>
-          </a:p>
-        </p:txBody>
-      </p:sp>
-      <p:sp>
-        <p:nvSpPr>
-          <p:cNvPr id="4" name="Номер слайда 3"/>
-          <p:cNvSpPr>
-            <a:spLocks noGrp="1"/>
-          </p:cNvSpPr>
-          <p:nvPr>
-            <p:ph type="sldNum" sz="quarter" idx="12"/>
-          </p:nvPr>
-        </p:nvSpPr>
-        <p:spPr/>
-        <p:txBody>
-          <a:bodyPr/>
-          <a:lstStyle/>
-          <a:p>
-            <a:fld id="{C1FF6DA9-008F-8B48-92A6-B652298478BF}" type="slidenum">
-              <a:rPr lang="en-US" sz="1600" smtClean="0"/>
-              <a:t>9</a:t>
-            </a:fld>
-            <a:endParaRPr lang="en-US" sz="1600" dirty="0"/>
-          </a:p>
-        </p:txBody>
-      </p:sp>
-    </p:spTree>
-    <p:extLst>
-      <p:ext uri="{BB962C8B-B14F-4D97-AF65-F5344CB8AC3E}">
-        <p14:creationId xmlns:p14="http://schemas.microsoft.com/office/powerpoint/2010/main" val="1751026053"/>
-      </p:ext>
-    </p:extLst>
-  </p:cSld>
-  <p:clrMapOvr>
-    <a:masterClrMapping/>
-  </p:clrMapOvr>
-  <p:timing>
-    <p:tnLst>
-      <p:par>
-        <p:cTn id="1" dur="indefinite" restart="never" nodeType="tmRoot"/>
-      </p:par>
-    </p:tnLst>
-  </p:timing>
 </p:sld>
 </file>
 
